--- a/downloads/sept-2020-fsh-tutorial-part-2.pptx
+++ b/downloads/sept-2020-fsh-tutorial-part-2.pptx
@@ -5,10 +5,10 @@
     <p:sldMasterId id="2147483660" r:id="rId4"/>
   </p:sldMasterIdLst>
   <p:notesMasterIdLst>
-    <p:notesMasterId r:id="rId37"/>
+    <p:notesMasterId r:id="rId41"/>
   </p:notesMasterIdLst>
   <p:handoutMasterIdLst>
-    <p:handoutMasterId r:id="rId38"/>
+    <p:handoutMasterId r:id="rId42"/>
   </p:handoutMasterIdLst>
   <p:sldIdLst>
     <p:sldId id="2250" r:id="rId5"/>
@@ -19,30 +19,34 @@
     <p:sldId id="2263" r:id="rId10"/>
     <p:sldId id="2245" r:id="rId11"/>
     <p:sldId id="2249" r:id="rId12"/>
-    <p:sldId id="2295" r:id="rId13"/>
-    <p:sldId id="2296" r:id="rId14"/>
-    <p:sldId id="2230" r:id="rId15"/>
-    <p:sldId id="2192" r:id="rId16"/>
-    <p:sldId id="2229" r:id="rId17"/>
-    <p:sldId id="2231" r:id="rId18"/>
-    <p:sldId id="2215" r:id="rId19"/>
-    <p:sldId id="2297" r:id="rId20"/>
-    <p:sldId id="2217" r:id="rId21"/>
-    <p:sldId id="2241" r:id="rId22"/>
-    <p:sldId id="2196" r:id="rId23"/>
-    <p:sldId id="2243" r:id="rId24"/>
-    <p:sldId id="2194" r:id="rId25"/>
-    <p:sldId id="2242" r:id="rId26"/>
-    <p:sldId id="2294" r:id="rId27"/>
-    <p:sldId id="2299" r:id="rId28"/>
-    <p:sldId id="2201" r:id="rId29"/>
-    <p:sldId id="2236" r:id="rId30"/>
-    <p:sldId id="2234" r:id="rId31"/>
-    <p:sldId id="2244" r:id="rId32"/>
-    <p:sldId id="2298" r:id="rId33"/>
-    <p:sldId id="2251" r:id="rId34"/>
-    <p:sldId id="2238" r:id="rId35"/>
-    <p:sldId id="2218" r:id="rId36"/>
+    <p:sldId id="2293" r:id="rId13"/>
+    <p:sldId id="2203" r:id="rId14"/>
+    <p:sldId id="2197" r:id="rId15"/>
+    <p:sldId id="2233" r:id="rId16"/>
+    <p:sldId id="2295" r:id="rId17"/>
+    <p:sldId id="2296" r:id="rId18"/>
+    <p:sldId id="2230" r:id="rId19"/>
+    <p:sldId id="2192" r:id="rId20"/>
+    <p:sldId id="2231" r:id="rId21"/>
+    <p:sldId id="2229" r:id="rId22"/>
+    <p:sldId id="2215" r:id="rId23"/>
+    <p:sldId id="2297" r:id="rId24"/>
+    <p:sldId id="2217" r:id="rId25"/>
+    <p:sldId id="2241" r:id="rId26"/>
+    <p:sldId id="2196" r:id="rId27"/>
+    <p:sldId id="2300" r:id="rId28"/>
+    <p:sldId id="2194" r:id="rId29"/>
+    <p:sldId id="2242" r:id="rId30"/>
+    <p:sldId id="2294" r:id="rId31"/>
+    <p:sldId id="2299" r:id="rId32"/>
+    <p:sldId id="2201" r:id="rId33"/>
+    <p:sldId id="2236" r:id="rId34"/>
+    <p:sldId id="2234" r:id="rId35"/>
+    <p:sldId id="2244" r:id="rId36"/>
+    <p:sldId id="2298" r:id="rId37"/>
+    <p:sldId id="2251" r:id="rId38"/>
+    <p:sldId id="2238" r:id="rId39"/>
+    <p:sldId id="2218" r:id="rId40"/>
   </p:sldIdLst>
   <p:sldSz cx="12192000" cy="6858000"/>
   <p:notesSz cx="6985000" cy="9283700"/>
@@ -285,7 +289,7 @@
           <a:p>
             <a:fld id="{AFE76767-5322-D542-9E98-2A88DA212C5A}" type="datetimeFigureOut">
               <a:rPr lang="en-US" smtClean="0"/>
-              <a:t>9/4/2020</a:t>
+              <a:t>9/10/20</a:t>
             </a:fld>
             <a:endParaRPr lang="en-US" dirty="0"/>
           </a:p>
@@ -450,7 +454,7 @@
           <a:p>
             <a:fld id="{E0531731-A2BA-4C42-8716-F6A84AD29816}" type="datetimeFigureOut">
               <a:rPr lang="en-US" smtClean="0"/>
-              <a:t>9/4/2020</a:t>
+              <a:t>9/10/20</a:t>
             </a:fld>
             <a:endParaRPr lang="en-US" dirty="0"/>
           </a:p>
@@ -3318,7 +3322,7 @@
           <p:cNvPr id="2" name="Title 1">
             <a:extLst>
               <a:ext uri="{FF2B5EF4-FFF2-40B4-BE49-F238E27FC236}">
-                <a16:creationId xmlns:a16="http://schemas.microsoft.com/office/drawing/2014/main" id="{CB15C921-0ABC-41A4-80A5-569E8842CC1B}"/>
+                <a16:creationId xmlns:a16="http://schemas.microsoft.com/office/drawing/2014/main" id="{D8830616-40B8-47ED-8BBD-F4C4B3DC00A3}"/>
               </a:ext>
             </a:extLst>
           </p:cNvPr>
@@ -3336,7 +3340,732 @@
           <a:p>
             <a:r>
               <a:rPr lang="en-US"/>
-              <a:t>Walkthrough </a:t>
+              <a:t>Defining Value Sets in FSH</a:t>
+            </a:r>
+          </a:p>
+        </p:txBody>
+      </p:sp>
+      <p:pic>
+        <p:nvPicPr>
+          <p:cNvPr id="6" name="Picture 5">
+            <a:extLst>
+              <a:ext uri="{FF2B5EF4-FFF2-40B4-BE49-F238E27FC236}">
+                <a16:creationId xmlns:a16="http://schemas.microsoft.com/office/drawing/2014/main" id="{8C6852D9-CF54-451A-A3C4-3EE043B39CA7}"/>
+              </a:ext>
+            </a:extLst>
+          </p:cNvPr>
+          <p:cNvPicPr>
+            <a:picLocks noChangeAspect="1"/>
+          </p:cNvPicPr>
+          <p:nvPr/>
+        </p:nvPicPr>
+        <p:blipFill>
+          <a:blip r:embed="rId2"/>
+          <a:stretch>
+            <a:fillRect/>
+          </a:stretch>
+        </p:blipFill>
+        <p:spPr>
+          <a:xfrm>
+            <a:off x="812800" y="2950904"/>
+            <a:ext cx="10413672" cy="3141787"/>
+          </a:xfrm>
+          <a:prstGeom prst="rect">
+            <a:avLst/>
+          </a:prstGeom>
+        </p:spPr>
+      </p:pic>
+      <p:pic>
+        <p:nvPicPr>
+          <p:cNvPr id="7" name="Picture 6">
+            <a:extLst>
+              <a:ext uri="{FF2B5EF4-FFF2-40B4-BE49-F238E27FC236}">
+                <a16:creationId xmlns:a16="http://schemas.microsoft.com/office/drawing/2014/main" id="{B4BA6F1C-768C-4AB7-813D-30693E3AE5D9}"/>
+              </a:ext>
+            </a:extLst>
+          </p:cNvPr>
+          <p:cNvPicPr>
+            <a:picLocks noChangeAspect="1"/>
+          </p:cNvPicPr>
+          <p:nvPr/>
+        </p:nvPicPr>
+        <p:blipFill rotWithShape="1">
+          <a:blip r:embed="rId3" cstate="hqprint">
+            <a:extLst>
+              <a:ext uri="{28A0092B-C50C-407E-A947-70E740481C1C}">
+                <a14:useLocalDpi xmlns:a14="http://schemas.microsoft.com/office/drawing/2010/main"/>
+              </a:ext>
+            </a:extLst>
+          </a:blip>
+          <a:srcRect/>
+          <a:stretch/>
+        </p:blipFill>
+        <p:spPr>
+          <a:xfrm>
+            <a:off x="812801" y="2389778"/>
+            <a:ext cx="5283200" cy="365222"/>
+          </a:xfrm>
+          <a:prstGeom prst="rect">
+            <a:avLst/>
+          </a:prstGeom>
+        </p:spPr>
+      </p:pic>
+      <p:sp>
+        <p:nvSpPr>
+          <p:cNvPr id="8" name="TextBox 7">
+            <a:extLst>
+              <a:ext uri="{FF2B5EF4-FFF2-40B4-BE49-F238E27FC236}">
+                <a16:creationId xmlns:a16="http://schemas.microsoft.com/office/drawing/2014/main" id="{8F0EA5A7-C02C-432A-B189-6378FA2ED739}"/>
+              </a:ext>
+            </a:extLst>
+          </p:cNvPr>
+          <p:cNvSpPr txBox="1"/>
+          <p:nvPr/>
+        </p:nvSpPr>
+        <p:spPr>
+          <a:xfrm>
+            <a:off x="765605" y="1396469"/>
+            <a:ext cx="7188006" cy="661720"/>
+          </a:xfrm>
+          <a:prstGeom prst="rect">
+            <a:avLst/>
+          </a:prstGeom>
+          <a:noFill/>
+        </p:spPr>
+        <p:txBody>
+          <a:bodyPr wrap="square" rtlCol="0">
+            <a:spAutoFit/>
+          </a:bodyPr>
+          <a:lstStyle/>
+          <a:p>
+            <a:pPr>
+              <a:spcAft>
+                <a:spcPts val="600"/>
+              </a:spcAft>
+            </a:pPr>
+            <a:r>
+              <a:rPr lang="en-US" sz="1600" i="1">
+                <a:solidFill>
+                  <a:schemeClr val="accent1">
+                    <a:lumMod val="75000"/>
+                  </a:schemeClr>
+                </a:solidFill>
+                <a:ea typeface="Verdana" pitchFamily="34" charset="0"/>
+                <a:cs typeface="Verdana" pitchFamily="34" charset="0"/>
+              </a:rPr>
+              <a:t>An extensional value set contains an explicit list of codes</a:t>
+            </a:r>
+          </a:p>
+          <a:p>
+            <a:pPr>
+              <a:spcAft>
+                <a:spcPts val="600"/>
+              </a:spcAft>
+            </a:pPr>
+            <a:r>
+              <a:rPr lang="en-US" sz="1600" i="1">
+                <a:solidFill>
+                  <a:schemeClr val="accent1">
+                    <a:lumMod val="75000"/>
+                  </a:schemeClr>
+                </a:solidFill>
+                <a:ea typeface="Verdana" pitchFamily="34" charset="0"/>
+                <a:cs typeface="Verdana" pitchFamily="34" charset="0"/>
+              </a:rPr>
+              <a:t>The extensional form is very simple:   </a:t>
+            </a:r>
+            <a:r>
+              <a:rPr lang="en-US" sz="1600">
+                <a:solidFill>
+                  <a:schemeClr val="accent1">
+                    <a:lumMod val="75000"/>
+                  </a:schemeClr>
+                </a:solidFill>
+                <a:ea typeface="Verdana" pitchFamily="34" charset="0"/>
+                <a:cs typeface="Verdana" pitchFamily="34" charset="0"/>
+              </a:rPr>
+              <a:t>* {coding}</a:t>
+            </a:r>
+          </a:p>
+        </p:txBody>
+      </p:sp>
+    </p:spTree>
+    <p:extLst>
+      <p:ext uri="{BB962C8B-B14F-4D97-AF65-F5344CB8AC3E}">
+        <p14:creationId xmlns:p14="http://schemas.microsoft.com/office/powerpoint/2010/main" val="1474837807"/>
+      </p:ext>
+    </p:extLst>
+  </p:cSld>
+  <p:clrMapOvr>
+    <a:masterClrMapping/>
+  </p:clrMapOvr>
+</p:sld>
+</file>
+
+<file path=ppt/slides/slide11.xml><?xml version="1.0" encoding="utf-8"?>
+<p:sld xmlns:a="http://schemas.openxmlformats.org/drawingml/2006/main" xmlns:r="http://schemas.openxmlformats.org/officeDocument/2006/relationships" xmlns:p="http://schemas.openxmlformats.org/presentationml/2006/main">
+  <p:cSld>
+    <p:spTree>
+      <p:nvGrpSpPr>
+        <p:cNvPr id="1" name=""/>
+        <p:cNvGrpSpPr/>
+        <p:nvPr/>
+      </p:nvGrpSpPr>
+      <p:grpSpPr>
+        <a:xfrm>
+          <a:off x="0" y="0"/>
+          <a:ext cx="0" cy="0"/>
+          <a:chOff x="0" y="0"/>
+          <a:chExt cx="0" cy="0"/>
+        </a:xfrm>
+      </p:grpSpPr>
+      <p:sp>
+        <p:nvSpPr>
+          <p:cNvPr id="2" name="Title 1">
+            <a:extLst>
+              <a:ext uri="{FF2B5EF4-FFF2-40B4-BE49-F238E27FC236}">
+                <a16:creationId xmlns:a16="http://schemas.microsoft.com/office/drawing/2014/main" id="{A231E51A-DCC9-42D5-89FB-02329447B910}"/>
+              </a:ext>
+            </a:extLst>
+          </p:cNvPr>
+          <p:cNvSpPr>
+            <a:spLocks noGrp="1"/>
+          </p:cNvSpPr>
+          <p:nvPr>
+            <p:ph type="title"/>
+          </p:nvPr>
+        </p:nvSpPr>
+        <p:spPr/>
+        <p:txBody>
+          <a:bodyPr/>
+          <a:lstStyle/>
+          <a:p>
+            <a:r>
+              <a:rPr lang="en-US"/>
+              <a:t>Value Set Rules</a:t>
+            </a:r>
+          </a:p>
+        </p:txBody>
+      </p:sp>
+      <p:sp>
+        <p:nvSpPr>
+          <p:cNvPr id="3" name="Content Placeholder 2">
+            <a:extLst>
+              <a:ext uri="{FF2B5EF4-FFF2-40B4-BE49-F238E27FC236}">
+                <a16:creationId xmlns:a16="http://schemas.microsoft.com/office/drawing/2014/main" id="{AF1EDF83-1635-4406-8062-282C83A1DADD}"/>
+              </a:ext>
+            </a:extLst>
+          </p:cNvPr>
+          <p:cNvSpPr>
+            <a:spLocks noGrp="1"/>
+          </p:cNvSpPr>
+          <p:nvPr>
+            <p:ph idx="1"/>
+          </p:nvPr>
+        </p:nvSpPr>
+        <p:spPr/>
+        <p:txBody>
+          <a:bodyPr>
+            <a:normAutofit/>
+          </a:bodyPr>
+          <a:lstStyle/>
+          <a:p>
+            <a:r>
+              <a:rPr lang="en-US"/>
+              <a:t>Rule to include or exclude a single code:</a:t>
+            </a:r>
+          </a:p>
+          <a:p>
+            <a:pPr marL="284163" lvl="1" indent="0">
+              <a:buNone/>
+            </a:pPr>
+            <a:r>
+              <a:rPr lang="en-US" sz="1800">
+                <a:latin typeface="Consolas" panose="020B0609020204030204" pitchFamily="49" charset="0"/>
+              </a:rPr>
+              <a:t>* SCT#54102005  "G1 grade (finding)" </a:t>
+            </a:r>
+          </a:p>
+          <a:p>
+            <a:pPr marL="284163" lvl="1" indent="0">
+              <a:buNone/>
+            </a:pPr>
+            <a:r>
+              <a:rPr lang="en-US" sz="1800">
+                <a:latin typeface="Consolas" panose="020B0609020204030204" pitchFamily="49" charset="0"/>
+              </a:rPr>
+              <a:t>* exclude SCT#54102005  "G1 grade (finding)" </a:t>
+            </a:r>
+          </a:p>
+          <a:p>
+            <a:pPr marL="284163" lvl="1" indent="0">
+              <a:buNone/>
+            </a:pPr>
+            <a:endParaRPr lang="en-US"/>
+          </a:p>
+          <a:p>
+            <a:pPr marL="342900" indent="-342900"/>
+            <a:r>
+              <a:rPr lang="en-US"/>
+              <a:t>Rule to include/exclude an entire value set:</a:t>
+            </a:r>
+          </a:p>
+          <a:p>
+            <a:pPr marL="284163" lvl="1" indent="0">
+              <a:buNone/>
+            </a:pPr>
+            <a:r>
+              <a:rPr lang="en-US" sz="1800" b="0">
+                <a:latin typeface="Consolas" panose="020B0609020204030204" pitchFamily="49" charset="0"/>
+              </a:rPr>
+              <a:t>* codes from valueset </a:t>
+            </a:r>
+            <a:r>
+              <a:rPr lang="en-US" sz="1800">
+                <a:latin typeface="Consolas" panose="020B0609020204030204" pitchFamily="49" charset="0"/>
+                <a:hlinkClick r:id="rId2"/>
+              </a:rPr>
+              <a:t>http://hl7.org/fhir/ValueSet/bodysite-laterality</a:t>
+            </a:r>
+            <a:endParaRPr lang="en-US" sz="1800">
+              <a:latin typeface="Consolas" panose="020B0609020204030204" pitchFamily="49" charset="0"/>
+            </a:endParaRPr>
+          </a:p>
+          <a:p>
+            <a:pPr marL="284163" lvl="1" indent="0">
+              <a:buNone/>
+            </a:pPr>
+            <a:r>
+              <a:rPr lang="en-US" sz="1800">
+                <a:latin typeface="Consolas" panose="020B0609020204030204" pitchFamily="49" charset="0"/>
+              </a:rPr>
+              <a:t>* exclude codes from valueset </a:t>
+            </a:r>
+            <a:r>
+              <a:rPr lang="en-US" sz="1800">
+                <a:latin typeface="Consolas" panose="020B0609020204030204" pitchFamily="49" charset="0"/>
+                <a:hlinkClick r:id="rId2"/>
+              </a:rPr>
+              <a:t>http://hl7.org/fhir/ValueSet/bodysite-laterality</a:t>
+            </a:r>
+            <a:endParaRPr lang="en-US" sz="1800">
+              <a:latin typeface="Consolas" panose="020B0609020204030204" pitchFamily="49" charset="0"/>
+            </a:endParaRPr>
+          </a:p>
+          <a:p>
+            <a:pPr marL="284163" lvl="1" indent="0">
+              <a:buNone/>
+            </a:pPr>
+            <a:endParaRPr lang="en-US" b="0"/>
+          </a:p>
+          <a:p>
+            <a:r>
+              <a:rPr lang="en-US"/>
+              <a:t>Rule to include/exclude an entire code system:</a:t>
+            </a:r>
+          </a:p>
+          <a:p>
+            <a:pPr marL="284163" lvl="1" indent="0">
+              <a:buNone/>
+            </a:pPr>
+            <a:r>
+              <a:rPr lang="en-US" sz="1800">
+                <a:latin typeface="Consolas" panose="020B0609020204030204" pitchFamily="49" charset="0"/>
+              </a:rPr>
+              <a:t>* codes from system http://hl7.org/fhir/ndfrt</a:t>
+            </a:r>
+          </a:p>
+          <a:p>
+            <a:pPr marL="284163" lvl="1" indent="0">
+              <a:buNone/>
+            </a:pPr>
+            <a:r>
+              <a:rPr lang="en-US" sz="1800">
+                <a:latin typeface="Consolas" panose="020B0609020204030204" pitchFamily="49" charset="0"/>
+              </a:rPr>
+              <a:t>* exclude codes from system http://hl7.org/fhir/ndfrt</a:t>
+            </a:r>
+          </a:p>
+        </p:txBody>
+      </p:sp>
+    </p:spTree>
+    <p:extLst>
+      <p:ext uri="{BB962C8B-B14F-4D97-AF65-F5344CB8AC3E}">
+        <p14:creationId xmlns:p14="http://schemas.microsoft.com/office/powerpoint/2010/main" val="2923026202"/>
+      </p:ext>
+    </p:extLst>
+  </p:cSld>
+  <p:clrMapOvr>
+    <a:masterClrMapping/>
+  </p:clrMapOvr>
+</p:sld>
+</file>
+
+<file path=ppt/slides/slide12.xml><?xml version="1.0" encoding="utf-8"?>
+<p:sld xmlns:a="http://schemas.openxmlformats.org/drawingml/2006/main" xmlns:r="http://schemas.openxmlformats.org/officeDocument/2006/relationships" xmlns:p="http://schemas.openxmlformats.org/presentationml/2006/main">
+  <p:cSld>
+    <p:spTree>
+      <p:nvGrpSpPr>
+        <p:cNvPr id="1" name=""/>
+        <p:cNvGrpSpPr/>
+        <p:nvPr/>
+      </p:nvGrpSpPr>
+      <p:grpSpPr>
+        <a:xfrm>
+          <a:off x="0" y="0"/>
+          <a:ext cx="0" cy="0"/>
+          <a:chOff x="0" y="0"/>
+          <a:chExt cx="0" cy="0"/>
+        </a:xfrm>
+      </p:grpSpPr>
+      <p:sp>
+        <p:nvSpPr>
+          <p:cNvPr id="2" name="Title 1">
+            <a:extLst>
+              <a:ext uri="{FF2B5EF4-FFF2-40B4-BE49-F238E27FC236}">
+                <a16:creationId xmlns:a16="http://schemas.microsoft.com/office/drawing/2014/main" id="{D8830616-40B8-47ED-8BBD-F4C4B3DC00A3}"/>
+              </a:ext>
+            </a:extLst>
+          </p:cNvPr>
+          <p:cNvSpPr>
+            <a:spLocks noGrp="1"/>
+          </p:cNvSpPr>
+          <p:nvPr>
+            <p:ph type="title"/>
+          </p:nvPr>
+        </p:nvSpPr>
+        <p:spPr/>
+        <p:txBody>
+          <a:bodyPr/>
+          <a:lstStyle/>
+          <a:p>
+            <a:r>
+              <a:rPr lang="en-US"/>
+              <a:t>Value Set Filtering Rules</a:t>
+            </a:r>
+          </a:p>
+        </p:txBody>
+      </p:sp>
+      <p:sp>
+        <p:nvSpPr>
+          <p:cNvPr id="8" name="TextBox 7">
+            <a:extLst>
+              <a:ext uri="{FF2B5EF4-FFF2-40B4-BE49-F238E27FC236}">
+                <a16:creationId xmlns:a16="http://schemas.microsoft.com/office/drawing/2014/main" id="{8F0EA5A7-C02C-432A-B189-6378FA2ED739}"/>
+              </a:ext>
+            </a:extLst>
+          </p:cNvPr>
+          <p:cNvSpPr txBox="1"/>
+          <p:nvPr/>
+        </p:nvSpPr>
+        <p:spPr>
+          <a:xfrm>
+            <a:off x="736109" y="1388808"/>
+            <a:ext cx="10885620" cy="1723549"/>
+          </a:xfrm>
+          <a:prstGeom prst="rect">
+            <a:avLst/>
+          </a:prstGeom>
+          <a:noFill/>
+        </p:spPr>
+        <p:txBody>
+          <a:bodyPr wrap="square" rtlCol="0">
+            <a:spAutoFit/>
+          </a:bodyPr>
+          <a:lstStyle/>
+          <a:p>
+            <a:pPr marL="285750" indent="-285750">
+              <a:spcAft>
+                <a:spcPts val="600"/>
+              </a:spcAft>
+              <a:buFont typeface="Arial" panose="020B0604020202020204" pitchFamily="34" charset="0"/>
+              <a:buChar char="•"/>
+            </a:pPr>
+            <a:r>
+              <a:rPr lang="en-US" b="1">
+                <a:ea typeface="Verdana" pitchFamily="34" charset="0"/>
+                <a:cs typeface="Verdana" pitchFamily="34" charset="0"/>
+              </a:rPr>
+              <a:t>Rules can contain filter expressions that modify the codes to be included/excluded</a:t>
+            </a:r>
+          </a:p>
+          <a:p>
+            <a:pPr marL="285750" indent="-285750">
+              <a:spcAft>
+                <a:spcPts val="600"/>
+              </a:spcAft>
+              <a:buFont typeface="Arial" panose="020B0604020202020204" pitchFamily="34" charset="0"/>
+              <a:buChar char="•"/>
+            </a:pPr>
+            <a:r>
+              <a:rPr lang="en-US" b="1">
+                <a:ea typeface="Verdana" pitchFamily="34" charset="0"/>
+                <a:cs typeface="Verdana" pitchFamily="34" charset="0"/>
+              </a:rPr>
+              <a:t>Syntax of filters depends on the particular vocabulary </a:t>
+            </a:r>
+          </a:p>
+          <a:p>
+            <a:pPr marL="742950" lvl="1" indent="-285750">
+              <a:spcAft>
+                <a:spcPts val="600"/>
+              </a:spcAft>
+              <a:buFont typeface="Arial" panose="020B0604020202020204" pitchFamily="34" charset="0"/>
+              <a:buChar char="•"/>
+            </a:pPr>
+            <a:r>
+              <a:rPr lang="en-US" b="1">
+                <a:ea typeface="Verdana" pitchFamily="34" charset="0"/>
+                <a:cs typeface="Verdana" pitchFamily="34" charset="0"/>
+              </a:rPr>
+              <a:t>e.g., ICD-10 filters are not the same as SNOMED-CT filters</a:t>
+            </a:r>
+          </a:p>
+          <a:p>
+            <a:pPr>
+              <a:spcAft>
+                <a:spcPts val="600"/>
+              </a:spcAft>
+            </a:pPr>
+            <a:endParaRPr lang="en-US" sz="1600" i="1">
+              <a:solidFill>
+                <a:schemeClr val="accent1">
+                  <a:lumMod val="75000"/>
+                </a:schemeClr>
+              </a:solidFill>
+              <a:ea typeface="Verdana" pitchFamily="34" charset="0"/>
+              <a:cs typeface="Verdana" pitchFamily="34" charset="0"/>
+            </a:endParaRPr>
+          </a:p>
+          <a:p>
+            <a:pPr>
+              <a:spcAft>
+                <a:spcPts val="600"/>
+              </a:spcAft>
+            </a:pPr>
+            <a:r>
+              <a:rPr lang="en-US" sz="1600" i="1">
+                <a:solidFill>
+                  <a:schemeClr val="accent1">
+                    <a:lumMod val="75000"/>
+                  </a:schemeClr>
+                </a:solidFill>
+                <a:ea typeface="Verdana" pitchFamily="34" charset="0"/>
+                <a:cs typeface="Verdana" pitchFamily="34" charset="0"/>
+              </a:rPr>
+              <a:t>Here are examples for SNOMED-CT (aliased to SCT):</a:t>
+            </a:r>
+          </a:p>
+        </p:txBody>
+      </p:sp>
+      <p:grpSp>
+        <p:nvGrpSpPr>
+          <p:cNvPr id="5" name="Group 4">
+            <a:extLst>
+              <a:ext uri="{FF2B5EF4-FFF2-40B4-BE49-F238E27FC236}">
+                <a16:creationId xmlns:a16="http://schemas.microsoft.com/office/drawing/2014/main" id="{5B1B8690-245F-419E-A992-1702F6D5653F}"/>
+              </a:ext>
+            </a:extLst>
+          </p:cNvPr>
+          <p:cNvGrpSpPr/>
+          <p:nvPr/>
+        </p:nvGrpSpPr>
+        <p:grpSpPr>
+          <a:xfrm>
+            <a:off x="453728" y="3236552"/>
+            <a:ext cx="11450381" cy="1308049"/>
+            <a:chOff x="637131" y="2735995"/>
+            <a:chExt cx="10764356" cy="1229680"/>
+          </a:xfrm>
+        </p:grpSpPr>
+        <p:pic>
+          <p:nvPicPr>
+            <p:cNvPr id="3" name="Picture 2">
+              <a:extLst>
+                <a:ext uri="{FF2B5EF4-FFF2-40B4-BE49-F238E27FC236}">
+                  <a16:creationId xmlns:a16="http://schemas.microsoft.com/office/drawing/2014/main" id="{E8366388-A4BF-4ABD-9D5F-C8589090B2F7}"/>
+                </a:ext>
+              </a:extLst>
+            </p:cNvPr>
+            <p:cNvPicPr>
+              <a:picLocks noChangeAspect="1"/>
+            </p:cNvPicPr>
+            <p:nvPr/>
+          </p:nvPicPr>
+          <p:blipFill rotWithShape="1">
+            <a:blip r:embed="rId2" cstate="hqprint">
+              <a:extLst>
+                <a:ext uri="{28A0092B-C50C-407E-A947-70E740481C1C}">
+                  <a14:useLocalDpi xmlns:a14="http://schemas.microsoft.com/office/drawing/2010/main"/>
+                </a:ext>
+              </a:extLst>
+            </a:blip>
+            <a:srcRect/>
+            <a:stretch/>
+          </p:blipFill>
+          <p:spPr>
+            <a:xfrm>
+              <a:off x="637131" y="2735995"/>
+              <a:ext cx="10764356" cy="614840"/>
+            </a:xfrm>
+            <a:prstGeom prst="rect">
+              <a:avLst/>
+            </a:prstGeom>
+          </p:spPr>
+        </p:pic>
+        <p:pic>
+          <p:nvPicPr>
+            <p:cNvPr id="9" name="Picture 8">
+              <a:extLst>
+                <a:ext uri="{FF2B5EF4-FFF2-40B4-BE49-F238E27FC236}">
+                  <a16:creationId xmlns:a16="http://schemas.microsoft.com/office/drawing/2014/main" id="{2BA05832-AD80-43AE-997D-BEA616D43B54}"/>
+                </a:ext>
+              </a:extLst>
+            </p:cNvPr>
+            <p:cNvPicPr>
+              <a:picLocks noChangeAspect="1"/>
+            </p:cNvPicPr>
+            <p:nvPr/>
+          </p:nvPicPr>
+          <p:blipFill rotWithShape="1">
+            <a:blip r:embed="rId3" cstate="print">
+              <a:extLst>
+                <a:ext uri="{28A0092B-C50C-407E-A947-70E740481C1C}">
+                  <a14:useLocalDpi xmlns:a14="http://schemas.microsoft.com/office/drawing/2010/main"/>
+                </a:ext>
+              </a:extLst>
+            </a:blip>
+            <a:srcRect b="-2020"/>
+            <a:stretch/>
+          </p:blipFill>
+          <p:spPr>
+            <a:xfrm>
+              <a:off x="637131" y="3350835"/>
+              <a:ext cx="10764356" cy="614840"/>
+            </a:xfrm>
+            <a:prstGeom prst="rect">
+              <a:avLst/>
+            </a:prstGeom>
+          </p:spPr>
+        </p:pic>
+      </p:grpSp>
+    </p:spTree>
+    <p:extLst>
+      <p:ext uri="{BB962C8B-B14F-4D97-AF65-F5344CB8AC3E}">
+        <p14:creationId xmlns:p14="http://schemas.microsoft.com/office/powerpoint/2010/main" val="4282570343"/>
+      </p:ext>
+    </p:extLst>
+  </p:cSld>
+  <p:clrMapOvr>
+    <a:masterClrMapping/>
+  </p:clrMapOvr>
+</p:sld>
+</file>
+
+<file path=ppt/slides/slide13.xml><?xml version="1.0" encoding="utf-8"?>
+<p:sld xmlns:a="http://schemas.openxmlformats.org/drawingml/2006/main" xmlns:r="http://schemas.openxmlformats.org/officeDocument/2006/relationships" xmlns:p="http://schemas.openxmlformats.org/presentationml/2006/main">
+  <p:cSld>
+    <p:spTree>
+      <p:nvGrpSpPr>
+        <p:cNvPr id="1" name=""/>
+        <p:cNvGrpSpPr/>
+        <p:nvPr/>
+      </p:nvGrpSpPr>
+      <p:grpSpPr>
+        <a:xfrm>
+          <a:off x="0" y="0"/>
+          <a:ext cx="0" cy="0"/>
+          <a:chOff x="0" y="0"/>
+          <a:chExt cx="0" cy="0"/>
+        </a:xfrm>
+      </p:grpSpPr>
+      <p:sp>
+        <p:nvSpPr>
+          <p:cNvPr id="3" name="Text Placeholder 2">
+            <a:extLst>
+              <a:ext uri="{FF2B5EF4-FFF2-40B4-BE49-F238E27FC236}">
+                <a16:creationId xmlns:a16="http://schemas.microsoft.com/office/drawing/2014/main" id="{CF58CFD3-440A-4FC2-868A-7126C5B45B98}"/>
+              </a:ext>
+            </a:extLst>
+          </p:cNvPr>
+          <p:cNvSpPr>
+            <a:spLocks noGrp="1"/>
+          </p:cNvSpPr>
+          <p:nvPr>
+            <p:ph type="body" sz="quarter" idx="10"/>
+          </p:nvPr>
+        </p:nvSpPr>
+        <p:spPr>
+          <a:xfrm>
+            <a:off x="1217880" y="2929765"/>
+            <a:ext cx="9434416" cy="1341546"/>
+          </a:xfrm>
+        </p:spPr>
+        <p:txBody>
+          <a:bodyPr/>
+          <a:lstStyle/>
+          <a:p>
+            <a:r>
+              <a:rPr lang="en-US"/>
+              <a:t>Extensions, Caret Rules, and Slicing</a:t>
+            </a:r>
+          </a:p>
+        </p:txBody>
+      </p:sp>
+    </p:spTree>
+    <p:extLst>
+      <p:ext uri="{BB962C8B-B14F-4D97-AF65-F5344CB8AC3E}">
+        <p14:creationId xmlns:p14="http://schemas.microsoft.com/office/powerpoint/2010/main" val="1313735788"/>
+      </p:ext>
+    </p:extLst>
+  </p:cSld>
+  <p:clrMapOvr>
+    <a:masterClrMapping/>
+  </p:clrMapOvr>
+</p:sld>
+</file>
+
+<file path=ppt/slides/slide14.xml><?xml version="1.0" encoding="utf-8"?>
+<p:sld xmlns:a="http://schemas.openxmlformats.org/drawingml/2006/main" xmlns:r="http://schemas.openxmlformats.org/officeDocument/2006/relationships" xmlns:p="http://schemas.openxmlformats.org/presentationml/2006/main">
+  <p:cSld>
+    <p:spTree>
+      <p:nvGrpSpPr>
+        <p:cNvPr id="1" name=""/>
+        <p:cNvGrpSpPr/>
+        <p:nvPr/>
+      </p:nvGrpSpPr>
+      <p:grpSpPr>
+        <a:xfrm>
+          <a:off x="0" y="0"/>
+          <a:ext cx="0" cy="0"/>
+          <a:chOff x="0" y="0"/>
+          <a:chExt cx="0" cy="0"/>
+        </a:xfrm>
+      </p:grpSpPr>
+      <p:sp>
+        <p:nvSpPr>
+          <p:cNvPr id="2" name="Title 1">
+            <a:extLst>
+              <a:ext uri="{FF2B5EF4-FFF2-40B4-BE49-F238E27FC236}">
+                <a16:creationId xmlns:a16="http://schemas.microsoft.com/office/drawing/2014/main" id="{CB15C921-0ABC-41A4-80A5-569E8842CC1B}"/>
+              </a:ext>
+            </a:extLst>
+          </p:cNvPr>
+          <p:cNvSpPr>
+            <a:spLocks noGrp="1"/>
+          </p:cNvSpPr>
+          <p:nvPr>
+            <p:ph type="title"/>
+          </p:nvPr>
+        </p:nvSpPr>
+        <p:spPr/>
+        <p:txBody>
+          <a:bodyPr/>
+          <a:lstStyle/>
+          <a:p>
+            <a:r>
+              <a:rPr lang="en-US"/>
+              <a:t>Walkthrough (Continued from Basic Tutorial) </a:t>
             </a:r>
           </a:p>
         </p:txBody>
@@ -3369,21 +4098,7 @@
           <a:p>
             <a:r>
               <a:rPr lang="en-US"/>
-              <a:t>"Contains" rule</a:t>
-            </a:r>
-          </a:p>
-          <a:p>
-            <a:pPr lvl="1"/>
-            <a:r>
-              <a:rPr lang="en-US"/>
-              <a:t>Extensions</a:t>
-            </a:r>
-          </a:p>
-          <a:p>
-            <a:pPr lvl="1"/>
-            <a:r>
-              <a:rPr lang="en-US"/>
-              <a:t>Slicing</a:t>
+              <a:t>Use "contains" rule both for extensions and slicing</a:t>
             </a:r>
           </a:p>
         </p:txBody>
@@ -3430,7 +4145,7 @@
 </p:sld>
 </file>
 
-<file path=ppt/slides/slide11.xml><?xml version="1.0" encoding="utf-8"?>
+<file path=ppt/slides/slide15.xml><?xml version="1.0" encoding="utf-8"?>
 <p:sld xmlns:a="http://schemas.openxmlformats.org/drawingml/2006/main" xmlns:r="http://schemas.openxmlformats.org/officeDocument/2006/relationships" xmlns:p="http://schemas.openxmlformats.org/presentationml/2006/main">
   <p:cSld>
     <p:spTree>
@@ -4112,7 +4827,7 @@
 </p:sld>
 </file>
 
-<file path=ppt/slides/slide12.xml><?xml version="1.0" encoding="utf-8"?>
+<file path=ppt/slides/slide16.xml><?xml version="1.0" encoding="utf-8"?>
 <p:sld xmlns:a="http://schemas.openxmlformats.org/drawingml/2006/main" xmlns:r="http://schemas.openxmlformats.org/officeDocument/2006/relationships" xmlns:p="http://schemas.openxmlformats.org/presentationml/2006/main">
   <p:cSld>
     <p:spTree>
@@ -4152,7 +4867,7 @@
           <a:p>
             <a:r>
               <a:rPr lang="en-US"/>
-              <a:t>Extensions Summary</a:t>
+              <a:t>Extensions Rules (Two Types)</a:t>
             </a:r>
           </a:p>
         </p:txBody>
@@ -4204,8 +4919,8 @@
               <a:buNone/>
             </a:pPr>
             <a:r>
-              <a:rPr lang="en-US" sz="1400"/>
-              <a:t>* extension-path contains </a:t>
+              <a:rPr lang="en-US" sz="1400" b="0"/>
+              <a:t>* {extension-path} contains </a:t>
             </a:r>
           </a:p>
           <a:p>
@@ -4213,11 +4928,11 @@
               <a:buNone/>
             </a:pPr>
             <a:r>
-              <a:rPr lang="en-US" sz="1400"/>
-              <a:t>         extension1 card1 </a:t>
-            </a:r>
-            <a:r>
-              <a:rPr lang="en-US" sz="1400">
+              <a:rPr lang="en-US" sz="1400" b="0"/>
+              <a:t>         {extension1} {card1}. </a:t>
+            </a:r>
+            <a:r>
+              <a:rPr lang="en-US" sz="1400" b="0" i="1">
                 <a:solidFill>
                   <a:schemeClr val="accent5">
                     <a:lumMod val="60000"/>
@@ -4225,10 +4940,10 @@
                   </a:schemeClr>
                 </a:solidFill>
               </a:rPr>
-              <a:t>flags1</a:t>
-            </a:r>
-            <a:r>
-              <a:rPr lang="en-US" sz="1400"/>
+              <a:t>{flags1}</a:t>
+            </a:r>
+            <a:r>
+              <a:rPr lang="en-US" sz="1400" b="0"/>
               <a:t> and </a:t>
             </a:r>
           </a:p>
@@ -4237,11 +4952,11 @@
               <a:buNone/>
             </a:pPr>
             <a:r>
-              <a:rPr lang="en-US" sz="1400"/>
-              <a:t>         extension2 card2 </a:t>
-            </a:r>
-            <a:r>
-              <a:rPr lang="en-US" sz="1400">
+              <a:rPr lang="en-US" sz="1400" b="0"/>
+              <a:t>         {extension2} {card2} </a:t>
+            </a:r>
+            <a:r>
+              <a:rPr lang="en-US" sz="1400" b="0" i="1">
                 <a:solidFill>
                   <a:schemeClr val="accent5">
                     <a:lumMod val="60000"/>
@@ -4249,11 +4964,11 @@
                   </a:schemeClr>
                 </a:solidFill>
               </a:rPr>
-              <a:t>flags2</a:t>
-            </a:r>
-            <a:r>
-              <a:rPr lang="en-US" sz="1400"/>
-              <a:t> ... </a:t>
+              <a:t>{flags2}</a:t>
+            </a:r>
+            <a:r>
+              <a:rPr lang="en-US" sz="1400" b="0"/>
+              <a:t> ...</a:t>
             </a:r>
           </a:p>
           <a:p>
@@ -4282,7 +4997,9 @@
               <a:buNone/>
             </a:pPr>
             <a:r>
-              <a:rPr lang="en-US" sz="1400" b="0"/>
+              <a:rPr lang="en-US" sz="1400" b="0">
+                <a:latin typeface="Consolas" panose="020B0609020204030204" pitchFamily="49" charset="0"/>
+              </a:rPr>
               <a:t>* extension contains </a:t>
             </a:r>
           </a:p>
@@ -4291,8 +5008,25 @@
               <a:buNone/>
             </a:pPr>
             <a:r>
-              <a:rPr lang="en-US" sz="1400" b="0"/>
-              <a:t>    treatmentIntent 0..1 MS and </a:t>
+              <a:rPr lang="en-US" sz="1400" b="0">
+                <a:latin typeface="Consolas" panose="020B0609020204030204" pitchFamily="49" charset="0"/>
+              </a:rPr>
+              <a:t>    </a:t>
+            </a:r>
+            <a:r>
+              <a:rPr lang="en-US" sz="1400" b="0">
+                <a:highlight>
+                  <a:srgbClr val="00FFFF"/>
+                </a:highlight>
+                <a:latin typeface="Consolas" panose="020B0609020204030204" pitchFamily="49" charset="0"/>
+              </a:rPr>
+              <a:t>treatmentIntent</a:t>
+            </a:r>
+            <a:r>
+              <a:rPr lang="en-US" sz="1400" b="0">
+                <a:latin typeface="Consolas" panose="020B0609020204030204" pitchFamily="49" charset="0"/>
+              </a:rPr>
+              <a:t> 0..1 MS and </a:t>
             </a:r>
           </a:p>
           <a:p>
@@ -4300,8 +5034,25 @@
               <a:buNone/>
             </a:pPr>
             <a:r>
-              <a:rPr lang="en-US" sz="1400" b="0"/>
-              <a:t>    terminationReason 0..* MS </a:t>
+              <a:rPr lang="en-US" sz="1400" b="0">
+                <a:latin typeface="Consolas" panose="020B0609020204030204" pitchFamily="49" charset="0"/>
+              </a:rPr>
+              <a:t>    </a:t>
+            </a:r>
+            <a:r>
+              <a:rPr lang="en-US" sz="1400" b="0">
+                <a:highlight>
+                  <a:srgbClr val="00FFFF"/>
+                </a:highlight>
+                <a:latin typeface="Consolas" panose="020B0609020204030204" pitchFamily="49" charset="0"/>
+              </a:rPr>
+              <a:t>terminationReason</a:t>
+            </a:r>
+            <a:r>
+              <a:rPr lang="en-US" sz="1400" b="0">
+                <a:latin typeface="Consolas" panose="020B0609020204030204" pitchFamily="49" charset="0"/>
+              </a:rPr>
+              <a:t> 0..* MS </a:t>
             </a:r>
           </a:p>
           <a:p>
@@ -4370,7 +5121,7 @@
             </a:pPr>
             <a:r>
               <a:rPr lang="en-US" sz="1800"/>
-              <a:t>Stand-Alone Extensions:</a:t>
+              <a:t>Stand-Alone (Existing) Extensions:</a:t>
             </a:r>
           </a:p>
           <a:p>
@@ -4384,8 +5135,8 @@
               <a:buNone/>
             </a:pPr>
             <a:r>
-              <a:rPr lang="en-US" sz="1400"/>
-              <a:t>* extension-path contains </a:t>
+              <a:rPr lang="en-US" sz="1400" b="0"/>
+              <a:t>* {extension-path} contains </a:t>
             </a:r>
           </a:p>
           <a:p>
@@ -4393,11 +5144,11 @@
               <a:buNone/>
             </a:pPr>
             <a:r>
-              <a:rPr lang="en-US" sz="1400"/>
-              <a:t>         extension1 named name1 card1 </a:t>
-            </a:r>
-            <a:r>
-              <a:rPr lang="en-US" sz="1400">
+              <a:rPr lang="en-US" sz="1400" b="0"/>
+              <a:t>         {extension1} named {name1} {card1} </a:t>
+            </a:r>
+            <a:r>
+              <a:rPr lang="en-US" sz="1400" b="0" i="1">
                 <a:solidFill>
                   <a:schemeClr val="accent5">
                     <a:lumMod val="60000"/>
@@ -4405,10 +5156,10 @@
                   </a:schemeClr>
                 </a:solidFill>
               </a:rPr>
-              <a:t>flags1</a:t>
-            </a:r>
-            <a:r>
-              <a:rPr lang="en-US" sz="1400"/>
+              <a:t>{flags1}</a:t>
+            </a:r>
+            <a:r>
+              <a:rPr lang="en-US" sz="1400" b="0"/>
               <a:t> and </a:t>
             </a:r>
           </a:p>
@@ -4417,11 +5168,15 @@
               <a:buNone/>
             </a:pPr>
             <a:r>
-              <a:rPr lang="en-US" sz="1400"/>
-              <a:t>         extension2 named name2 card2 </a:t>
-            </a:r>
-            <a:r>
-              <a:rPr lang="en-US" sz="1400">
+              <a:rPr lang="en-US" sz="1400" b="0"/>
+              <a:t>         {extension2} named {name2} {card2}</a:t>
+            </a:r>
+            <a:r>
+              <a:rPr lang="en-US" sz="1400" b="0" i="1"/>
+              <a:t> </a:t>
+            </a:r>
+            <a:r>
+              <a:rPr lang="en-US" sz="1400" b="0" i="1">
                 <a:solidFill>
                   <a:schemeClr val="accent5">
                     <a:lumMod val="60000"/>
@@ -4429,10 +5184,10 @@
                   </a:schemeClr>
                 </a:solidFill>
               </a:rPr>
-              <a:t>flags2</a:t>
-            </a:r>
-            <a:r>
-              <a:rPr lang="en-US" sz="1400"/>
+              <a:t>{flags2}</a:t>
+            </a:r>
+            <a:r>
+              <a:rPr lang="en-US" sz="1400" b="0"/>
               <a:t> ... </a:t>
             </a:r>
           </a:p>
@@ -4462,7 +5217,9 @@
               <a:buNone/>
             </a:pPr>
             <a:r>
-              <a:rPr lang="en-US" sz="1400" b="0"/>
+              <a:rPr lang="en-US" sz="1200" b="0">
+                <a:latin typeface="Consolas" panose="020B0609020204030204" pitchFamily="49" charset="0"/>
+              </a:rPr>
               <a:t>* extension contains </a:t>
             </a:r>
           </a:p>
@@ -4471,31 +5228,39 @@
               <a:buNone/>
             </a:pPr>
             <a:r>
-              <a:rPr lang="en-US" sz="1400" b="0"/>
+              <a:rPr lang="en-US" sz="1200" b="0">
+                <a:latin typeface="Consolas" panose="020B0609020204030204" pitchFamily="49" charset="0"/>
+              </a:rPr>
               <a:t>    </a:t>
             </a:r>
             <a:r>
-              <a:rPr lang="en-US" sz="1400" b="0">
+              <a:rPr lang="en-US" sz="1200" b="0">
                 <a:highlight>
                   <a:srgbClr val="FFFF00"/>
                 </a:highlight>
+                <a:latin typeface="Consolas" panose="020B0609020204030204" pitchFamily="49" charset="0"/>
               </a:rPr>
               <a:t>RadiationDosePerFraction</a:t>
             </a:r>
             <a:r>
-              <a:rPr lang="en-US" sz="1400" b="0"/>
+              <a:rPr lang="en-US" sz="1200" b="0">
+                <a:latin typeface="Consolas" panose="020B0609020204030204" pitchFamily="49" charset="0"/>
+              </a:rPr>
               <a:t> named </a:t>
             </a:r>
             <a:r>
-              <a:rPr lang="en-US" sz="1400" b="0">
+              <a:rPr lang="en-US" sz="1200" b="0">
                 <a:highlight>
                   <a:srgbClr val="00FFFF"/>
                 </a:highlight>
+                <a:latin typeface="Consolas" panose="020B0609020204030204" pitchFamily="49" charset="0"/>
               </a:rPr>
               <a:t>dosePerFraction</a:t>
             </a:r>
             <a:r>
-              <a:rPr lang="en-US" sz="1400" b="0"/>
+              <a:rPr lang="en-US" sz="1200" b="0">
+                <a:latin typeface="Consolas" panose="020B0609020204030204" pitchFamily="49" charset="0"/>
+              </a:rPr>
               <a:t> 0..1 and</a:t>
             </a:r>
           </a:p>
@@ -4504,8 +5269,40 @@
               <a:buNone/>
             </a:pPr>
             <a:r>
-              <a:rPr lang="en-US" sz="1400" b="0"/>
-              <a:t>    RadiationFractionsDelivered named fractionsDelivered 0..1 MS and</a:t>
+              <a:rPr lang="en-US" sz="1200" b="0">
+                <a:latin typeface="Consolas" panose="020B0609020204030204" pitchFamily="49" charset="0"/>
+              </a:rPr>
+              <a:t>    </a:t>
+            </a:r>
+            <a:r>
+              <a:rPr lang="en-US" sz="1200" b="0">
+                <a:highlight>
+                  <a:srgbClr val="FFFF00"/>
+                </a:highlight>
+                <a:latin typeface="Consolas" panose="020B0609020204030204" pitchFamily="49" charset="0"/>
+              </a:rPr>
+              <a:t>RadiationFractionsDelivered</a:t>
+            </a:r>
+            <a:r>
+              <a:rPr lang="en-US" sz="1200" b="0">
+                <a:latin typeface="Consolas" panose="020B0609020204030204" pitchFamily="49" charset="0"/>
+              </a:rPr>
+              <a:t> named </a:t>
+            </a:r>
+            <a:r>
+              <a:rPr lang="en-US" sz="1200" b="0">
+                <a:highlight>
+                  <a:srgbClr val="00FFFF"/>
+                </a:highlight>
+                <a:latin typeface="Consolas" panose="020B0609020204030204" pitchFamily="49" charset="0"/>
+              </a:rPr>
+              <a:t>fractionsDelivere</a:t>
+            </a:r>
+            <a:r>
+              <a:rPr lang="en-US" sz="1200" b="0">
+                <a:latin typeface="Consolas" panose="020B0609020204030204" pitchFamily="49" charset="0"/>
+              </a:rPr>
+              <a:t>d 0..1 MS and</a:t>
             </a:r>
           </a:p>
           <a:p>
@@ -4513,8 +5310,40 @@
               <a:buNone/>
             </a:pPr>
             <a:r>
-              <a:rPr lang="en-US" sz="1400" b="0"/>
-              <a:t>    TotalRadiationDoseDelivered named totalDose 0..1</a:t>
+              <a:rPr lang="en-US" sz="1200" b="0">
+                <a:latin typeface="Consolas" panose="020B0609020204030204" pitchFamily="49" charset="0"/>
+              </a:rPr>
+              <a:t>    </a:t>
+            </a:r>
+            <a:r>
+              <a:rPr lang="en-US" sz="1200" b="0">
+                <a:highlight>
+                  <a:srgbClr val="FFFF00"/>
+                </a:highlight>
+                <a:latin typeface="Consolas" panose="020B0609020204030204" pitchFamily="49" charset="0"/>
+              </a:rPr>
+              <a:t>TotalRadiationDoseDelivered</a:t>
+            </a:r>
+            <a:r>
+              <a:rPr lang="en-US" sz="1200" b="0">
+                <a:latin typeface="Consolas" panose="020B0609020204030204" pitchFamily="49" charset="0"/>
+              </a:rPr>
+              <a:t> named </a:t>
+            </a:r>
+            <a:r>
+              <a:rPr lang="en-US" sz="1200" b="0">
+                <a:highlight>
+                  <a:srgbClr val="00FFFF"/>
+                </a:highlight>
+                <a:latin typeface="Consolas" panose="020B0609020204030204" pitchFamily="49" charset="0"/>
+              </a:rPr>
+              <a:t>totalDose</a:t>
+            </a:r>
+            <a:r>
+              <a:rPr lang="en-US" sz="1200" b="0">
+                <a:latin typeface="Consolas" panose="020B0609020204030204" pitchFamily="49" charset="0"/>
+              </a:rPr>
+              <a:t> 0..1</a:t>
             </a:r>
           </a:p>
           <a:p>
@@ -4536,8 +5365,8 @@
         </p:nvSpPr>
         <p:spPr>
           <a:xfrm>
-            <a:off x="3974198" y="4044906"/>
-            <a:ext cx="1366875" cy="584775"/>
+            <a:off x="6588242" y="5337738"/>
+            <a:ext cx="1344681" cy="830997"/>
           </a:xfrm>
           <a:prstGeom prst="rect">
             <a:avLst/>
@@ -4563,7 +5392,7 @@
                 <a:ea typeface="Verdana" pitchFamily="34" charset="0"/>
                 <a:cs typeface="Verdana" pitchFamily="34" charset="0"/>
               </a:rPr>
-              <a:t>stand-alone name</a:t>
+              <a:t>existing extension names</a:t>
             </a:r>
           </a:p>
         </p:txBody>
@@ -4583,7 +5412,7 @@
         <p:spPr>
           <a:xfrm>
             <a:off x="9411017" y="3339622"/>
-            <a:ext cx="1904689" cy="338554"/>
+            <a:ext cx="2382383" cy="338554"/>
           </a:xfrm>
           <a:prstGeom prst="rect">
             <a:avLst/>
@@ -4609,7 +5438,7 @@
                 <a:ea typeface="Verdana" pitchFamily="34" charset="0"/>
                 <a:cs typeface="Verdana" pitchFamily="34" charset="0"/>
               </a:rPr>
-              <a:t>name inside profile</a:t>
+              <a:t>local name inside profile</a:t>
             </a:r>
           </a:p>
         </p:txBody>
@@ -4625,14 +5454,14 @@
           </p:cNvPr>
           <p:cNvCxnSpPr>
             <a:cxnSpLocks/>
-            <a:stCxn id="4" idx="3"/>
+            <a:stCxn id="4" idx="0"/>
           </p:cNvCxnSpPr>
           <p:nvPr/>
         </p:nvCxnSpPr>
         <p:spPr>
-          <a:xfrm>
-            <a:off x="5341073" y="4337294"/>
-            <a:ext cx="464923" cy="0"/>
+          <a:xfrm flipH="1" flipV="1">
+            <a:off x="7200007" y="4973358"/>
+            <a:ext cx="60576" cy="364380"/>
           </a:xfrm>
           <a:prstGeom prst="straightConnector1">
             <a:avLst/>
@@ -4686,6 +5515,137 @@
               <a:schemeClr val="tx1"/>
             </a:solidFill>
             <a:tailEnd type="triangle"/>
+          </a:ln>
+        </p:spPr>
+        <p:style>
+          <a:lnRef idx="1">
+            <a:schemeClr val="accent1"/>
+          </a:lnRef>
+          <a:fillRef idx="0">
+            <a:schemeClr val="accent1"/>
+          </a:fillRef>
+          <a:effectRef idx="0">
+            <a:schemeClr val="accent1"/>
+          </a:effectRef>
+          <a:fontRef idx="minor">
+            <a:schemeClr val="tx1"/>
+          </a:fontRef>
+        </p:style>
+      </p:cxnSp>
+      <p:sp>
+        <p:nvSpPr>
+          <p:cNvPr id="10" name="TextBox 9">
+            <a:extLst>
+              <a:ext uri="{FF2B5EF4-FFF2-40B4-BE49-F238E27FC236}">
+                <a16:creationId xmlns:a16="http://schemas.microsoft.com/office/drawing/2014/main" id="{CC2D1657-2B9E-44FC-90B8-99F4FECEC158}"/>
+              </a:ext>
+            </a:extLst>
+          </p:cNvPr>
+          <p:cNvSpPr txBox="1"/>
+          <p:nvPr/>
+        </p:nvSpPr>
+        <p:spPr>
+          <a:xfrm>
+            <a:off x="2143889" y="4999184"/>
+            <a:ext cx="1518364" cy="338554"/>
+          </a:xfrm>
+          <a:prstGeom prst="rect">
+            <a:avLst/>
+          </a:prstGeom>
+          <a:noFill/>
+        </p:spPr>
+        <p:txBody>
+          <a:bodyPr wrap="none" rtlCol="0">
+            <a:spAutoFit/>
+          </a:bodyPr>
+          <a:lstStyle/>
+          <a:p>
+            <a:pPr>
+              <a:spcAft>
+                <a:spcPts val="600"/>
+              </a:spcAft>
+            </a:pPr>
+            <a:r>
+              <a:rPr lang="en-US" sz="1600">
+                <a:highlight>
+                  <a:srgbClr val="00FFFF"/>
+                </a:highlight>
+                <a:ea typeface="Verdana" pitchFamily="34" charset="0"/>
+                <a:cs typeface="Verdana" pitchFamily="34" charset="0"/>
+              </a:rPr>
+              <a:t>choose names</a:t>
+            </a:r>
+          </a:p>
+        </p:txBody>
+      </p:sp>
+      <p:cxnSp>
+        <p:nvCxnSpPr>
+          <p:cNvPr id="11" name="Straight Arrow Connector 10">
+            <a:extLst>
+              <a:ext uri="{FF2B5EF4-FFF2-40B4-BE49-F238E27FC236}">
+                <a16:creationId xmlns:a16="http://schemas.microsoft.com/office/drawing/2014/main" id="{496BE4FB-8B53-406E-A52A-8FE397ECBDA4}"/>
+              </a:ext>
+            </a:extLst>
+          </p:cNvPr>
+          <p:cNvCxnSpPr>
+            <a:cxnSpLocks/>
+          </p:cNvCxnSpPr>
+          <p:nvPr/>
+        </p:nvCxnSpPr>
+        <p:spPr>
+          <a:xfrm flipH="1" flipV="1">
+            <a:off x="1982365" y="4788384"/>
+            <a:ext cx="217366" cy="369948"/>
+          </a:xfrm>
+          <a:prstGeom prst="straightConnector1">
+            <a:avLst/>
+          </a:prstGeom>
+          <a:ln>
+            <a:solidFill>
+              <a:schemeClr val="tx1"/>
+            </a:solidFill>
+            <a:tailEnd type="triangle"/>
+          </a:ln>
+        </p:spPr>
+        <p:style>
+          <a:lnRef idx="1">
+            <a:schemeClr val="accent1"/>
+          </a:lnRef>
+          <a:fillRef idx="0">
+            <a:schemeClr val="accent1"/>
+          </a:fillRef>
+          <a:effectRef idx="0">
+            <a:schemeClr val="accent1"/>
+          </a:effectRef>
+          <a:fontRef idx="minor">
+            <a:schemeClr val="tx1"/>
+          </a:fontRef>
+        </p:style>
+      </p:cxnSp>
+      <p:cxnSp>
+        <p:nvCxnSpPr>
+          <p:cNvPr id="18" name="Straight Connector 17">
+            <a:extLst>
+              <a:ext uri="{FF2B5EF4-FFF2-40B4-BE49-F238E27FC236}">
+                <a16:creationId xmlns:a16="http://schemas.microsoft.com/office/drawing/2014/main" id="{FC9DC00C-DEC0-44D6-983A-50B1B1922169}"/>
+              </a:ext>
+            </a:extLst>
+          </p:cNvPr>
+          <p:cNvCxnSpPr/>
+          <p:nvPr/>
+        </p:nvCxnSpPr>
+        <p:spPr>
+          <a:xfrm>
+            <a:off x="4844226" y="1430931"/>
+            <a:ext cx="0" cy="4837246"/>
+          </a:xfrm>
+          <a:prstGeom prst="line">
+            <a:avLst/>
+          </a:prstGeom>
+          <a:ln w="19050">
+            <a:solidFill>
+              <a:schemeClr val="tx1"/>
+            </a:solidFill>
           </a:ln>
         </p:spPr>
         <p:style>
@@ -4716,316 +5676,7 @@
 </p:sld>
 </file>
 
-<file path=ppt/slides/slide13.xml><?xml version="1.0" encoding="utf-8"?>
-<p:sld xmlns:a="http://schemas.openxmlformats.org/drawingml/2006/main" xmlns:r="http://schemas.openxmlformats.org/officeDocument/2006/relationships" xmlns:p="http://schemas.openxmlformats.org/presentationml/2006/main">
-  <p:cSld>
-    <p:spTree>
-      <p:nvGrpSpPr>
-        <p:cNvPr id="1" name=""/>
-        <p:cNvGrpSpPr/>
-        <p:nvPr/>
-      </p:nvGrpSpPr>
-      <p:grpSpPr>
-        <a:xfrm>
-          <a:off x="0" y="0"/>
-          <a:ext cx="0" cy="0"/>
-          <a:chOff x="0" y="0"/>
-          <a:chExt cx="0" cy="0"/>
-        </a:xfrm>
-      </p:grpSpPr>
-      <p:sp>
-        <p:nvSpPr>
-          <p:cNvPr id="2" name="Title 1">
-            <a:extLst>
-              <a:ext uri="{FF2B5EF4-FFF2-40B4-BE49-F238E27FC236}">
-                <a16:creationId xmlns:a16="http://schemas.microsoft.com/office/drawing/2014/main" id="{6B5E43B0-6A7A-4402-B083-E2CE4B9BBD8D}"/>
-              </a:ext>
-            </a:extLst>
-          </p:cNvPr>
-          <p:cNvSpPr>
-            <a:spLocks noGrp="1"/>
-          </p:cNvSpPr>
-          <p:nvPr>
-            <p:ph type="title"/>
-          </p:nvPr>
-        </p:nvSpPr>
-        <p:spPr/>
-        <p:txBody>
-          <a:bodyPr/>
-          <a:lstStyle/>
-          <a:p>
-            <a:r>
-              <a:rPr lang="en-US"/>
-              <a:t>Defining and Using Stand-Alone Extensions</a:t>
-            </a:r>
-          </a:p>
-        </p:txBody>
-      </p:sp>
-      <p:pic>
-        <p:nvPicPr>
-          <p:cNvPr id="3" name="Picture 2">
-            <a:extLst>
-              <a:ext uri="{FF2B5EF4-FFF2-40B4-BE49-F238E27FC236}">
-                <a16:creationId xmlns:a16="http://schemas.microsoft.com/office/drawing/2014/main" id="{726298C5-95E5-4101-9108-4F091CED0A03}"/>
-              </a:ext>
-            </a:extLst>
-          </p:cNvPr>
-          <p:cNvPicPr>
-            <a:picLocks noChangeAspect="1"/>
-          </p:cNvPicPr>
-          <p:nvPr/>
-        </p:nvPicPr>
-        <p:blipFill rotWithShape="1">
-          <a:blip r:embed="rId2"/>
-          <a:srcRect t="896" b="94259"/>
-          <a:stretch/>
-        </p:blipFill>
-        <p:spPr>
-          <a:xfrm>
-            <a:off x="812800" y="4664765"/>
-            <a:ext cx="10972800" cy="285735"/>
-          </a:xfrm>
-          <a:prstGeom prst="rect">
-            <a:avLst/>
-          </a:prstGeom>
-        </p:spPr>
-      </p:pic>
-      <p:pic>
-        <p:nvPicPr>
-          <p:cNvPr id="6" name="Picture 5">
-            <a:extLst>
-              <a:ext uri="{FF2B5EF4-FFF2-40B4-BE49-F238E27FC236}">
-                <a16:creationId xmlns:a16="http://schemas.microsoft.com/office/drawing/2014/main" id="{D4625D6B-F3F8-4FFD-82DF-50555DADEFF6}"/>
-              </a:ext>
-            </a:extLst>
-          </p:cNvPr>
-          <p:cNvPicPr>
-            <a:picLocks noChangeAspect="1"/>
-          </p:cNvPicPr>
-          <p:nvPr/>
-        </p:nvPicPr>
-        <p:blipFill>
-          <a:blip r:embed="rId3"/>
-          <a:stretch>
-            <a:fillRect/>
-          </a:stretch>
-        </p:blipFill>
-        <p:spPr>
-          <a:xfrm>
-            <a:off x="822325" y="1977704"/>
-            <a:ext cx="10963275" cy="1571625"/>
-          </a:xfrm>
-          <a:prstGeom prst="rect">
-            <a:avLst/>
-          </a:prstGeom>
-        </p:spPr>
-      </p:pic>
-      <p:sp>
-        <p:nvSpPr>
-          <p:cNvPr id="7" name="TextBox 6">
-            <a:extLst>
-              <a:ext uri="{FF2B5EF4-FFF2-40B4-BE49-F238E27FC236}">
-                <a16:creationId xmlns:a16="http://schemas.microsoft.com/office/drawing/2014/main" id="{8BB09306-101D-446B-80A7-64A34DD00456}"/>
-              </a:ext>
-            </a:extLst>
-          </p:cNvPr>
-          <p:cNvSpPr txBox="1"/>
-          <p:nvPr/>
-        </p:nvSpPr>
-        <p:spPr>
-          <a:xfrm>
-            <a:off x="734828" y="1445482"/>
-            <a:ext cx="10429458" cy="338554"/>
-          </a:xfrm>
-          <a:prstGeom prst="rect">
-            <a:avLst/>
-          </a:prstGeom>
-          <a:noFill/>
-        </p:spPr>
-        <p:txBody>
-          <a:bodyPr wrap="none" rtlCol="0">
-            <a:spAutoFit/>
-          </a:bodyPr>
-          <a:lstStyle/>
-          <a:p>
-            <a:pPr>
-              <a:spcAft>
-                <a:spcPts val="600"/>
-              </a:spcAft>
-            </a:pPr>
-            <a:r>
-              <a:rPr lang="en-US" sz="1600" i="1">
-                <a:solidFill>
-                  <a:schemeClr val="accent1">
-                    <a:lumMod val="75000"/>
-                  </a:schemeClr>
-                </a:solidFill>
-                <a:ea typeface="Verdana" pitchFamily="34" charset="0"/>
-                <a:cs typeface="Verdana" pitchFamily="34" charset="0"/>
-              </a:rPr>
-              <a:t>Define the extension using the "Extension" keyword. No parent is needed because FSH knows it is an Extension.</a:t>
-            </a:r>
-          </a:p>
-        </p:txBody>
-      </p:sp>
-      <p:sp>
-        <p:nvSpPr>
-          <p:cNvPr id="8" name="TextBox 7">
-            <a:extLst>
-              <a:ext uri="{FF2B5EF4-FFF2-40B4-BE49-F238E27FC236}">
-                <a16:creationId xmlns:a16="http://schemas.microsoft.com/office/drawing/2014/main" id="{4A99122E-B517-4E6A-A708-340172C689CC}"/>
-              </a:ext>
-            </a:extLst>
-          </p:cNvPr>
-          <p:cNvSpPr txBox="1"/>
-          <p:nvPr/>
-        </p:nvSpPr>
-        <p:spPr>
-          <a:xfrm>
-            <a:off x="734828" y="3875291"/>
-            <a:ext cx="7326044" cy="661720"/>
-          </a:xfrm>
-          <a:prstGeom prst="rect">
-            <a:avLst/>
-          </a:prstGeom>
-          <a:noFill/>
-        </p:spPr>
-        <p:txBody>
-          <a:bodyPr wrap="none" rtlCol="0">
-            <a:spAutoFit/>
-          </a:bodyPr>
-          <a:lstStyle/>
-          <a:p>
-            <a:pPr>
-              <a:spcAft>
-                <a:spcPts val="600"/>
-              </a:spcAft>
-            </a:pPr>
-            <a:r>
-              <a:rPr lang="en-US" sz="1600" i="1">
-                <a:solidFill>
-                  <a:schemeClr val="accent1">
-                    <a:lumMod val="75000"/>
-                  </a:schemeClr>
-                </a:solidFill>
-                <a:ea typeface="Verdana" pitchFamily="34" charset="0"/>
-                <a:cs typeface="Verdana" pitchFamily="34" charset="0"/>
-              </a:rPr>
-              <a:t>Now, in the profile, add it to an extension array using "contains".</a:t>
-            </a:r>
-          </a:p>
-          <a:p>
-            <a:pPr>
-              <a:spcAft>
-                <a:spcPts val="600"/>
-              </a:spcAft>
-            </a:pPr>
-            <a:r>
-              <a:rPr lang="en-US" sz="1600" i="1">
-                <a:solidFill>
-                  <a:schemeClr val="accent1">
-                    <a:lumMod val="75000"/>
-                  </a:schemeClr>
-                </a:solidFill>
-                <a:ea typeface="Verdana" pitchFamily="34" charset="0"/>
-                <a:cs typeface="Verdana" pitchFamily="34" charset="0"/>
-              </a:rPr>
-              <a:t>This grammar also applies to an extension defined in another IG (use its URL).</a:t>
-            </a:r>
-          </a:p>
-        </p:txBody>
-      </p:sp>
-      <p:sp>
-        <p:nvSpPr>
-          <p:cNvPr id="9" name="TextBox 8">
-            <a:extLst>
-              <a:ext uri="{FF2B5EF4-FFF2-40B4-BE49-F238E27FC236}">
-                <a16:creationId xmlns:a16="http://schemas.microsoft.com/office/drawing/2014/main" id="{D93F11BC-BB1C-40A7-9F16-28E9E180AAC9}"/>
-              </a:ext>
-            </a:extLst>
-          </p:cNvPr>
-          <p:cNvSpPr txBox="1"/>
-          <p:nvPr/>
-        </p:nvSpPr>
-        <p:spPr>
-          <a:xfrm>
-            <a:off x="734828" y="5179842"/>
-            <a:ext cx="10458312" cy="338554"/>
-          </a:xfrm>
-          <a:prstGeom prst="rect">
-            <a:avLst/>
-          </a:prstGeom>
-          <a:noFill/>
-        </p:spPr>
-        <p:txBody>
-          <a:bodyPr wrap="none" rtlCol="0">
-            <a:spAutoFit/>
-          </a:bodyPr>
-          <a:lstStyle/>
-          <a:p>
-            <a:pPr>
-              <a:spcAft>
-                <a:spcPts val="600"/>
-              </a:spcAft>
-            </a:pPr>
-            <a:r>
-              <a:rPr lang="en-US" sz="1600" i="1">
-                <a:solidFill>
-                  <a:schemeClr val="accent1">
-                    <a:lumMod val="75000"/>
-                  </a:schemeClr>
-                </a:solidFill>
-                <a:ea typeface="Verdana" pitchFamily="34" charset="0"/>
-                <a:cs typeface="Verdana" pitchFamily="34" charset="0"/>
-              </a:rPr>
-              <a:t>Once added, the extension can be further constrained by referring to the element in the extension array by name:</a:t>
-            </a:r>
-          </a:p>
-        </p:txBody>
-      </p:sp>
-      <p:pic>
-        <p:nvPicPr>
-          <p:cNvPr id="10" name="Picture 9">
-            <a:extLst>
-              <a:ext uri="{FF2B5EF4-FFF2-40B4-BE49-F238E27FC236}">
-                <a16:creationId xmlns:a16="http://schemas.microsoft.com/office/drawing/2014/main" id="{7A91D87D-557E-4822-8377-AE1F856A680A}"/>
-              </a:ext>
-            </a:extLst>
-          </p:cNvPr>
-          <p:cNvPicPr>
-            <a:picLocks noChangeAspect="1"/>
-          </p:cNvPicPr>
-          <p:nvPr/>
-        </p:nvPicPr>
-        <p:blipFill rotWithShape="1">
-          <a:blip r:embed="rId2"/>
-          <a:srcRect t="5760" b="89203"/>
-          <a:stretch/>
-        </p:blipFill>
-        <p:spPr>
-          <a:xfrm>
-            <a:off x="822325" y="5667488"/>
-            <a:ext cx="10972800" cy="297064"/>
-          </a:xfrm>
-          <a:prstGeom prst="rect">
-            <a:avLst/>
-          </a:prstGeom>
-        </p:spPr>
-      </p:pic>
-    </p:spTree>
-    <p:extLst>
-      <p:ext uri="{BB962C8B-B14F-4D97-AF65-F5344CB8AC3E}">
-        <p14:creationId xmlns:p14="http://schemas.microsoft.com/office/powerpoint/2010/main" val="3471433694"/>
-      </p:ext>
-    </p:extLst>
-  </p:cSld>
-  <p:clrMapOvr>
-    <a:masterClrMapping/>
-  </p:clrMapOvr>
-</p:sld>
-</file>
-
-<file path=ppt/slides/slide14.xml><?xml version="1.0" encoding="utf-8"?>
+<file path=ppt/slides/slide17.xml><?xml version="1.0" encoding="utf-8"?>
 <p:sld xmlns:a="http://schemas.openxmlformats.org/drawingml/2006/main" xmlns:r="http://schemas.openxmlformats.org/officeDocument/2006/relationships" xmlns:p="http://schemas.openxmlformats.org/presentationml/2006/main">
   <p:cSld>
     <p:spTree>
@@ -5056,8 +5707,8 @@
         </p:nvSpPr>
         <p:spPr>
           <a:xfrm>
-            <a:off x="618777" y="2895883"/>
-            <a:ext cx="10691003" cy="1311748"/>
+            <a:off x="618777" y="3184116"/>
+            <a:ext cx="10691003" cy="1466713"/>
           </a:xfrm>
           <a:prstGeom prst="roundRect">
             <a:avLst>
@@ -5130,7 +5781,7 @@
           <a:p>
             <a:r>
               <a:rPr lang="en-US"/>
-              <a:t>Defining and Using In-Line Extensions</a:t>
+              <a:t>Defining In-Line Extensions</a:t>
             </a:r>
           </a:p>
         </p:txBody>
@@ -5150,7 +5801,7 @@
         <p:spPr>
           <a:xfrm>
             <a:off x="734828" y="1443124"/>
-            <a:ext cx="7188006" cy="1308050"/>
+            <a:ext cx="7405320" cy="1631216"/>
           </a:xfrm>
           <a:prstGeom prst="rect">
             <a:avLst/>
@@ -5169,7 +5820,7 @@
               </a:spcAft>
             </a:pPr>
             <a:r>
-              <a:rPr lang="en-US" sz="1600" i="1">
+              <a:rPr lang="en-US" sz="1600" i="1" dirty="0">
                 <a:solidFill>
                   <a:schemeClr val="accent1">
                     <a:lumMod val="75000"/>
@@ -5188,7 +5839,7 @@
               </a:spcAft>
             </a:pPr>
             <a:r>
-              <a:rPr lang="en-US" sz="1600" i="1">
+              <a:rPr lang="en-US" sz="1600" i="1" dirty="0">
                 <a:solidFill>
                   <a:schemeClr val="accent1">
                     <a:lumMod val="75000"/>
@@ -5197,7 +5848,31 @@
                 <a:ea typeface="Verdana" pitchFamily="34" charset="0"/>
                 <a:cs typeface="Verdana" pitchFamily="34" charset="0"/>
               </a:rPr>
-              <a:t>The resulting extension will not have a separate StructureDefinition.</a:t>
+              <a:t>The resulting extension will not have a separate </a:t>
+            </a:r>
+            <a:r>
+              <a:rPr lang="en-US" sz="1600" i="1" dirty="0" err="1">
+                <a:solidFill>
+                  <a:schemeClr val="accent1">
+                    <a:lumMod val="75000"/>
+                  </a:schemeClr>
+                </a:solidFill>
+                <a:ea typeface="Verdana" pitchFamily="34" charset="0"/>
+                <a:cs typeface="Verdana" pitchFamily="34" charset="0"/>
+              </a:rPr>
+              <a:t>StructureDefinition</a:t>
+            </a:r>
+            <a:r>
+              <a:rPr lang="en-US" sz="1600" i="1" dirty="0">
+                <a:solidFill>
+                  <a:schemeClr val="accent1">
+                    <a:lumMod val="75000"/>
+                  </a:schemeClr>
+                </a:solidFill>
+                <a:ea typeface="Verdana" pitchFamily="34" charset="0"/>
+                <a:cs typeface="Verdana" pitchFamily="34" charset="0"/>
+              </a:rPr>
+              <a:t>.</a:t>
             </a:r>
           </a:p>
           <a:p>
@@ -5206,7 +5881,26 @@
                 <a:spcPts val="600"/>
               </a:spcAft>
             </a:pPr>
-            <a:endParaRPr lang="en-US" sz="1600" i="1">
+            <a:r>
+              <a:rPr lang="en-US" sz="1600" i="1" dirty="0">
+                <a:solidFill>
+                  <a:schemeClr val="accent1">
+                    <a:lumMod val="75000"/>
+                  </a:schemeClr>
+                </a:solidFill>
+                <a:ea typeface="Verdana" pitchFamily="34" charset="0"/>
+                <a:cs typeface="Verdana" pitchFamily="34" charset="0"/>
+              </a:rPr>
+              <a:t>Inline extensions can only be defined inside of complex extensions (not profiles)</a:t>
+            </a:r>
+          </a:p>
+          <a:p>
+            <a:pPr>
+              <a:spcAft>
+                <a:spcPts val="600"/>
+              </a:spcAft>
+            </a:pPr>
+            <a:endParaRPr lang="en-US" sz="1600" i="1" dirty="0">
               <a:solidFill>
                 <a:schemeClr val="accent1">
                   <a:lumMod val="75000"/>
@@ -5223,7 +5917,7 @@
               </a:spcAft>
             </a:pPr>
             <a:r>
-              <a:rPr lang="en-US" sz="1600" i="1">
+              <a:rPr lang="en-US" sz="1600" i="1" dirty="0">
                 <a:solidFill>
                   <a:schemeClr val="accent1">
                     <a:lumMod val="75000"/>
@@ -5251,8 +5945,8 @@
         </p:nvSpPr>
         <p:spPr>
           <a:xfrm>
-            <a:off x="699434" y="3016250"/>
-            <a:ext cx="9990197" cy="1019253"/>
+            <a:off x="699434" y="3304484"/>
+            <a:ext cx="9990197" cy="1188787"/>
           </a:xfrm>
           <a:prstGeom prst="rect">
             <a:avLst/>
@@ -5270,14 +5964,26 @@
               </a:lnSpc>
             </a:pPr>
             <a:r>
-              <a:rPr lang="en-US" sz="1600" kern="0" spc="20">
+              <a:rPr lang="en-US" sz="1400" kern="0" spc="20" dirty="0">
+                <a:latin typeface="Consolas" panose="020B0609020204030204" pitchFamily="49" charset="0"/>
                 <a:cs typeface="Courier New" panose="02070309020205020404" pitchFamily="49" charset="0"/>
               </a:rPr>
-              <a:t>* extension contains evidenceType 0..*</a:t>
-            </a:r>
-            <a:endParaRPr lang="fr-FR" sz="1600" kern="0" spc="20">
-              <a:cs typeface="Courier New" panose="02070309020205020404" pitchFamily="49" charset="0"/>
-            </a:endParaRPr>
+              <a:t>* extension contains </a:t>
+            </a:r>
+            <a:r>
+              <a:rPr lang="en-US" sz="1400" kern="0" spc="20" dirty="0" err="1">
+                <a:latin typeface="Consolas" panose="020B0609020204030204" pitchFamily="49" charset="0"/>
+                <a:cs typeface="Courier New" panose="02070309020205020404" pitchFamily="49" charset="0"/>
+              </a:rPr>
+              <a:t>evidenceType</a:t>
+            </a:r>
+            <a:r>
+              <a:rPr lang="en-US" sz="1400" kern="0" spc="20" dirty="0">
+                <a:latin typeface="Consolas" panose="020B0609020204030204" pitchFamily="49" charset="0"/>
+                <a:cs typeface="Courier New" panose="02070309020205020404" pitchFamily="49" charset="0"/>
+              </a:rPr>
+              <a:t> 0..*</a:t>
+            </a:r>
           </a:p>
           <a:p>
             <a:pPr>
@@ -5285,12 +5991,10 @@
                 <a:spcPct val="130000"/>
               </a:lnSpc>
             </a:pPr>
-            <a:r>
-              <a:rPr lang="en-US" sz="1600" kern="0" spc="20">
-                <a:cs typeface="Courier New" panose="02070309020205020404" pitchFamily="49" charset="0"/>
-              </a:rPr>
-              <a:t>* extension[evidenceType].value[x] only CodeableConcept</a:t>
-            </a:r>
+            <a:endParaRPr lang="fr-FR" sz="1400" kern="0" spc="20" dirty="0">
+              <a:latin typeface="Consolas" panose="020B0609020204030204" pitchFamily="49" charset="0"/>
+              <a:cs typeface="Courier New" panose="02070309020205020404" pitchFamily="49" charset="0"/>
+            </a:endParaRPr>
           </a:p>
           <a:p>
             <a:pPr>
@@ -5299,10 +6003,92 @@
               </a:lnSpc>
             </a:pPr>
             <a:r>
-              <a:rPr lang="en-US" sz="1600" kern="0" spc="20">
+              <a:rPr lang="en-US" sz="1400" kern="0" spc="20" dirty="0">
+                <a:latin typeface="Consolas" panose="020B0609020204030204" pitchFamily="49" charset="0"/>
                 <a:cs typeface="Courier New" panose="02070309020205020404" pitchFamily="49" charset="0"/>
               </a:rPr>
-              <a:t>* extension[evidenceType].valueCodeableConcept from CancerDiseaseStatusEvidenceTypeVS (required)</a:t>
+              <a:t>* extension[</a:t>
+            </a:r>
+            <a:r>
+              <a:rPr lang="en-US" sz="1400" kern="0" spc="20" dirty="0" err="1">
+                <a:latin typeface="Consolas" panose="020B0609020204030204" pitchFamily="49" charset="0"/>
+                <a:cs typeface="Courier New" panose="02070309020205020404" pitchFamily="49" charset="0"/>
+              </a:rPr>
+              <a:t>evidenceType</a:t>
+            </a:r>
+            <a:r>
+              <a:rPr lang="en-US" sz="1400" kern="0" spc="20" dirty="0">
+                <a:latin typeface="Consolas" panose="020B0609020204030204" pitchFamily="49" charset="0"/>
+                <a:cs typeface="Courier New" panose="02070309020205020404" pitchFamily="49" charset="0"/>
+              </a:rPr>
+              <a:t>].value[x] only </a:t>
+            </a:r>
+            <a:r>
+              <a:rPr lang="en-US" sz="1400" kern="0" spc="20" dirty="0" err="1">
+                <a:latin typeface="Consolas" panose="020B0609020204030204" pitchFamily="49" charset="0"/>
+                <a:cs typeface="Courier New" panose="02070309020205020404" pitchFamily="49" charset="0"/>
+              </a:rPr>
+              <a:t>CodeableConcept</a:t>
+            </a:r>
+            <a:endParaRPr lang="en-US" sz="1400" kern="0" spc="20" dirty="0">
+              <a:latin typeface="Consolas" panose="020B0609020204030204" pitchFamily="49" charset="0"/>
+              <a:cs typeface="Courier New" panose="02070309020205020404" pitchFamily="49" charset="0"/>
+            </a:endParaRPr>
+          </a:p>
+          <a:p>
+            <a:pPr>
+              <a:lnSpc>
+                <a:spcPct val="130000"/>
+              </a:lnSpc>
+            </a:pPr>
+            <a:r>
+              <a:rPr lang="en-US" sz="1400" kern="0" spc="20" dirty="0">
+                <a:latin typeface="Consolas" panose="020B0609020204030204" pitchFamily="49" charset="0"/>
+                <a:cs typeface="Courier New" panose="02070309020205020404" pitchFamily="49" charset="0"/>
+              </a:rPr>
+              <a:t>* extension[</a:t>
+            </a:r>
+            <a:r>
+              <a:rPr lang="en-US" sz="1400" kern="0" spc="20" dirty="0" err="1">
+                <a:latin typeface="Consolas" panose="020B0609020204030204" pitchFamily="49" charset="0"/>
+                <a:cs typeface="Courier New" panose="02070309020205020404" pitchFamily="49" charset="0"/>
+              </a:rPr>
+              <a:t>evidenceType</a:t>
+            </a:r>
+            <a:r>
+              <a:rPr lang="en-US" sz="1400" kern="0" spc="20" dirty="0">
+                <a:latin typeface="Consolas" panose="020B0609020204030204" pitchFamily="49" charset="0"/>
+                <a:cs typeface="Courier New" panose="02070309020205020404" pitchFamily="49" charset="0"/>
+              </a:rPr>
+              <a:t>].</a:t>
+            </a:r>
+            <a:r>
+              <a:rPr lang="en-US" sz="1400" kern="0" spc="20" dirty="0" err="1">
+                <a:latin typeface="Consolas" panose="020B0609020204030204" pitchFamily="49" charset="0"/>
+                <a:cs typeface="Courier New" panose="02070309020205020404" pitchFamily="49" charset="0"/>
+              </a:rPr>
+              <a:t>valueCodeableConcept</a:t>
+            </a:r>
+            <a:r>
+              <a:rPr lang="en-US" sz="1400" kern="0" spc="20" dirty="0">
+                <a:latin typeface="Consolas" panose="020B0609020204030204" pitchFamily="49" charset="0"/>
+                <a:cs typeface="Courier New" panose="02070309020205020404" pitchFamily="49" charset="0"/>
+              </a:rPr>
+              <a:t> from </a:t>
+            </a:r>
+            <a:r>
+              <a:rPr lang="en-US" sz="1400" kern="0" spc="20" dirty="0" err="1">
+                <a:latin typeface="Consolas" panose="020B0609020204030204" pitchFamily="49" charset="0"/>
+                <a:cs typeface="Courier New" panose="02070309020205020404" pitchFamily="49" charset="0"/>
+              </a:rPr>
+              <a:t>CancerDiseaseStatusEvidenceTypeVS</a:t>
+            </a:r>
+            <a:r>
+              <a:rPr lang="en-US" sz="1400" kern="0" spc="20" dirty="0">
+                <a:latin typeface="Consolas" panose="020B0609020204030204" pitchFamily="49" charset="0"/>
+                <a:cs typeface="Courier New" panose="02070309020205020404" pitchFamily="49" charset="0"/>
+              </a:rPr>
+              <a:t> (required)</a:t>
             </a:r>
           </a:p>
         </p:txBody>
@@ -5311,1013 +6097,6 @@
     <p:extLst>
       <p:ext uri="{BB962C8B-B14F-4D97-AF65-F5344CB8AC3E}">
         <p14:creationId xmlns:p14="http://schemas.microsoft.com/office/powerpoint/2010/main" val="3536443143"/>
-      </p:ext>
-    </p:extLst>
-  </p:cSld>
-  <p:clrMapOvr>
-    <a:masterClrMapping/>
-  </p:clrMapOvr>
-</p:sld>
-</file>
-
-<file path=ppt/slides/slide15.xml><?xml version="1.0" encoding="utf-8"?>
-<p:sld xmlns:a="http://schemas.openxmlformats.org/drawingml/2006/main" xmlns:r="http://schemas.openxmlformats.org/officeDocument/2006/relationships" xmlns:p="http://schemas.openxmlformats.org/presentationml/2006/main">
-  <p:cSld>
-    <p:spTree>
-      <p:nvGrpSpPr>
-        <p:cNvPr id="1" name=""/>
-        <p:cNvGrpSpPr/>
-        <p:nvPr/>
-      </p:nvGrpSpPr>
-      <p:grpSpPr>
-        <a:xfrm>
-          <a:off x="0" y="0"/>
-          <a:ext cx="0" cy="0"/>
-          <a:chOff x="0" y="0"/>
-          <a:chExt cx="0" cy="0"/>
-        </a:xfrm>
-      </p:grpSpPr>
-      <p:sp>
-        <p:nvSpPr>
-          <p:cNvPr id="2" name="Title 1">
-            <a:extLst>
-              <a:ext uri="{FF2B5EF4-FFF2-40B4-BE49-F238E27FC236}">
-                <a16:creationId xmlns:a16="http://schemas.microsoft.com/office/drawing/2014/main" id="{B3A86947-2759-48D9-98CD-C0D27FE37F2D}"/>
-              </a:ext>
-            </a:extLst>
-          </p:cNvPr>
-          <p:cNvSpPr>
-            <a:spLocks noGrp="1"/>
-          </p:cNvSpPr>
-          <p:nvPr>
-            <p:ph type="title"/>
-          </p:nvPr>
-        </p:nvSpPr>
-        <p:spPr/>
-        <p:txBody>
-          <a:bodyPr>
-            <a:normAutofit/>
-          </a:bodyPr>
-          <a:lstStyle/>
-          <a:p>
-            <a:r>
-              <a:rPr lang="en-US" dirty="0"/>
-              <a:t>Caret Paths </a:t>
-            </a:r>
-            <a:r>
-              <a:rPr lang="en-US"/>
-              <a:t>for StructureDefinitions</a:t>
-            </a:r>
-            <a:endParaRPr lang="en-US" dirty="0"/>
-          </a:p>
-        </p:txBody>
-      </p:sp>
-      <p:sp>
-        <p:nvSpPr>
-          <p:cNvPr id="3" name="Content Placeholder 2">
-            <a:extLst>
-              <a:ext uri="{FF2B5EF4-FFF2-40B4-BE49-F238E27FC236}">
-                <a16:creationId xmlns:a16="http://schemas.microsoft.com/office/drawing/2014/main" id="{B97226CC-C457-461A-9EBD-9F4A150BC504}"/>
-              </a:ext>
-            </a:extLst>
-          </p:cNvPr>
-          <p:cNvSpPr>
-            <a:spLocks noGrp="1"/>
-          </p:cNvSpPr>
-          <p:nvPr>
-            <p:ph idx="1"/>
-          </p:nvPr>
-        </p:nvSpPr>
-        <p:spPr>
-          <a:xfrm>
-            <a:off x="812800" y="1734670"/>
-            <a:ext cx="11258698" cy="4675655"/>
-          </a:xfrm>
-        </p:spPr>
-        <p:txBody>
-          <a:bodyPr>
-            <a:normAutofit/>
-          </a:bodyPr>
-          <a:lstStyle/>
-          <a:p>
-            <a:pPr>
-              <a:lnSpc>
-                <a:spcPct val="120000"/>
-              </a:lnSpc>
-            </a:pPr>
-            <a:r>
-              <a:rPr lang="en-US" dirty="0"/>
-              <a:t>Caret (^) gives direct access to elements in StructureDefinition</a:t>
-            </a:r>
-          </a:p>
-          <a:p>
-            <a:pPr>
-              <a:lnSpc>
-                <a:spcPct val="120000"/>
-              </a:lnSpc>
-            </a:pPr>
-            <a:r>
-              <a:rPr lang="en-US" dirty="0"/>
-              <a:t>Useful </a:t>
-            </a:r>
-            <a:r>
-              <a:rPr lang="en-US"/>
-              <a:t>for setting or overriding metadata elements:</a:t>
-            </a:r>
-          </a:p>
-          <a:p>
-            <a:endParaRPr lang="en-US" dirty="0"/>
-          </a:p>
-        </p:txBody>
-      </p:sp>
-      <p:pic>
-        <p:nvPicPr>
-          <p:cNvPr id="6" name="Picture 5">
-            <a:extLst>
-              <a:ext uri="{FF2B5EF4-FFF2-40B4-BE49-F238E27FC236}">
-                <a16:creationId xmlns:a16="http://schemas.microsoft.com/office/drawing/2014/main" id="{7FEAA94E-8BF5-4636-9792-8440F388E8B6}"/>
-              </a:ext>
-            </a:extLst>
-          </p:cNvPr>
-          <p:cNvPicPr>
-            <a:picLocks noChangeAspect="1"/>
-          </p:cNvPicPr>
-          <p:nvPr/>
-        </p:nvPicPr>
-        <p:blipFill rotWithShape="1">
-          <a:blip r:embed="rId2"/>
-          <a:srcRect r="13258" b="65299"/>
-          <a:stretch/>
-        </p:blipFill>
-        <p:spPr>
-          <a:xfrm>
-            <a:off x="1407588" y="1283103"/>
-            <a:ext cx="9783224" cy="283480"/>
-          </a:xfrm>
-          <a:prstGeom prst="rect">
-            <a:avLst/>
-          </a:prstGeom>
-        </p:spPr>
-      </p:pic>
-      <p:pic>
-        <p:nvPicPr>
-          <p:cNvPr id="10" name="Picture 9">
-            <a:extLst>
-              <a:ext uri="{FF2B5EF4-FFF2-40B4-BE49-F238E27FC236}">
-                <a16:creationId xmlns:a16="http://schemas.microsoft.com/office/drawing/2014/main" id="{B7E1F139-A5F7-4AE9-B5C2-21E43FFEB98F}"/>
-              </a:ext>
-            </a:extLst>
-          </p:cNvPr>
-          <p:cNvPicPr>
-            <a:picLocks noChangeAspect="1"/>
-          </p:cNvPicPr>
-          <p:nvPr/>
-        </p:nvPicPr>
-        <p:blipFill>
-          <a:blip r:embed="rId3"/>
-          <a:stretch>
-            <a:fillRect/>
-          </a:stretch>
-        </p:blipFill>
-        <p:spPr>
-          <a:xfrm>
-            <a:off x="1339650" y="2791389"/>
-            <a:ext cx="9099176" cy="3348124"/>
-          </a:xfrm>
-          <a:prstGeom prst="rect">
-            <a:avLst/>
-          </a:prstGeom>
-        </p:spPr>
-      </p:pic>
-    </p:spTree>
-    <p:extLst>
-      <p:ext uri="{BB962C8B-B14F-4D97-AF65-F5344CB8AC3E}">
-        <p14:creationId xmlns:p14="http://schemas.microsoft.com/office/powerpoint/2010/main" val="2793780085"/>
-      </p:ext>
-    </p:extLst>
-  </p:cSld>
-  <p:clrMapOvr>
-    <a:masterClrMapping/>
-  </p:clrMapOvr>
-</p:sld>
-</file>
-
-<file path=ppt/slides/slide16.xml><?xml version="1.0" encoding="utf-8"?>
-<p:sld xmlns:a="http://schemas.openxmlformats.org/drawingml/2006/main" xmlns:r="http://schemas.openxmlformats.org/officeDocument/2006/relationships" xmlns:p="http://schemas.openxmlformats.org/presentationml/2006/main">
-  <p:cSld>
-    <p:spTree>
-      <p:nvGrpSpPr>
-        <p:cNvPr id="1" name=""/>
-        <p:cNvGrpSpPr/>
-        <p:nvPr/>
-      </p:nvGrpSpPr>
-      <p:grpSpPr>
-        <a:xfrm>
-          <a:off x="0" y="0"/>
-          <a:ext cx="0" cy="0"/>
-          <a:chOff x="0" y="0"/>
-          <a:chExt cx="0" cy="0"/>
-        </a:xfrm>
-      </p:grpSpPr>
-      <p:sp>
-        <p:nvSpPr>
-          <p:cNvPr id="2" name="Title 1">
-            <a:extLst>
-              <a:ext uri="{FF2B5EF4-FFF2-40B4-BE49-F238E27FC236}">
-                <a16:creationId xmlns:a16="http://schemas.microsoft.com/office/drawing/2014/main" id="{B3A86947-2759-48D9-98CD-C0D27FE37F2D}"/>
-              </a:ext>
-            </a:extLst>
-          </p:cNvPr>
-          <p:cNvSpPr>
-            <a:spLocks noGrp="1"/>
-          </p:cNvSpPr>
-          <p:nvPr>
-            <p:ph type="title"/>
-          </p:nvPr>
-        </p:nvSpPr>
-        <p:spPr/>
-        <p:txBody>
-          <a:bodyPr>
-            <a:normAutofit/>
-          </a:bodyPr>
-          <a:lstStyle/>
-          <a:p>
-            <a:r>
-              <a:rPr lang="en-US" dirty="0"/>
-              <a:t>Caret Paths </a:t>
-            </a:r>
-            <a:r>
-              <a:rPr lang="en-US"/>
-              <a:t>for ElementDefinitions</a:t>
-            </a:r>
-            <a:endParaRPr lang="en-US" dirty="0"/>
-          </a:p>
-        </p:txBody>
-      </p:sp>
-      <p:sp>
-        <p:nvSpPr>
-          <p:cNvPr id="3" name="Content Placeholder 2">
-            <a:extLst>
-              <a:ext uri="{FF2B5EF4-FFF2-40B4-BE49-F238E27FC236}">
-                <a16:creationId xmlns:a16="http://schemas.microsoft.com/office/drawing/2014/main" id="{B97226CC-C457-461A-9EBD-9F4A150BC504}"/>
-              </a:ext>
-            </a:extLst>
-          </p:cNvPr>
-          <p:cNvSpPr>
-            <a:spLocks noGrp="1"/>
-          </p:cNvSpPr>
-          <p:nvPr>
-            <p:ph idx="1"/>
-          </p:nvPr>
-        </p:nvSpPr>
-        <p:spPr>
-          <a:xfrm>
-            <a:off x="812800" y="1396240"/>
-            <a:ext cx="11258698" cy="5014085"/>
-          </a:xfrm>
-        </p:spPr>
-        <p:txBody>
-          <a:bodyPr>
-            <a:normAutofit/>
-          </a:bodyPr>
-          <a:lstStyle/>
-          <a:p>
-            <a:pPr>
-              <a:lnSpc>
-                <a:spcPct val="120000"/>
-              </a:lnSpc>
-            </a:pPr>
-            <a:r>
-              <a:rPr lang="en-US"/>
-              <a:t>A StructureDefinition contains one ElementDefinition for every element and subelement</a:t>
-            </a:r>
-          </a:p>
-          <a:p>
-            <a:pPr>
-              <a:lnSpc>
-                <a:spcPct val="120000"/>
-              </a:lnSpc>
-            </a:pPr>
-            <a:r>
-              <a:rPr lang="en-US"/>
-              <a:t>Use the element name followed by caret path into the ElementDefinition</a:t>
-            </a:r>
-          </a:p>
-          <a:p>
-            <a:pPr>
-              <a:lnSpc>
-                <a:spcPct val="120000"/>
-              </a:lnSpc>
-            </a:pPr>
-            <a:r>
-              <a:rPr lang="en-US"/>
-              <a:t>Path examples:</a:t>
-            </a:r>
-            <a:endParaRPr lang="en-US" sz="1600">
-              <a:solidFill>
-                <a:prstClr val="black"/>
-              </a:solidFill>
-              <a:latin typeface="Lucida Console" panose="020B0609040504020204" pitchFamily="49" charset="0"/>
-            </a:endParaRPr>
-          </a:p>
-          <a:p>
-            <a:pPr marL="287338" lvl="1" indent="0">
-              <a:lnSpc>
-                <a:spcPct val="130000"/>
-              </a:lnSpc>
-              <a:buClr>
-                <a:srgbClr val="005B94"/>
-              </a:buClr>
-              <a:buNone/>
-            </a:pPr>
-            <a:r>
-              <a:rPr lang="en-US" sz="1600">
-                <a:solidFill>
-                  <a:prstClr val="black"/>
-                </a:solidFill>
-                <a:latin typeface="Monaco"/>
-              </a:rPr>
-              <a:t>valueInteger  ^minValueQuantity</a:t>
-            </a:r>
-          </a:p>
-          <a:p>
-            <a:pPr marL="287338" lvl="1" indent="0">
-              <a:lnSpc>
-                <a:spcPct val="130000"/>
-              </a:lnSpc>
-              <a:buClr>
-                <a:srgbClr val="005B94"/>
-              </a:buClr>
-              <a:buNone/>
-            </a:pPr>
-            <a:r>
-              <a:rPr lang="en-US" sz="1600">
-                <a:solidFill>
-                  <a:prstClr val="black"/>
-                </a:solidFill>
-                <a:latin typeface="Monaco"/>
-              </a:rPr>
-              <a:t>hasMember  ^slicing.discriminator.path</a:t>
-            </a:r>
-          </a:p>
-          <a:p>
-            <a:pPr marL="287338" lvl="1" indent="0">
-              <a:lnSpc>
-                <a:spcPct val="130000"/>
-              </a:lnSpc>
-              <a:buClr>
-                <a:srgbClr val="005B94"/>
-              </a:buClr>
-              <a:buNone/>
-            </a:pPr>
-            <a:r>
-              <a:rPr lang="en-US" sz="1600">
-                <a:solidFill>
-                  <a:prstClr val="black"/>
-                </a:solidFill>
-                <a:latin typeface="Monaco"/>
-              </a:rPr>
-              <a:t>hasMember[PrimaryTumorCategory]  ^short</a:t>
-            </a:r>
-          </a:p>
-          <a:p>
-            <a:pPr marL="287338" lvl="1" indent="0">
-              <a:lnSpc>
-                <a:spcPct val="130000"/>
-              </a:lnSpc>
-              <a:buClr>
-                <a:srgbClr val="005B94"/>
-              </a:buClr>
-              <a:buNone/>
-            </a:pPr>
-            <a:endParaRPr lang="en-US" sz="1600">
-              <a:solidFill>
-                <a:prstClr val="black"/>
-              </a:solidFill>
-              <a:latin typeface="Lucida Console" panose="020B0609040504020204" pitchFamily="49" charset="0"/>
-            </a:endParaRPr>
-          </a:p>
-          <a:p>
-            <a:pPr marL="287338" lvl="1" indent="0">
-              <a:lnSpc>
-                <a:spcPct val="130000"/>
-              </a:lnSpc>
-              <a:buClr>
-                <a:srgbClr val="005B94"/>
-              </a:buClr>
-              <a:buNone/>
-            </a:pPr>
-            <a:endParaRPr lang="en-US" sz="1600">
-              <a:solidFill>
-                <a:prstClr val="black"/>
-              </a:solidFill>
-              <a:latin typeface="Lucida Console" panose="020B0609040504020204" pitchFamily="49" charset="0"/>
-            </a:endParaRPr>
-          </a:p>
-          <a:p>
-            <a:pPr marL="288925" indent="-285750">
-              <a:lnSpc>
-                <a:spcPct val="130000"/>
-              </a:lnSpc>
-              <a:buClr>
-                <a:srgbClr val="005B94"/>
-              </a:buClr>
-            </a:pPr>
-            <a:r>
-              <a:rPr lang="en-US" sz="1600"/>
-              <a:t>Rule example:</a:t>
-            </a:r>
-            <a:endParaRPr lang="en-US" sz="1600">
-              <a:solidFill>
-                <a:prstClr val="black"/>
-              </a:solidFill>
-              <a:latin typeface="Lucida Console" panose="020B0609040504020204" pitchFamily="49" charset="0"/>
-            </a:endParaRPr>
-          </a:p>
-          <a:p>
-            <a:pPr marL="287338" lvl="1" indent="0">
-              <a:lnSpc>
-                <a:spcPct val="130000"/>
-              </a:lnSpc>
-              <a:buClr>
-                <a:srgbClr val="005B94"/>
-              </a:buClr>
-              <a:buNone/>
-            </a:pPr>
-            <a:r>
-              <a:rPr lang="en-US" altLang="en-US" sz="1600">
-                <a:solidFill>
-                  <a:srgbClr val="333333"/>
-                </a:solidFill>
-                <a:latin typeface="Monaco"/>
-              </a:rPr>
-              <a:t>* communication.language ^binding.description = "This binding is dictated by US FDA regulations."</a:t>
-            </a:r>
-            <a:r>
-              <a:rPr lang="en-US" altLang="en-US" sz="800"/>
-              <a:t> </a:t>
-            </a:r>
-            <a:endParaRPr lang="en-US" altLang="en-US" sz="3600"/>
-          </a:p>
-          <a:p>
-            <a:pPr marL="287338" lvl="1" indent="0">
-              <a:lnSpc>
-                <a:spcPct val="130000"/>
-              </a:lnSpc>
-              <a:buClr>
-                <a:srgbClr val="005B94"/>
-              </a:buClr>
-              <a:buNone/>
-            </a:pPr>
-            <a:endParaRPr lang="en-US" sz="1600">
-              <a:solidFill>
-                <a:prstClr val="black"/>
-              </a:solidFill>
-              <a:latin typeface="Lucida Console" panose="020B0609040504020204" pitchFamily="49" charset="0"/>
-            </a:endParaRPr>
-          </a:p>
-          <a:p>
-            <a:pPr marL="287338" lvl="1" indent="0">
-              <a:lnSpc>
-                <a:spcPct val="130000"/>
-              </a:lnSpc>
-              <a:buClr>
-                <a:srgbClr val="005B94"/>
-              </a:buClr>
-              <a:buNone/>
-            </a:pPr>
-            <a:endParaRPr lang="en-US" sz="1600">
-              <a:solidFill>
-                <a:prstClr val="black"/>
-              </a:solidFill>
-              <a:latin typeface="Lucida Console" panose="020B0609040504020204" pitchFamily="49" charset="0"/>
-            </a:endParaRPr>
-          </a:p>
-          <a:p>
-            <a:endParaRPr lang="en-US" dirty="0"/>
-          </a:p>
-        </p:txBody>
-      </p:sp>
-      <p:cxnSp>
-        <p:nvCxnSpPr>
-          <p:cNvPr id="8" name="Connector: Elbow 7">
-            <a:extLst>
-              <a:ext uri="{FF2B5EF4-FFF2-40B4-BE49-F238E27FC236}">
-                <a16:creationId xmlns:a16="http://schemas.microsoft.com/office/drawing/2014/main" id="{4BEB4733-3BA0-4BB9-AE2B-A38982448684}"/>
-              </a:ext>
-            </a:extLst>
-          </p:cNvPr>
-          <p:cNvCxnSpPr>
-            <a:cxnSpLocks/>
-          </p:cNvCxnSpPr>
-          <p:nvPr/>
-        </p:nvCxnSpPr>
-        <p:spPr>
-          <a:xfrm>
-            <a:off x="3234018" y="3509955"/>
-            <a:ext cx="2097741" cy="483821"/>
-          </a:xfrm>
-          <a:prstGeom prst="bentConnector3">
-            <a:avLst/>
-          </a:prstGeom>
-          <a:ln/>
-        </p:spPr>
-        <p:style>
-          <a:lnRef idx="1">
-            <a:schemeClr val="accent4"/>
-          </a:lnRef>
-          <a:fillRef idx="0">
-            <a:schemeClr val="accent4"/>
-          </a:fillRef>
-          <a:effectRef idx="0">
-            <a:schemeClr val="accent4"/>
-          </a:effectRef>
-          <a:fontRef idx="minor">
-            <a:schemeClr val="tx1"/>
-          </a:fontRef>
-        </p:style>
-      </p:cxnSp>
-      <p:cxnSp>
-        <p:nvCxnSpPr>
-          <p:cNvPr id="11" name="Connector: Elbow 10">
-            <a:extLst>
-              <a:ext uri="{FF2B5EF4-FFF2-40B4-BE49-F238E27FC236}">
-                <a16:creationId xmlns:a16="http://schemas.microsoft.com/office/drawing/2014/main" id="{6E4FE43F-2AE4-4555-AE2C-B988294FEBAF}"/>
-              </a:ext>
-            </a:extLst>
-          </p:cNvPr>
-          <p:cNvCxnSpPr/>
-          <p:nvPr/>
-        </p:nvCxnSpPr>
-        <p:spPr>
-          <a:xfrm>
-            <a:off x="1627096" y="2770095"/>
-            <a:ext cx="1600200" cy="739588"/>
-          </a:xfrm>
-          <a:prstGeom prst="bentConnector3">
-            <a:avLst>
-              <a:gd name="adj1" fmla="val 39076"/>
-            </a:avLst>
-          </a:prstGeom>
-          <a:ln/>
-        </p:spPr>
-        <p:style>
-          <a:lnRef idx="1">
-            <a:schemeClr val="accent4"/>
-          </a:lnRef>
-          <a:fillRef idx="0">
-            <a:schemeClr val="accent4"/>
-          </a:fillRef>
-          <a:effectRef idx="0">
-            <a:schemeClr val="accent4"/>
-          </a:effectRef>
-          <a:fontRef idx="minor">
-            <a:schemeClr val="tx1"/>
-          </a:fontRef>
-        </p:style>
-      </p:cxnSp>
-      <p:sp>
-        <p:nvSpPr>
-          <p:cNvPr id="13" name="TextBox 12">
-            <a:extLst>
-              <a:ext uri="{FF2B5EF4-FFF2-40B4-BE49-F238E27FC236}">
-                <a16:creationId xmlns:a16="http://schemas.microsoft.com/office/drawing/2014/main" id="{6EBE6431-9612-436C-A05D-5619EF596EE8}"/>
-              </a:ext>
-            </a:extLst>
-          </p:cNvPr>
-          <p:cNvSpPr txBox="1"/>
-          <p:nvPr/>
-        </p:nvSpPr>
-        <p:spPr>
-          <a:xfrm>
-            <a:off x="812800" y="4229683"/>
-            <a:ext cx="2066591" cy="338554"/>
-          </a:xfrm>
-          <a:prstGeom prst="rect">
-            <a:avLst/>
-          </a:prstGeom>
-          <a:noFill/>
-        </p:spPr>
-        <p:txBody>
-          <a:bodyPr wrap="none" rtlCol="0">
-            <a:spAutoFit/>
-          </a:bodyPr>
-          <a:lstStyle/>
-          <a:p>
-            <a:pPr>
-              <a:spcAft>
-                <a:spcPts val="600"/>
-              </a:spcAft>
-            </a:pPr>
-            <a:r>
-              <a:rPr lang="en-US" sz="1600">
-                <a:solidFill>
-                  <a:schemeClr val="accent4">
-                    <a:lumMod val="75000"/>
-                  </a:schemeClr>
-                </a:solidFill>
-                <a:ea typeface="Verdana" pitchFamily="34" charset="0"/>
-                <a:cs typeface="Verdana" pitchFamily="34" charset="0"/>
-              </a:rPr>
-              <a:t>regular element path</a:t>
-            </a:r>
-          </a:p>
-        </p:txBody>
-      </p:sp>
-      <p:cxnSp>
-        <p:nvCxnSpPr>
-          <p:cNvPr id="15" name="Straight Arrow Connector 14">
-            <a:extLst>
-              <a:ext uri="{FF2B5EF4-FFF2-40B4-BE49-F238E27FC236}">
-                <a16:creationId xmlns:a16="http://schemas.microsoft.com/office/drawing/2014/main" id="{329F0CBD-A7A4-45CB-91BF-148F9A31277A}"/>
-              </a:ext>
-            </a:extLst>
-          </p:cNvPr>
-          <p:cNvCxnSpPr>
-            <a:cxnSpLocks/>
-            <a:stCxn id="13" idx="0"/>
-          </p:cNvCxnSpPr>
-          <p:nvPr/>
-        </p:nvCxnSpPr>
-        <p:spPr>
-          <a:xfrm flipV="1">
-            <a:off x="1846096" y="3845859"/>
-            <a:ext cx="0" cy="383824"/>
-          </a:xfrm>
-          <a:prstGeom prst="straightConnector1">
-            <a:avLst/>
-          </a:prstGeom>
-          <a:ln>
-            <a:solidFill>
-              <a:schemeClr val="tx1"/>
-            </a:solidFill>
-            <a:tailEnd type="triangle"/>
-          </a:ln>
-        </p:spPr>
-        <p:style>
-          <a:lnRef idx="1">
-            <a:schemeClr val="accent1"/>
-          </a:lnRef>
-          <a:fillRef idx="0">
-            <a:schemeClr val="accent1"/>
-          </a:fillRef>
-          <a:effectRef idx="0">
-            <a:schemeClr val="accent1"/>
-          </a:effectRef>
-          <a:fontRef idx="minor">
-            <a:schemeClr val="tx1"/>
-          </a:fontRef>
-        </p:style>
-      </p:cxnSp>
-      <p:sp>
-        <p:nvSpPr>
-          <p:cNvPr id="18" name="TextBox 17">
-            <a:extLst>
-              <a:ext uri="{FF2B5EF4-FFF2-40B4-BE49-F238E27FC236}">
-                <a16:creationId xmlns:a16="http://schemas.microsoft.com/office/drawing/2014/main" id="{03BC923D-9634-4AAA-85CD-AB58731E72C8}"/>
-              </a:ext>
-            </a:extLst>
-          </p:cNvPr>
-          <p:cNvSpPr txBox="1"/>
-          <p:nvPr/>
-        </p:nvSpPr>
-        <p:spPr>
-          <a:xfrm>
-            <a:off x="3781643" y="4229683"/>
-            <a:ext cx="2634054" cy="338554"/>
-          </a:xfrm>
-          <a:prstGeom prst="rect">
-            <a:avLst/>
-          </a:prstGeom>
-          <a:noFill/>
-        </p:spPr>
-        <p:txBody>
-          <a:bodyPr wrap="none" rtlCol="0">
-            <a:spAutoFit/>
-          </a:bodyPr>
-          <a:lstStyle/>
-          <a:p>
-            <a:pPr>
-              <a:spcAft>
-                <a:spcPts val="600"/>
-              </a:spcAft>
-            </a:pPr>
-            <a:r>
-              <a:rPr lang="en-US" sz="1600">
-                <a:solidFill>
-                  <a:schemeClr val="accent4">
-                    <a:lumMod val="75000"/>
-                  </a:schemeClr>
-                </a:solidFill>
-                <a:ea typeface="Verdana" pitchFamily="34" charset="0"/>
-                <a:cs typeface="Verdana" pitchFamily="34" charset="0"/>
-              </a:rPr>
-              <a:t>path into ElementDefinition</a:t>
-            </a:r>
-          </a:p>
-        </p:txBody>
-      </p:sp>
-      <p:cxnSp>
-        <p:nvCxnSpPr>
-          <p:cNvPr id="20" name="Straight Arrow Connector 19">
-            <a:extLst>
-              <a:ext uri="{FF2B5EF4-FFF2-40B4-BE49-F238E27FC236}">
-                <a16:creationId xmlns:a16="http://schemas.microsoft.com/office/drawing/2014/main" id="{EF85A37D-BC78-4798-AB6D-F1FEDBD0F27A}"/>
-              </a:ext>
-            </a:extLst>
-          </p:cNvPr>
-          <p:cNvCxnSpPr>
-            <a:cxnSpLocks/>
-          </p:cNvCxnSpPr>
-          <p:nvPr/>
-        </p:nvCxnSpPr>
-        <p:spPr>
-          <a:xfrm flipV="1">
-            <a:off x="4647566" y="3845859"/>
-            <a:ext cx="0" cy="383824"/>
-          </a:xfrm>
-          <a:prstGeom prst="straightConnector1">
-            <a:avLst/>
-          </a:prstGeom>
-          <a:ln>
-            <a:solidFill>
-              <a:schemeClr val="tx1"/>
-            </a:solidFill>
-            <a:tailEnd type="triangle"/>
-          </a:ln>
-        </p:spPr>
-        <p:style>
-          <a:lnRef idx="1">
-            <a:schemeClr val="accent1"/>
-          </a:lnRef>
-          <a:fillRef idx="0">
-            <a:schemeClr val="accent1"/>
-          </a:fillRef>
-          <a:effectRef idx="0">
-            <a:schemeClr val="accent1"/>
-          </a:effectRef>
-          <a:fontRef idx="minor">
-            <a:schemeClr val="tx1"/>
-          </a:fontRef>
-        </p:style>
-      </p:cxnSp>
-    </p:spTree>
-    <p:extLst>
-      <p:ext uri="{BB962C8B-B14F-4D97-AF65-F5344CB8AC3E}">
-        <p14:creationId xmlns:p14="http://schemas.microsoft.com/office/powerpoint/2010/main" val="1782466548"/>
-      </p:ext>
-    </p:extLst>
-  </p:cSld>
-  <p:clrMapOvr>
-    <a:masterClrMapping/>
-  </p:clrMapOvr>
-</p:sld>
-</file>
-
-<file path=ppt/slides/slide17.xml><?xml version="1.0" encoding="utf-8"?>
-<p:sld xmlns:a="http://schemas.openxmlformats.org/drawingml/2006/main" xmlns:r="http://schemas.openxmlformats.org/officeDocument/2006/relationships" xmlns:p="http://schemas.openxmlformats.org/presentationml/2006/main">
-  <p:cSld>
-    <p:spTree>
-      <p:nvGrpSpPr>
-        <p:cNvPr id="1" name=""/>
-        <p:cNvGrpSpPr/>
-        <p:nvPr/>
-      </p:nvGrpSpPr>
-      <p:grpSpPr>
-        <a:xfrm>
-          <a:off x="0" y="0"/>
-          <a:ext cx="0" cy="0"/>
-          <a:chOff x="0" y="0"/>
-          <a:chExt cx="0" cy="0"/>
-        </a:xfrm>
-      </p:grpSpPr>
-      <p:sp>
-        <p:nvSpPr>
-          <p:cNvPr id="2" name="Title 1">
-            <a:extLst>
-              <a:ext uri="{FF2B5EF4-FFF2-40B4-BE49-F238E27FC236}">
-                <a16:creationId xmlns:a16="http://schemas.microsoft.com/office/drawing/2014/main" id="{9602008D-F00B-482F-AD1D-761D3E21C550}"/>
-              </a:ext>
-            </a:extLst>
-          </p:cNvPr>
-          <p:cNvSpPr>
-            <a:spLocks noGrp="1"/>
-          </p:cNvSpPr>
-          <p:nvPr>
-            <p:ph type="title"/>
-          </p:nvPr>
-        </p:nvSpPr>
-        <p:spPr/>
-        <p:txBody>
-          <a:bodyPr/>
-          <a:lstStyle/>
-          <a:p>
-            <a:r>
-              <a:rPr lang="en-US"/>
-              <a:t>The Oddball Dot Caret Path</a:t>
-            </a:r>
-          </a:p>
-        </p:txBody>
-      </p:sp>
-      <p:sp>
-        <p:nvSpPr>
-          <p:cNvPr id="3" name="Content Placeholder 2">
-            <a:extLst>
-              <a:ext uri="{FF2B5EF4-FFF2-40B4-BE49-F238E27FC236}">
-                <a16:creationId xmlns:a16="http://schemas.microsoft.com/office/drawing/2014/main" id="{A4F04779-77A5-4837-ACAF-848E8A9AC8A2}"/>
-              </a:ext>
-            </a:extLst>
-          </p:cNvPr>
-          <p:cNvSpPr>
-            <a:spLocks noGrp="1"/>
-          </p:cNvSpPr>
-          <p:nvPr>
-            <p:ph idx="1"/>
-          </p:nvPr>
-        </p:nvSpPr>
-        <p:spPr/>
-        <p:txBody>
-          <a:bodyPr>
-            <a:normAutofit fontScale="92500"/>
-          </a:bodyPr>
-          <a:lstStyle/>
-          <a:p>
-            <a:r>
-              <a:rPr lang="en-US"/>
-              <a:t>The first ElementDefinition in any StructureDefinition refers to entire item</a:t>
-            </a:r>
-          </a:p>
-          <a:p>
-            <a:endParaRPr lang="en-US"/>
-          </a:p>
-          <a:p>
-            <a:endParaRPr lang="en-US"/>
-          </a:p>
-          <a:p>
-            <a:endParaRPr lang="en-US"/>
-          </a:p>
-          <a:p>
-            <a:endParaRPr lang="en-US"/>
-          </a:p>
-          <a:p>
-            <a:endParaRPr lang="en-US"/>
-          </a:p>
-          <a:p>
-            <a:endParaRPr lang="en-US"/>
-          </a:p>
-          <a:p>
-            <a:pPr marL="0" indent="0">
-              <a:buNone/>
-            </a:pPr>
-            <a:endParaRPr lang="en-US"/>
-          </a:p>
-          <a:p>
-            <a:pPr marL="0" indent="0">
-              <a:buNone/>
-            </a:pPr>
-            <a:endParaRPr lang="en-US"/>
-          </a:p>
-          <a:p>
-            <a:r>
-              <a:rPr lang="en-US"/>
-              <a:t>To refer to properties of this particular "self" element, use dot (.) as the element path</a:t>
-            </a:r>
-          </a:p>
-          <a:p>
-            <a:endParaRPr lang="en-US"/>
-          </a:p>
-          <a:p>
-            <a:pPr marL="287338" lvl="1" indent="0">
-              <a:lnSpc>
-                <a:spcPct val="130000"/>
-              </a:lnSpc>
-              <a:buClr>
-                <a:srgbClr val="005B94"/>
-              </a:buClr>
-              <a:buNone/>
-            </a:pPr>
-            <a:r>
-              <a:rPr lang="en-US"/>
-              <a:t>Example: Provide a short description for an extension (defined in the “self” ElementDefinition):</a:t>
-            </a:r>
-          </a:p>
-          <a:p>
-            <a:pPr marL="287338" lvl="1" indent="0">
-              <a:lnSpc>
-                <a:spcPct val="130000"/>
-              </a:lnSpc>
-              <a:buClr>
-                <a:srgbClr val="005B94"/>
-              </a:buClr>
-              <a:buNone/>
-            </a:pPr>
-            <a:r>
-              <a:rPr lang="en-US" altLang="en-US" sz="1700">
-                <a:solidFill>
-                  <a:srgbClr val="333333"/>
-                </a:solidFill>
-                <a:latin typeface="+mj-lt"/>
-              </a:rPr>
-              <a:t>* . ^short = "US Core Race Extension" </a:t>
-            </a:r>
-            <a:endParaRPr lang="en-US" sz="1700">
-              <a:latin typeface="+mj-lt"/>
-            </a:endParaRPr>
-          </a:p>
-          <a:p>
-            <a:endParaRPr lang="en-US"/>
-          </a:p>
-        </p:txBody>
-      </p:sp>
-      <p:pic>
-        <p:nvPicPr>
-          <p:cNvPr id="4" name="Picture 3">
-            <a:extLst>
-              <a:ext uri="{FF2B5EF4-FFF2-40B4-BE49-F238E27FC236}">
-                <a16:creationId xmlns:a16="http://schemas.microsoft.com/office/drawing/2014/main" id="{2E850B8D-E891-4DB1-A541-5D8F1B8C561B}"/>
-              </a:ext>
-            </a:extLst>
-          </p:cNvPr>
-          <p:cNvPicPr>
-            <a:picLocks noChangeAspect="1"/>
-          </p:cNvPicPr>
-          <p:nvPr/>
-        </p:nvPicPr>
-        <p:blipFill rotWithShape="1">
-          <a:blip r:embed="rId2"/>
-          <a:srcRect r="13562"/>
-          <a:stretch/>
-        </p:blipFill>
-        <p:spPr>
-          <a:xfrm>
-            <a:off x="1180916" y="1906193"/>
-            <a:ext cx="5085205" cy="2450057"/>
-          </a:xfrm>
-          <a:prstGeom prst="rect">
-            <a:avLst/>
-          </a:prstGeom>
-        </p:spPr>
-      </p:pic>
-      <p:sp>
-        <p:nvSpPr>
-          <p:cNvPr id="5" name="Rectangle 4">
-            <a:extLst>
-              <a:ext uri="{FF2B5EF4-FFF2-40B4-BE49-F238E27FC236}">
-                <a16:creationId xmlns:a16="http://schemas.microsoft.com/office/drawing/2014/main" id="{7A914BE1-1021-4FE8-AE35-D5F3D30BD207}"/>
-              </a:ext>
-            </a:extLst>
-          </p:cNvPr>
-          <p:cNvSpPr/>
-          <p:nvPr/>
-        </p:nvSpPr>
-        <p:spPr>
-          <a:xfrm>
-            <a:off x="1180917" y="2501749"/>
-            <a:ext cx="5085204" cy="1854501"/>
-          </a:xfrm>
-          <a:prstGeom prst="rect">
-            <a:avLst/>
-          </a:prstGeom>
-          <a:noFill/>
-          <a:ln w="12700">
-            <a:solidFill>
-              <a:srgbClr val="FF0000"/>
-            </a:solidFill>
-          </a:ln>
-        </p:spPr>
-        <p:style>
-          <a:lnRef idx="2">
-            <a:schemeClr val="accent1">
-              <a:shade val="50000"/>
-            </a:schemeClr>
-          </a:lnRef>
-          <a:fillRef idx="1">
-            <a:schemeClr val="accent1"/>
-          </a:fillRef>
-          <a:effectRef idx="0">
-            <a:schemeClr val="accent1"/>
-          </a:effectRef>
-          <a:fontRef idx="minor">
-            <a:schemeClr val="lt1"/>
-          </a:fontRef>
-        </p:style>
-        <p:txBody>
-          <a:bodyPr rtlCol="0" anchor="ctr"/>
-          <a:lstStyle/>
-          <a:p>
-            <a:pPr algn="ctr"/>
-            <a:endParaRPr lang="en-US">
-              <a:solidFill>
-                <a:schemeClr val="tx1"/>
-              </a:solidFill>
-            </a:endParaRPr>
-          </a:p>
-        </p:txBody>
-      </p:sp>
-    </p:spTree>
-    <p:extLst>
-      <p:ext uri="{BB962C8B-B14F-4D97-AF65-F5344CB8AC3E}">
-        <p14:creationId xmlns:p14="http://schemas.microsoft.com/office/powerpoint/2010/main" val="3287683405"/>
       </p:ext>
     </p:extLst>
   </p:cSld>
@@ -6349,7 +6128,7 @@
           <p:cNvPr id="2" name="Title 1">
             <a:extLst>
               <a:ext uri="{FF2B5EF4-FFF2-40B4-BE49-F238E27FC236}">
-                <a16:creationId xmlns:a16="http://schemas.microsoft.com/office/drawing/2014/main" id="{5CCAF5D0-9835-422E-A5F2-D8A53B2E57DF}"/>
+                <a16:creationId xmlns:a16="http://schemas.microsoft.com/office/drawing/2014/main" id="{6B5E43B0-6A7A-4402-B083-E2CE4B9BBD8D}"/>
               </a:ext>
             </a:extLst>
           </p:cNvPr>
@@ -6367,124 +6146,266 @@
           <a:p>
             <a:r>
               <a:rPr lang="en-US"/>
-              <a:t>Slicing</a:t>
+              <a:t>Defining Stand-Alone Extensions</a:t>
+            </a:r>
+          </a:p>
+        </p:txBody>
+      </p:sp>
+      <p:pic>
+        <p:nvPicPr>
+          <p:cNvPr id="3" name="Picture 2">
+            <a:extLst>
+              <a:ext uri="{FF2B5EF4-FFF2-40B4-BE49-F238E27FC236}">
+                <a16:creationId xmlns:a16="http://schemas.microsoft.com/office/drawing/2014/main" id="{726298C5-95E5-4101-9108-4F091CED0A03}"/>
+              </a:ext>
+            </a:extLst>
+          </p:cNvPr>
+          <p:cNvPicPr>
+            <a:picLocks noChangeAspect="1"/>
+          </p:cNvPicPr>
+          <p:nvPr/>
+        </p:nvPicPr>
+        <p:blipFill rotWithShape="1">
+          <a:blip r:embed="rId2"/>
+          <a:srcRect t="896" b="94259"/>
+          <a:stretch/>
+        </p:blipFill>
+        <p:spPr>
+          <a:xfrm>
+            <a:off x="812800" y="4664765"/>
+            <a:ext cx="10972800" cy="285735"/>
+          </a:xfrm>
+          <a:prstGeom prst="rect">
+            <a:avLst/>
+          </a:prstGeom>
+        </p:spPr>
+      </p:pic>
+      <p:pic>
+        <p:nvPicPr>
+          <p:cNvPr id="6" name="Picture 5">
+            <a:extLst>
+              <a:ext uri="{FF2B5EF4-FFF2-40B4-BE49-F238E27FC236}">
+                <a16:creationId xmlns:a16="http://schemas.microsoft.com/office/drawing/2014/main" id="{D4625D6B-F3F8-4FFD-82DF-50555DADEFF6}"/>
+              </a:ext>
+            </a:extLst>
+          </p:cNvPr>
+          <p:cNvPicPr>
+            <a:picLocks noChangeAspect="1"/>
+          </p:cNvPicPr>
+          <p:nvPr/>
+        </p:nvPicPr>
+        <p:blipFill>
+          <a:blip r:embed="rId3"/>
+          <a:stretch>
+            <a:fillRect/>
+          </a:stretch>
+        </p:blipFill>
+        <p:spPr>
+          <a:xfrm>
+            <a:off x="822325" y="1977704"/>
+            <a:ext cx="10963275" cy="1571625"/>
+          </a:xfrm>
+          <a:prstGeom prst="rect">
+            <a:avLst/>
+          </a:prstGeom>
+        </p:spPr>
+      </p:pic>
+      <p:sp>
+        <p:nvSpPr>
+          <p:cNvPr id="7" name="TextBox 6">
+            <a:extLst>
+              <a:ext uri="{FF2B5EF4-FFF2-40B4-BE49-F238E27FC236}">
+                <a16:creationId xmlns:a16="http://schemas.microsoft.com/office/drawing/2014/main" id="{8BB09306-101D-446B-80A7-64A34DD00456}"/>
+              </a:ext>
+            </a:extLst>
+          </p:cNvPr>
+          <p:cNvSpPr txBox="1"/>
+          <p:nvPr/>
+        </p:nvSpPr>
+        <p:spPr>
+          <a:xfrm>
+            <a:off x="734828" y="1445482"/>
+            <a:ext cx="10429458" cy="338554"/>
+          </a:xfrm>
+          <a:prstGeom prst="rect">
+            <a:avLst/>
+          </a:prstGeom>
+          <a:noFill/>
+        </p:spPr>
+        <p:txBody>
+          <a:bodyPr wrap="none" rtlCol="0">
+            <a:spAutoFit/>
+          </a:bodyPr>
+          <a:lstStyle/>
+          <a:p>
+            <a:pPr>
+              <a:spcAft>
+                <a:spcPts val="600"/>
+              </a:spcAft>
+            </a:pPr>
+            <a:r>
+              <a:rPr lang="en-US" sz="1600" i="1">
+                <a:solidFill>
+                  <a:schemeClr val="accent1">
+                    <a:lumMod val="75000"/>
+                  </a:schemeClr>
+                </a:solidFill>
+                <a:ea typeface="Verdana" pitchFamily="34" charset="0"/>
+                <a:cs typeface="Verdana" pitchFamily="34" charset="0"/>
+              </a:rPr>
+              <a:t>Define the extension using the "Extension" keyword. No parent is needed because FSH knows it is an Extension.</a:t>
             </a:r>
           </a:p>
         </p:txBody>
       </p:sp>
       <p:sp>
         <p:nvSpPr>
-          <p:cNvPr id="3" name="Content Placeholder 2">
-            <a:extLst>
-              <a:ext uri="{FF2B5EF4-FFF2-40B4-BE49-F238E27FC236}">
-                <a16:creationId xmlns:a16="http://schemas.microsoft.com/office/drawing/2014/main" id="{E5A6AC88-B7F2-4B6F-872E-6D15EABB91D7}"/>
-              </a:ext>
-            </a:extLst>
-          </p:cNvPr>
-          <p:cNvSpPr>
-            <a:spLocks noGrp="1"/>
-          </p:cNvSpPr>
-          <p:nvPr>
-            <p:ph idx="1"/>
-          </p:nvPr>
+          <p:cNvPr id="8" name="TextBox 7">
+            <a:extLst>
+              <a:ext uri="{FF2B5EF4-FFF2-40B4-BE49-F238E27FC236}">
+                <a16:creationId xmlns:a16="http://schemas.microsoft.com/office/drawing/2014/main" id="{4A99122E-B517-4E6A-A708-340172C689CC}"/>
+              </a:ext>
+            </a:extLst>
+          </p:cNvPr>
+          <p:cNvSpPr txBox="1"/>
+          <p:nvPr/>
         </p:nvSpPr>
-        <p:spPr/>
+        <p:spPr>
+          <a:xfrm>
+            <a:off x="734828" y="3875291"/>
+            <a:ext cx="7326044" cy="661720"/>
+          </a:xfrm>
+          <a:prstGeom prst="rect">
+            <a:avLst/>
+          </a:prstGeom>
+          <a:noFill/>
+        </p:spPr>
         <p:txBody>
-          <a:bodyPr/>
+          <a:bodyPr wrap="none" rtlCol="0">
+            <a:spAutoFit/>
+          </a:bodyPr>
           <a:lstStyle/>
           <a:p>
-            <a:r>
-              <a:rPr lang="en-US"/>
-              <a:t>Similar to extensions -- the objective is to say what can go into an array</a:t>
-            </a:r>
-          </a:p>
-          <a:p>
-            <a:r>
-              <a:rPr lang="en-US"/>
-              <a:t>The array elements will not be Extensions</a:t>
-            </a:r>
-          </a:p>
-          <a:p>
-            <a:r>
-              <a:rPr lang="en-US"/>
-              <a:t>Arrays we typically want to slice:</a:t>
-            </a:r>
-          </a:p>
-          <a:p>
-            <a:pPr lvl="1"/>
-            <a:r>
-              <a:rPr lang="en-US"/>
-              <a:t>Backbone elements, such as Observation.component</a:t>
-            </a:r>
-          </a:p>
-          <a:p>
-            <a:pPr lvl="1"/>
-            <a:r>
-              <a:rPr lang="en-US"/>
-              <a:t>Arrays of complex data types, such as Identifier or Address, such as Practitioner.identifier</a:t>
-            </a:r>
-          </a:p>
-          <a:p>
-            <a:pPr lvl="1"/>
-            <a:r>
-              <a:rPr lang="en-US"/>
-              <a:t>Arrays of references to resources, such as Observation.hasMember</a:t>
-            </a:r>
-          </a:p>
-          <a:p>
-            <a:pPr lvl="1"/>
-            <a:endParaRPr lang="en-US"/>
-          </a:p>
-          <a:p>
-            <a:r>
-              <a:rPr lang="en-US"/>
-              <a:t>Divide slicing into three steps: </a:t>
-            </a:r>
-          </a:p>
-          <a:p>
-            <a:pPr marL="744538" lvl="1" indent="-457200">
-              <a:buFont typeface="+mj-lt"/>
-              <a:buAutoNum type="arabicPeriod"/>
-            </a:pPr>
-            <a:r>
-              <a:rPr lang="en-US"/>
-              <a:t>Specify the slicing logic </a:t>
-            </a:r>
-          </a:p>
-          <a:p>
-            <a:pPr marL="744538" lvl="1" indent="-457200">
-              <a:buFont typeface="+mj-lt"/>
-              <a:buAutoNum type="arabicPeriod"/>
-            </a:pPr>
-            <a:r>
-              <a:rPr lang="en-US"/>
-              <a:t>Identify the slices </a:t>
-            </a:r>
-          </a:p>
-          <a:p>
-            <a:pPr marL="744538" lvl="1" indent="-457200">
-              <a:buFont typeface="+mj-lt"/>
-              <a:buAutoNum type="arabicPeriod"/>
-            </a:pPr>
-            <a:r>
-              <a:rPr lang="en-US"/>
-              <a:t>Define each slice</a:t>
-            </a:r>
-          </a:p>
-          <a:p>
-            <a:pPr lvl="1"/>
-            <a:endParaRPr lang="en-US"/>
-          </a:p>
-          <a:p>
-            <a:pPr lvl="1"/>
-            <a:endParaRPr lang="en-US"/>
+            <a:pPr>
+              <a:spcAft>
+                <a:spcPts val="600"/>
+              </a:spcAft>
+            </a:pPr>
+            <a:r>
+              <a:rPr lang="en-US" sz="1600" i="1">
+                <a:solidFill>
+                  <a:schemeClr val="accent1">
+                    <a:lumMod val="75000"/>
+                  </a:schemeClr>
+                </a:solidFill>
+                <a:ea typeface="Verdana" pitchFamily="34" charset="0"/>
+                <a:cs typeface="Verdana" pitchFamily="34" charset="0"/>
+              </a:rPr>
+              <a:t>Now, in the profile, add it to an extension array using "contains".</a:t>
+            </a:r>
+          </a:p>
+          <a:p>
+            <a:pPr>
+              <a:spcAft>
+                <a:spcPts val="600"/>
+              </a:spcAft>
+            </a:pPr>
+            <a:r>
+              <a:rPr lang="en-US" sz="1600" i="1">
+                <a:solidFill>
+                  <a:schemeClr val="accent1">
+                    <a:lumMod val="75000"/>
+                  </a:schemeClr>
+                </a:solidFill>
+                <a:ea typeface="Verdana" pitchFamily="34" charset="0"/>
+                <a:cs typeface="Verdana" pitchFamily="34" charset="0"/>
+              </a:rPr>
+              <a:t>This grammar also applies to an extension defined in another IG (use its URL).</a:t>
+            </a:r>
           </a:p>
         </p:txBody>
       </p:sp>
+      <p:sp>
+        <p:nvSpPr>
+          <p:cNvPr id="9" name="TextBox 8">
+            <a:extLst>
+              <a:ext uri="{FF2B5EF4-FFF2-40B4-BE49-F238E27FC236}">
+                <a16:creationId xmlns:a16="http://schemas.microsoft.com/office/drawing/2014/main" id="{D93F11BC-BB1C-40A7-9F16-28E9E180AAC9}"/>
+              </a:ext>
+            </a:extLst>
+          </p:cNvPr>
+          <p:cNvSpPr txBox="1"/>
+          <p:nvPr/>
+        </p:nvSpPr>
+        <p:spPr>
+          <a:xfrm>
+            <a:off x="734828" y="5179842"/>
+            <a:ext cx="10458312" cy="338554"/>
+          </a:xfrm>
+          <a:prstGeom prst="rect">
+            <a:avLst/>
+          </a:prstGeom>
+          <a:noFill/>
+        </p:spPr>
+        <p:txBody>
+          <a:bodyPr wrap="none" rtlCol="0">
+            <a:spAutoFit/>
+          </a:bodyPr>
+          <a:lstStyle/>
+          <a:p>
+            <a:pPr>
+              <a:spcAft>
+                <a:spcPts val="600"/>
+              </a:spcAft>
+            </a:pPr>
+            <a:r>
+              <a:rPr lang="en-US" sz="1600" i="1">
+                <a:solidFill>
+                  <a:schemeClr val="accent1">
+                    <a:lumMod val="75000"/>
+                  </a:schemeClr>
+                </a:solidFill>
+                <a:ea typeface="Verdana" pitchFamily="34" charset="0"/>
+                <a:cs typeface="Verdana" pitchFamily="34" charset="0"/>
+              </a:rPr>
+              <a:t>Once added, the extension can be further constrained by referring to the element in the extension array by name:</a:t>
+            </a:r>
+          </a:p>
+        </p:txBody>
+      </p:sp>
+      <p:pic>
+        <p:nvPicPr>
+          <p:cNvPr id="10" name="Picture 9">
+            <a:extLst>
+              <a:ext uri="{FF2B5EF4-FFF2-40B4-BE49-F238E27FC236}">
+                <a16:creationId xmlns:a16="http://schemas.microsoft.com/office/drawing/2014/main" id="{7A91D87D-557E-4822-8377-AE1F856A680A}"/>
+              </a:ext>
+            </a:extLst>
+          </p:cNvPr>
+          <p:cNvPicPr>
+            <a:picLocks noChangeAspect="1"/>
+          </p:cNvPicPr>
+          <p:nvPr/>
+        </p:nvPicPr>
+        <p:blipFill rotWithShape="1">
+          <a:blip r:embed="rId2"/>
+          <a:srcRect t="5760" b="89203"/>
+          <a:stretch/>
+        </p:blipFill>
+        <p:spPr>
+          <a:xfrm>
+            <a:off x="822325" y="5667488"/>
+            <a:ext cx="10972800" cy="297064"/>
+          </a:xfrm>
+          <a:prstGeom prst="rect">
+            <a:avLst/>
+          </a:prstGeom>
+        </p:spPr>
+      </p:pic>
     </p:spTree>
     <p:extLst>
       <p:ext uri="{BB962C8B-B14F-4D97-AF65-F5344CB8AC3E}">
-        <p14:creationId xmlns:p14="http://schemas.microsoft.com/office/powerpoint/2010/main" val="3526970515"/>
+        <p14:creationId xmlns:p14="http://schemas.microsoft.com/office/powerpoint/2010/main" val="3471433694"/>
       </p:ext>
     </p:extLst>
   </p:cSld>
@@ -6516,7 +6437,7 @@
           <p:cNvPr id="2" name="Title 1">
             <a:extLst>
               <a:ext uri="{FF2B5EF4-FFF2-40B4-BE49-F238E27FC236}">
-                <a16:creationId xmlns:a16="http://schemas.microsoft.com/office/drawing/2014/main" id="{F4AA75DD-19F3-4B20-9DCF-C6BBB580AE06}"/>
+                <a16:creationId xmlns:a16="http://schemas.microsoft.com/office/drawing/2014/main" id="{B3A86947-2759-48D9-98CD-C0D27FE37F2D}"/>
               </a:ext>
             </a:extLst>
           </p:cNvPr>
@@ -6529,13 +6450,20 @@
         </p:nvSpPr>
         <p:spPr/>
         <p:txBody>
-          <a:bodyPr/>
+          <a:bodyPr>
+            <a:normAutofit/>
+          </a:bodyPr>
           <a:lstStyle/>
           <a:p>
             <a:r>
+              <a:rPr lang="en-US" dirty="0"/>
+              <a:t>Caret Paths </a:t>
+            </a:r>
+            <a:r>
               <a:rPr lang="en-US"/>
-              <a:t>Slicing Step 1: Define Slicing Logic</a:t>
-            </a:r>
+              <a:t>for StructureDefinitions</a:t>
+            </a:r>
+            <a:endParaRPr lang="en-US" dirty="0"/>
           </a:p>
         </p:txBody>
       </p:sp>
@@ -6544,7 +6472,7 @@
           <p:cNvPr id="3" name="Content Placeholder 2">
             <a:extLst>
               <a:ext uri="{FF2B5EF4-FFF2-40B4-BE49-F238E27FC236}">
-                <a16:creationId xmlns:a16="http://schemas.microsoft.com/office/drawing/2014/main" id="{E3A170BB-0724-46DC-9C73-D16B9053D2DA}"/>
+                <a16:creationId xmlns:a16="http://schemas.microsoft.com/office/drawing/2014/main" id="{B97226CC-C457-461A-9EBD-9F4A150BC504}"/>
               </a:ext>
             </a:extLst>
           </p:cNvPr>
@@ -6555,143 +6483,119 @@
             <p:ph idx="1"/>
           </p:nvPr>
         </p:nvSpPr>
-        <p:spPr/>
+        <p:spPr>
+          <a:xfrm>
+            <a:off x="812800" y="1211159"/>
+            <a:ext cx="11258698" cy="4675655"/>
+          </a:xfrm>
+        </p:spPr>
         <p:txBody>
           <a:bodyPr>
             <a:normAutofit/>
           </a:bodyPr>
           <a:lstStyle/>
           <a:p>
+            <a:pPr>
+              <a:lnSpc>
+                <a:spcPct val="120000"/>
+              </a:lnSpc>
+            </a:pPr>
+            <a:r>
+              <a:rPr lang="en-US" dirty="0"/>
+              <a:t>Caret (^) gives direct access to elements </a:t>
+            </a:r>
             <a:r>
               <a:rPr lang="en-US"/>
-              <a:t>There has to be something that uniquely and reliably distinguishes the slices</a:t>
-            </a:r>
-          </a:p>
-          <a:p>
-            <a:pPr lvl="1"/>
+              <a:t>in StructureDefinition</a:t>
+            </a:r>
+          </a:p>
+          <a:p>
+            <a:pPr>
+              <a:lnSpc>
+                <a:spcPct val="120000"/>
+              </a:lnSpc>
+            </a:pPr>
+            <a:endParaRPr lang="en-US"/>
+          </a:p>
+          <a:p>
+            <a:pPr>
+              <a:lnSpc>
+                <a:spcPct val="120000"/>
+              </a:lnSpc>
+            </a:pPr>
             <a:r>
               <a:rPr lang="en-US"/>
-              <a:t>Given an instance assigned to the array, how do we know what slice it belongs to?</a:t>
-            </a:r>
-          </a:p>
-          <a:p>
-            <a:pPr lvl="1"/>
-            <a:r>
-              <a:rPr lang="en-US"/>
-              <a:t>The "discriminator" -- comprised of a </a:t>
-            </a:r>
-            <a:r>
-              <a:rPr lang="en-US" b="1"/>
-              <a:t>type</a:t>
-            </a:r>
-            <a:r>
-              <a:rPr lang="en-US"/>
-              <a:t> and </a:t>
-            </a:r>
-            <a:r>
-              <a:rPr lang="en-US" b="1"/>
-              <a:t>path</a:t>
-            </a:r>
-          </a:p>
-          <a:p>
-            <a:r>
-              <a:rPr lang="en-US"/>
-              <a:t>Slicing logic is specified in the ElementDefinition part of the StructureDefinition</a:t>
-            </a:r>
-          </a:p>
-          <a:p>
-            <a:pPr lvl="1"/>
-            <a:r>
-              <a:rPr lang="en-US"/>
-              <a:t>Use caret paths to specify the slicing logic</a:t>
-            </a:r>
-          </a:p>
-          <a:p>
-            <a:pPr marL="0" indent="0">
-              <a:buNone/>
-            </a:pPr>
-            <a:endParaRPr lang="en-US"/>
-          </a:p>
-          <a:p>
-            <a:pPr marL="0" indent="0">
-              <a:buNone/>
-            </a:pPr>
-            <a:r>
-              <a:rPr lang="en-US"/>
-              <a:t>Example: Slice Observation.component on Observation.component.code</a:t>
-            </a:r>
-          </a:p>
-          <a:p>
-            <a:pPr marL="284163" lvl="1" indent="0">
-              <a:buNone/>
-            </a:pPr>
-            <a:r>
-              <a:rPr lang="en-US"/>
-              <a:t>* component ^slicing.discriminator.type = #pattern     // or #value, #profile </a:t>
-            </a:r>
-          </a:p>
-          <a:p>
-            <a:pPr marL="284163" lvl="1" indent="0">
-              <a:buNone/>
-            </a:pPr>
-            <a:r>
-              <a:rPr lang="en-US"/>
-              <a:t>* component ^slicing.discriminator.path = "code"    // any FHIRPath expression</a:t>
-            </a:r>
-          </a:p>
-          <a:p>
-            <a:pPr marL="284163" lvl="1" indent="0">
-              <a:buNone/>
-            </a:pPr>
-            <a:r>
-              <a:rPr lang="en-US"/>
-              <a:t>* component ^slicing.rules = #open    // additional elements are ok</a:t>
-            </a:r>
-          </a:p>
-          <a:p>
-            <a:pPr marL="284163" lvl="1" indent="0">
-              <a:buNone/>
-            </a:pPr>
-            <a:r>
-              <a:rPr lang="en-US">
-                <a:solidFill>
-                  <a:schemeClr val="accent5">
-                    <a:lumMod val="60000"/>
-                    <a:lumOff val="40000"/>
-                  </a:schemeClr>
-                </a:solidFill>
-              </a:rPr>
-              <a:t>* component ^slicing.ordered = false    // by default, array elements in any order</a:t>
-            </a:r>
-          </a:p>
-          <a:p>
-            <a:pPr marL="284163" lvl="1" indent="0">
-              <a:buNone/>
-            </a:pPr>
-            <a:r>
-              <a:rPr lang="en-US">
-                <a:solidFill>
-                  <a:schemeClr val="accent5">
-                    <a:lumMod val="60000"/>
-                    <a:lumOff val="40000"/>
-                  </a:schemeClr>
-                </a:solidFill>
-              </a:rPr>
-              <a:t>* component ^slicing.description = “Slice pattern for component.code"  // optional</a:t>
-            </a:r>
-          </a:p>
-          <a:p>
-            <a:pPr marL="0" indent="0">
-              <a:buNone/>
-            </a:pPr>
-            <a:endParaRPr lang="en-US"/>
+              <a:t>Useful for setting or overriding metadata elements:</a:t>
+            </a:r>
+          </a:p>
+          <a:p>
+            <a:endParaRPr lang="en-US" dirty="0"/>
           </a:p>
         </p:txBody>
       </p:sp>
+      <p:pic>
+        <p:nvPicPr>
+          <p:cNvPr id="6" name="Picture 5">
+            <a:extLst>
+              <a:ext uri="{FF2B5EF4-FFF2-40B4-BE49-F238E27FC236}">
+                <a16:creationId xmlns:a16="http://schemas.microsoft.com/office/drawing/2014/main" id="{7FEAA94E-8BF5-4636-9792-8440F388E8B6}"/>
+              </a:ext>
+            </a:extLst>
+          </p:cNvPr>
+          <p:cNvPicPr>
+            <a:picLocks noChangeAspect="1"/>
+          </p:cNvPicPr>
+          <p:nvPr/>
+        </p:nvPicPr>
+        <p:blipFill rotWithShape="1">
+          <a:blip r:embed="rId2"/>
+          <a:srcRect r="13258" b="65299"/>
+          <a:stretch/>
+        </p:blipFill>
+        <p:spPr>
+          <a:xfrm>
+            <a:off x="1339650" y="1769189"/>
+            <a:ext cx="9783224" cy="283480"/>
+          </a:xfrm>
+          <a:prstGeom prst="rect">
+            <a:avLst/>
+          </a:prstGeom>
+        </p:spPr>
+      </p:pic>
+      <p:pic>
+        <p:nvPicPr>
+          <p:cNvPr id="10" name="Picture 9">
+            <a:extLst>
+              <a:ext uri="{FF2B5EF4-FFF2-40B4-BE49-F238E27FC236}">
+                <a16:creationId xmlns:a16="http://schemas.microsoft.com/office/drawing/2014/main" id="{B7E1F139-A5F7-4AE9-B5C2-21E43FFEB98F}"/>
+              </a:ext>
+            </a:extLst>
+          </p:cNvPr>
+          <p:cNvPicPr>
+            <a:picLocks noChangeAspect="1"/>
+          </p:cNvPicPr>
+          <p:nvPr/>
+        </p:nvPicPr>
+        <p:blipFill>
+          <a:blip r:embed="rId3"/>
+          <a:stretch>
+            <a:fillRect/>
+          </a:stretch>
+        </p:blipFill>
+        <p:spPr>
+          <a:xfrm>
+            <a:off x="1339650" y="2791389"/>
+            <a:ext cx="9099176" cy="3348124"/>
+          </a:xfrm>
+          <a:prstGeom prst="rect">
+            <a:avLst/>
+          </a:prstGeom>
+        </p:spPr>
+      </p:pic>
     </p:spTree>
     <p:extLst>
       <p:ext uri="{BB962C8B-B14F-4D97-AF65-F5344CB8AC3E}">
-        <p14:creationId xmlns:p14="http://schemas.microsoft.com/office/powerpoint/2010/main" val="1026004699"/>
+        <p14:creationId xmlns:p14="http://schemas.microsoft.com/office/powerpoint/2010/main" val="2793780085"/>
       </p:ext>
     </p:extLst>
   </p:cSld>
@@ -6793,6 +6697,13 @@
             <a:pPr lvl="1"/>
             <a:r>
               <a:rPr lang="en-US"/>
+              <a:t>ValueSets</a:t>
+            </a:r>
+          </a:p>
+          <a:p>
+            <a:pPr lvl="1"/>
+            <a:r>
+              <a:rPr lang="en-US"/>
               <a:t>Extensions</a:t>
             </a:r>
           </a:p>
@@ -6814,6 +6725,13 @@
             <a:pPr lvl="1"/>
             <a:r>
               <a:rPr lang="en-US"/>
+              <a:t>Instances</a:t>
+            </a:r>
+          </a:p>
+          <a:p>
+            <a:pPr lvl="1"/>
+            <a:r>
+              <a:rPr lang="en-US"/>
               <a:t>Rule Sets, Mixins</a:t>
             </a:r>
           </a:p>
@@ -6836,13 +6754,6 @@
             <a:r>
               <a:rPr lang="en-US"/>
               <a:t>Exact Equality</a:t>
-            </a:r>
-          </a:p>
-          <a:p>
-            <a:pPr lvl="1"/>
-            <a:r>
-              <a:rPr lang="en-US"/>
-              <a:t>Instances</a:t>
             </a:r>
           </a:p>
           <a:p>
@@ -6876,7 +6787,7 @@
 </file>
 
 <file path=ppt/slides/slide20.xml><?xml version="1.0" encoding="utf-8"?>
-<p:sld xmlns:a="http://schemas.openxmlformats.org/drawingml/2006/main" xmlns:r="http://schemas.openxmlformats.org/officeDocument/2006/relationships" xmlns:p="http://schemas.openxmlformats.org/presentationml/2006/main" show="0">
+<p:sld xmlns:a="http://schemas.openxmlformats.org/drawingml/2006/main" xmlns:r="http://schemas.openxmlformats.org/officeDocument/2006/relationships" xmlns:p="http://schemas.openxmlformats.org/presentationml/2006/main">
   <p:cSld>
     <p:spTree>
       <p:nvGrpSpPr>
@@ -6897,7 +6808,7 @@
           <p:cNvPr id="2" name="Title 1">
             <a:extLst>
               <a:ext uri="{FF2B5EF4-FFF2-40B4-BE49-F238E27FC236}">
-                <a16:creationId xmlns:a16="http://schemas.microsoft.com/office/drawing/2014/main" id="{5C850BEE-2C53-4FF0-9C18-8E9D86405241}"/>
+                <a16:creationId xmlns:a16="http://schemas.microsoft.com/office/drawing/2014/main" id="{B3A86947-2759-48D9-98CD-C0D27FE37F2D}"/>
               </a:ext>
             </a:extLst>
           </p:cNvPr>
@@ -6910,13 +6821,20 @@
         </p:nvSpPr>
         <p:spPr/>
         <p:txBody>
-          <a:bodyPr/>
+          <a:bodyPr>
+            <a:normAutofit/>
+          </a:bodyPr>
           <a:lstStyle/>
           <a:p>
             <a:r>
+              <a:rPr lang="en-US" dirty="0"/>
+              <a:t>Caret Paths </a:t>
+            </a:r>
+            <a:r>
               <a:rPr lang="en-US"/>
-              <a:t>Choosing a Discriminator</a:t>
-            </a:r>
+              <a:t>for ElementDefinitions</a:t>
+            </a:r>
+            <a:endParaRPr lang="en-US" dirty="0"/>
           </a:p>
         </p:txBody>
       </p:sp>
@@ -6925,7 +6843,7 @@
           <p:cNvPr id="3" name="Content Placeholder 2">
             <a:extLst>
               <a:ext uri="{FF2B5EF4-FFF2-40B4-BE49-F238E27FC236}">
-                <a16:creationId xmlns:a16="http://schemas.microsoft.com/office/drawing/2014/main" id="{DCBB5EA1-E59F-4287-B509-77F93F26A1C8}"/>
+                <a16:creationId xmlns:a16="http://schemas.microsoft.com/office/drawing/2014/main" id="{B97226CC-C457-461A-9EBD-9F4A150BC504}"/>
               </a:ext>
             </a:extLst>
           </p:cNvPr>
@@ -6936,67 +6854,505 @@
             <p:ph idx="1"/>
           </p:nvPr>
         </p:nvSpPr>
-        <p:spPr/>
+        <p:spPr>
+          <a:xfrm>
+            <a:off x="812800" y="1396240"/>
+            <a:ext cx="11258698" cy="5014085"/>
+          </a:xfrm>
+        </p:spPr>
         <p:txBody>
-          <a:bodyPr/>
+          <a:bodyPr>
+            <a:normAutofit/>
+          </a:bodyPr>
           <a:lstStyle/>
           <a:p>
+            <a:pPr>
+              <a:lnSpc>
+                <a:spcPct val="120000"/>
+              </a:lnSpc>
+            </a:pPr>
             <a:r>
               <a:rPr lang="en-US"/>
-              <a:t>This is a bit out of scope... it is a FHIR issue, not a FSH issue</a:t>
-            </a:r>
-          </a:p>
-          <a:p>
-            <a:endParaRPr lang="en-US"/>
-          </a:p>
-          <a:p>
+              <a:t>A StructureDefinition contains one ElementDefinition for every element and subelement</a:t>
+            </a:r>
+          </a:p>
+          <a:p>
+            <a:pPr>
+              <a:lnSpc>
+                <a:spcPct val="120000"/>
+              </a:lnSpc>
+            </a:pPr>
             <a:r>
               <a:rPr lang="en-US"/>
-              <a:t>Types:</a:t>
-            </a:r>
-          </a:p>
-          <a:p>
-            <a:pPr marL="519113" lvl="2" indent="0">
+              <a:t>Use the element name followed by caret path into the ElementDefinition</a:t>
+            </a:r>
+          </a:p>
+          <a:p>
+            <a:pPr>
+              <a:lnSpc>
+                <a:spcPct val="120000"/>
+              </a:lnSpc>
+            </a:pPr>
+            <a:r>
+              <a:rPr lang="en-US"/>
+              <a:t>Path examples:</a:t>
+            </a:r>
+            <a:endParaRPr lang="en-US" sz="1600">
+              <a:solidFill>
+                <a:prstClr val="black"/>
+              </a:solidFill>
+              <a:latin typeface="Lucida Console" panose="020B0609040504020204" pitchFamily="49" charset="0"/>
+            </a:endParaRPr>
+          </a:p>
+          <a:p>
+            <a:pPr marL="287338" lvl="1" indent="0">
+              <a:lnSpc>
+                <a:spcPct val="130000"/>
+              </a:lnSpc>
+              <a:buClr>
+                <a:srgbClr val="005B94"/>
+              </a:buClr>
               <a:buNone/>
             </a:pPr>
             <a:r>
-              <a:rPr lang="en-US"/>
-              <a:t>#value -- implies discrimination on a single value, such as a code (not coding)</a:t>
-            </a:r>
-          </a:p>
-          <a:p>
-            <a:pPr marL="519113" lvl="2" indent="0">
+              <a:rPr lang="en-US" sz="1600">
+                <a:solidFill>
+                  <a:prstClr val="black"/>
+                </a:solidFill>
+                <a:latin typeface="Monaco"/>
+              </a:rPr>
+              <a:t>valueInteger  ^minValueQuantity</a:t>
+            </a:r>
+          </a:p>
+          <a:p>
+            <a:pPr marL="287338" lvl="1" indent="0">
+              <a:lnSpc>
+                <a:spcPct val="130000"/>
+              </a:lnSpc>
+              <a:buClr>
+                <a:srgbClr val="005B94"/>
+              </a:buClr>
               <a:buNone/>
             </a:pPr>
             <a:r>
-              <a:rPr lang="en-US"/>
-              <a:t>#pattern -- implies discrimination on the specified element (system and code)</a:t>
-            </a:r>
-          </a:p>
-          <a:p>
-            <a:pPr marL="519113" lvl="2" indent="0">
+              <a:rPr lang="en-US" sz="1600">
+                <a:solidFill>
+                  <a:prstClr val="black"/>
+                </a:solidFill>
+                <a:latin typeface="Monaco"/>
+              </a:rPr>
+              <a:t>hasMember  ^slicing.discriminator.path</a:t>
+            </a:r>
+          </a:p>
+          <a:p>
+            <a:pPr marL="287338" lvl="1" indent="0">
+              <a:lnSpc>
+                <a:spcPct val="130000"/>
+              </a:lnSpc>
+              <a:buClr>
+                <a:srgbClr val="005B94"/>
+              </a:buClr>
               <a:buNone/>
             </a:pPr>
             <a:r>
-              <a:rPr lang="en-US"/>
-              <a:t>#profile -- rarely a good idea, since it requires complex validation</a:t>
-            </a:r>
-          </a:p>
-          <a:p>
-            <a:endParaRPr lang="en-US"/>
-          </a:p>
-          <a:p>
-            <a:r>
-              <a:rPr lang="en-US"/>
-              <a:t>Path: where FHIR should find the value or pattern</a:t>
-            </a:r>
+              <a:rPr lang="en-US" sz="1600">
+                <a:solidFill>
+                  <a:prstClr val="black"/>
+                </a:solidFill>
+                <a:latin typeface="Monaco"/>
+              </a:rPr>
+              <a:t>hasMember[PrimaryTumorCategory]  ^short</a:t>
+            </a:r>
+          </a:p>
+          <a:p>
+            <a:pPr marL="287338" lvl="1" indent="0">
+              <a:lnSpc>
+                <a:spcPct val="130000"/>
+              </a:lnSpc>
+              <a:buClr>
+                <a:srgbClr val="005B94"/>
+              </a:buClr>
+              <a:buNone/>
+            </a:pPr>
+            <a:endParaRPr lang="en-US" sz="1600">
+              <a:solidFill>
+                <a:prstClr val="black"/>
+              </a:solidFill>
+              <a:latin typeface="Lucida Console" panose="020B0609040504020204" pitchFamily="49" charset="0"/>
+            </a:endParaRPr>
+          </a:p>
+          <a:p>
+            <a:pPr marL="287338" lvl="1" indent="0">
+              <a:lnSpc>
+                <a:spcPct val="130000"/>
+              </a:lnSpc>
+              <a:buClr>
+                <a:srgbClr val="005B94"/>
+              </a:buClr>
+              <a:buNone/>
+            </a:pPr>
+            <a:endParaRPr lang="en-US" sz="1600">
+              <a:solidFill>
+                <a:prstClr val="black"/>
+              </a:solidFill>
+              <a:latin typeface="Lucida Console" panose="020B0609040504020204" pitchFamily="49" charset="0"/>
+            </a:endParaRPr>
+          </a:p>
+          <a:p>
+            <a:pPr marL="288925" indent="-285750">
+              <a:lnSpc>
+                <a:spcPct val="130000"/>
+              </a:lnSpc>
+              <a:buClr>
+                <a:srgbClr val="005B94"/>
+              </a:buClr>
+            </a:pPr>
+            <a:r>
+              <a:rPr lang="en-US" sz="1600"/>
+              <a:t>Example:</a:t>
+            </a:r>
+            <a:endParaRPr lang="en-US" sz="1600">
+              <a:solidFill>
+                <a:prstClr val="black"/>
+              </a:solidFill>
+              <a:latin typeface="Lucida Console" panose="020B0609040504020204" pitchFamily="49" charset="0"/>
+            </a:endParaRPr>
+          </a:p>
+          <a:p>
+            <a:pPr marL="287338" lvl="1" indent="0">
+              <a:lnSpc>
+                <a:spcPct val="130000"/>
+              </a:lnSpc>
+              <a:buClr>
+                <a:srgbClr val="005B94"/>
+              </a:buClr>
+              <a:buNone/>
+            </a:pPr>
+            <a:r>
+              <a:rPr lang="en-US" altLang="en-US" sz="1600">
+                <a:solidFill>
+                  <a:srgbClr val="333333"/>
+                </a:solidFill>
+                <a:latin typeface="Consolas" panose="020B0609020204030204" pitchFamily="49" charset="0"/>
+              </a:rPr>
+              <a:t>* communication.language ^binding.description = "This binding is dictated by US FDA regulations."</a:t>
+            </a:r>
+            <a:r>
+              <a:rPr lang="en-US" altLang="en-US" sz="800">
+                <a:latin typeface="Consolas" panose="020B0609020204030204" pitchFamily="49" charset="0"/>
+              </a:rPr>
+              <a:t> </a:t>
+            </a:r>
+            <a:endParaRPr lang="en-US" altLang="en-US" sz="3600">
+              <a:latin typeface="Consolas" panose="020B0609020204030204" pitchFamily="49" charset="0"/>
+            </a:endParaRPr>
+          </a:p>
+          <a:p>
+            <a:pPr marL="287338" lvl="1" indent="0">
+              <a:lnSpc>
+                <a:spcPct val="130000"/>
+              </a:lnSpc>
+              <a:buClr>
+                <a:srgbClr val="005B94"/>
+              </a:buClr>
+              <a:buNone/>
+            </a:pPr>
+            <a:endParaRPr lang="en-US" sz="1600">
+              <a:solidFill>
+                <a:prstClr val="black"/>
+              </a:solidFill>
+              <a:latin typeface="Lucida Console" panose="020B0609040504020204" pitchFamily="49" charset="0"/>
+            </a:endParaRPr>
+          </a:p>
+          <a:p>
+            <a:pPr marL="287338" lvl="1" indent="0">
+              <a:lnSpc>
+                <a:spcPct val="130000"/>
+              </a:lnSpc>
+              <a:buClr>
+                <a:srgbClr val="005B94"/>
+              </a:buClr>
+              <a:buNone/>
+            </a:pPr>
+            <a:endParaRPr lang="en-US" sz="1600">
+              <a:solidFill>
+                <a:prstClr val="black"/>
+              </a:solidFill>
+              <a:latin typeface="Lucida Console" panose="020B0609040504020204" pitchFamily="49" charset="0"/>
+            </a:endParaRPr>
+          </a:p>
+          <a:p>
+            <a:endParaRPr lang="en-US" dirty="0"/>
           </a:p>
         </p:txBody>
       </p:sp>
+      <p:cxnSp>
+        <p:nvCxnSpPr>
+          <p:cNvPr id="8" name="Connector: Elbow 7">
+            <a:extLst>
+              <a:ext uri="{FF2B5EF4-FFF2-40B4-BE49-F238E27FC236}">
+                <a16:creationId xmlns:a16="http://schemas.microsoft.com/office/drawing/2014/main" id="{4BEB4733-3BA0-4BB9-AE2B-A38982448684}"/>
+              </a:ext>
+            </a:extLst>
+          </p:cNvPr>
+          <p:cNvCxnSpPr>
+            <a:cxnSpLocks/>
+          </p:cNvCxnSpPr>
+          <p:nvPr/>
+        </p:nvCxnSpPr>
+        <p:spPr>
+          <a:xfrm>
+            <a:off x="3234018" y="3509955"/>
+            <a:ext cx="2097741" cy="483821"/>
+          </a:xfrm>
+          <a:prstGeom prst="bentConnector3">
+            <a:avLst/>
+          </a:prstGeom>
+          <a:ln/>
+        </p:spPr>
+        <p:style>
+          <a:lnRef idx="1">
+            <a:schemeClr val="accent4"/>
+          </a:lnRef>
+          <a:fillRef idx="0">
+            <a:schemeClr val="accent4"/>
+          </a:fillRef>
+          <a:effectRef idx="0">
+            <a:schemeClr val="accent4"/>
+          </a:effectRef>
+          <a:fontRef idx="minor">
+            <a:schemeClr val="tx1"/>
+          </a:fontRef>
+        </p:style>
+      </p:cxnSp>
+      <p:cxnSp>
+        <p:nvCxnSpPr>
+          <p:cNvPr id="11" name="Connector: Elbow 10">
+            <a:extLst>
+              <a:ext uri="{FF2B5EF4-FFF2-40B4-BE49-F238E27FC236}">
+                <a16:creationId xmlns:a16="http://schemas.microsoft.com/office/drawing/2014/main" id="{6E4FE43F-2AE4-4555-AE2C-B988294FEBAF}"/>
+              </a:ext>
+            </a:extLst>
+          </p:cNvPr>
+          <p:cNvCxnSpPr/>
+          <p:nvPr/>
+        </p:nvCxnSpPr>
+        <p:spPr>
+          <a:xfrm>
+            <a:off x="1627096" y="2770095"/>
+            <a:ext cx="1600200" cy="739588"/>
+          </a:xfrm>
+          <a:prstGeom prst="bentConnector3">
+            <a:avLst>
+              <a:gd name="adj1" fmla="val 39076"/>
+            </a:avLst>
+          </a:prstGeom>
+          <a:ln/>
+        </p:spPr>
+        <p:style>
+          <a:lnRef idx="1">
+            <a:schemeClr val="accent4"/>
+          </a:lnRef>
+          <a:fillRef idx="0">
+            <a:schemeClr val="accent4"/>
+          </a:fillRef>
+          <a:effectRef idx="0">
+            <a:schemeClr val="accent4"/>
+          </a:effectRef>
+          <a:fontRef idx="minor">
+            <a:schemeClr val="tx1"/>
+          </a:fontRef>
+        </p:style>
+      </p:cxnSp>
+      <p:sp>
+        <p:nvSpPr>
+          <p:cNvPr id="13" name="TextBox 12">
+            <a:extLst>
+              <a:ext uri="{FF2B5EF4-FFF2-40B4-BE49-F238E27FC236}">
+                <a16:creationId xmlns:a16="http://schemas.microsoft.com/office/drawing/2014/main" id="{6EBE6431-9612-436C-A05D-5619EF596EE8}"/>
+              </a:ext>
+            </a:extLst>
+          </p:cNvPr>
+          <p:cNvSpPr txBox="1"/>
+          <p:nvPr/>
+        </p:nvSpPr>
+        <p:spPr>
+          <a:xfrm>
+            <a:off x="812800" y="4229683"/>
+            <a:ext cx="2066591" cy="338554"/>
+          </a:xfrm>
+          <a:prstGeom prst="rect">
+            <a:avLst/>
+          </a:prstGeom>
+          <a:noFill/>
+        </p:spPr>
+        <p:txBody>
+          <a:bodyPr wrap="none" rtlCol="0">
+            <a:spAutoFit/>
+          </a:bodyPr>
+          <a:lstStyle/>
+          <a:p>
+            <a:pPr>
+              <a:spcAft>
+                <a:spcPts val="600"/>
+              </a:spcAft>
+            </a:pPr>
+            <a:r>
+              <a:rPr lang="en-US" sz="1600">
+                <a:solidFill>
+                  <a:schemeClr val="accent4">
+                    <a:lumMod val="75000"/>
+                  </a:schemeClr>
+                </a:solidFill>
+                <a:ea typeface="Verdana" pitchFamily="34" charset="0"/>
+                <a:cs typeface="Verdana" pitchFamily="34" charset="0"/>
+              </a:rPr>
+              <a:t>regular element path</a:t>
+            </a:r>
+          </a:p>
+        </p:txBody>
+      </p:sp>
+      <p:cxnSp>
+        <p:nvCxnSpPr>
+          <p:cNvPr id="15" name="Straight Arrow Connector 14">
+            <a:extLst>
+              <a:ext uri="{FF2B5EF4-FFF2-40B4-BE49-F238E27FC236}">
+                <a16:creationId xmlns:a16="http://schemas.microsoft.com/office/drawing/2014/main" id="{329F0CBD-A7A4-45CB-91BF-148F9A31277A}"/>
+              </a:ext>
+            </a:extLst>
+          </p:cNvPr>
+          <p:cNvCxnSpPr>
+            <a:cxnSpLocks/>
+            <a:stCxn id="13" idx="0"/>
+          </p:cNvCxnSpPr>
+          <p:nvPr/>
+        </p:nvCxnSpPr>
+        <p:spPr>
+          <a:xfrm flipV="1">
+            <a:off x="1846096" y="3845859"/>
+            <a:ext cx="0" cy="383824"/>
+          </a:xfrm>
+          <a:prstGeom prst="straightConnector1">
+            <a:avLst/>
+          </a:prstGeom>
+          <a:ln>
+            <a:solidFill>
+              <a:schemeClr val="tx1"/>
+            </a:solidFill>
+            <a:tailEnd type="triangle"/>
+          </a:ln>
+        </p:spPr>
+        <p:style>
+          <a:lnRef idx="1">
+            <a:schemeClr val="accent1"/>
+          </a:lnRef>
+          <a:fillRef idx="0">
+            <a:schemeClr val="accent1"/>
+          </a:fillRef>
+          <a:effectRef idx="0">
+            <a:schemeClr val="accent1"/>
+          </a:effectRef>
+          <a:fontRef idx="minor">
+            <a:schemeClr val="tx1"/>
+          </a:fontRef>
+        </p:style>
+      </p:cxnSp>
+      <p:sp>
+        <p:nvSpPr>
+          <p:cNvPr id="18" name="TextBox 17">
+            <a:extLst>
+              <a:ext uri="{FF2B5EF4-FFF2-40B4-BE49-F238E27FC236}">
+                <a16:creationId xmlns:a16="http://schemas.microsoft.com/office/drawing/2014/main" id="{03BC923D-9634-4AAA-85CD-AB58731E72C8}"/>
+              </a:ext>
+            </a:extLst>
+          </p:cNvPr>
+          <p:cNvSpPr txBox="1"/>
+          <p:nvPr/>
+        </p:nvSpPr>
+        <p:spPr>
+          <a:xfrm>
+            <a:off x="3781643" y="4229683"/>
+            <a:ext cx="2634054" cy="338554"/>
+          </a:xfrm>
+          <a:prstGeom prst="rect">
+            <a:avLst/>
+          </a:prstGeom>
+          <a:noFill/>
+        </p:spPr>
+        <p:txBody>
+          <a:bodyPr wrap="none" rtlCol="0">
+            <a:spAutoFit/>
+          </a:bodyPr>
+          <a:lstStyle/>
+          <a:p>
+            <a:pPr>
+              <a:spcAft>
+                <a:spcPts val="600"/>
+              </a:spcAft>
+            </a:pPr>
+            <a:r>
+              <a:rPr lang="en-US" sz="1600">
+                <a:solidFill>
+                  <a:schemeClr val="accent4">
+                    <a:lumMod val="75000"/>
+                  </a:schemeClr>
+                </a:solidFill>
+                <a:ea typeface="Verdana" pitchFamily="34" charset="0"/>
+                <a:cs typeface="Verdana" pitchFamily="34" charset="0"/>
+              </a:rPr>
+              <a:t>path into ElementDefinition</a:t>
+            </a:r>
+          </a:p>
+        </p:txBody>
+      </p:sp>
+      <p:cxnSp>
+        <p:nvCxnSpPr>
+          <p:cNvPr id="20" name="Straight Arrow Connector 19">
+            <a:extLst>
+              <a:ext uri="{FF2B5EF4-FFF2-40B4-BE49-F238E27FC236}">
+                <a16:creationId xmlns:a16="http://schemas.microsoft.com/office/drawing/2014/main" id="{EF85A37D-BC78-4798-AB6D-F1FEDBD0F27A}"/>
+              </a:ext>
+            </a:extLst>
+          </p:cNvPr>
+          <p:cNvCxnSpPr>
+            <a:cxnSpLocks/>
+          </p:cNvCxnSpPr>
+          <p:nvPr/>
+        </p:nvCxnSpPr>
+        <p:spPr>
+          <a:xfrm flipV="1">
+            <a:off x="4647566" y="3845859"/>
+            <a:ext cx="0" cy="383824"/>
+          </a:xfrm>
+          <a:prstGeom prst="straightConnector1">
+            <a:avLst/>
+          </a:prstGeom>
+          <a:ln>
+            <a:solidFill>
+              <a:schemeClr val="tx1"/>
+            </a:solidFill>
+            <a:tailEnd type="triangle"/>
+          </a:ln>
+        </p:spPr>
+        <p:style>
+          <a:lnRef idx="1">
+            <a:schemeClr val="accent1"/>
+          </a:lnRef>
+          <a:fillRef idx="0">
+            <a:schemeClr val="accent1"/>
+          </a:fillRef>
+          <a:effectRef idx="0">
+            <a:schemeClr val="accent1"/>
+          </a:effectRef>
+          <a:fontRef idx="minor">
+            <a:schemeClr val="tx1"/>
+          </a:fontRef>
+        </p:style>
+      </p:cxnSp>
     </p:spTree>
     <p:extLst>
       <p:ext uri="{BB962C8B-B14F-4D97-AF65-F5344CB8AC3E}">
-        <p14:creationId xmlns:p14="http://schemas.microsoft.com/office/powerpoint/2010/main" val="3033795380"/>
+        <p14:creationId xmlns:p14="http://schemas.microsoft.com/office/powerpoint/2010/main" val="1782466548"/>
       </p:ext>
     </p:extLst>
   </p:cSld>
@@ -7028,7 +7384,7 @@
           <p:cNvPr id="2" name="Title 1">
             <a:extLst>
               <a:ext uri="{FF2B5EF4-FFF2-40B4-BE49-F238E27FC236}">
-                <a16:creationId xmlns:a16="http://schemas.microsoft.com/office/drawing/2014/main" id="{8068DC6C-85D0-43B0-98F1-4ED44A307C4D}"/>
+                <a16:creationId xmlns:a16="http://schemas.microsoft.com/office/drawing/2014/main" id="{9602008D-F00B-482F-AD1D-761D3E21C550}"/>
               </a:ext>
             </a:extLst>
           </p:cNvPr>
@@ -7046,7 +7402,7 @@
           <a:p>
             <a:r>
               <a:rPr lang="en-US"/>
-              <a:t>Slicing Step 2: Identify the slices ("contains")</a:t>
+              <a:t>The Oddball Dot Caret Path</a:t>
             </a:r>
           </a:p>
         </p:txBody>
@@ -7056,7 +7412,7 @@
           <p:cNvPr id="3" name="Content Placeholder 2">
             <a:extLst>
               <a:ext uri="{FF2B5EF4-FFF2-40B4-BE49-F238E27FC236}">
-                <a16:creationId xmlns:a16="http://schemas.microsoft.com/office/drawing/2014/main" id="{7A42A504-905A-4500-8CFF-386042043B4F}"/>
+                <a16:creationId xmlns:a16="http://schemas.microsoft.com/office/drawing/2014/main" id="{A4F04779-77A5-4837-ACAF-848E8A9AC8A2}"/>
               </a:ext>
             </a:extLst>
           </p:cNvPr>
@@ -7070,476 +7426,207 @@
         <p:spPr/>
         <p:txBody>
           <a:bodyPr>
-            <a:normAutofit/>
+            <a:normAutofit fontScale="92500"/>
           </a:bodyPr>
           <a:lstStyle/>
           <a:p>
+            <a:r>
+              <a:rPr lang="en-US"/>
+              <a:t>The first ElementDefinition in any StructureDefinition refers to entire item</a:t>
+            </a:r>
+          </a:p>
+          <a:p>
+            <a:endParaRPr lang="en-US"/>
+          </a:p>
+          <a:p>
+            <a:endParaRPr lang="en-US"/>
+          </a:p>
+          <a:p>
+            <a:endParaRPr lang="en-US"/>
+          </a:p>
+          <a:p>
+            <a:endParaRPr lang="en-US"/>
+          </a:p>
+          <a:p>
+            <a:endParaRPr lang="en-US"/>
+          </a:p>
+          <a:p>
+            <a:endParaRPr lang="en-US"/>
+          </a:p>
+          <a:p>
             <a:pPr marL="0" indent="0">
               <a:buNone/>
             </a:pPr>
-            <a:r>
-              <a:rPr lang="en-US"/>
-              <a:t>* array-element-path contains </a:t>
-            </a:r>
+            <a:endParaRPr lang="en-US"/>
           </a:p>
           <a:p>
             <a:pPr marL="0" indent="0">
               <a:buNone/>
             </a:pPr>
+            <a:endParaRPr lang="en-US"/>
+          </a:p>
+          <a:p>
             <a:r>
               <a:rPr lang="en-US"/>
-              <a:t>          slice-name1 card1 flags1 and </a:t>
-            </a:r>
-          </a:p>
-          <a:p>
-            <a:pPr marL="0" indent="0">
+              <a:t>To refer to properties of this particular "self" element, use dot (.) as the element path</a:t>
+            </a:r>
+          </a:p>
+          <a:p>
+            <a:endParaRPr lang="en-US"/>
+          </a:p>
+          <a:p>
+            <a:pPr marL="287338" lvl="1" indent="0">
+              <a:lnSpc>
+                <a:spcPct val="130000"/>
+              </a:lnSpc>
+              <a:buClr>
+                <a:srgbClr val="005B94"/>
+              </a:buClr>
               <a:buNone/>
             </a:pPr>
             <a:r>
               <a:rPr lang="en-US"/>
-              <a:t>          slice-name2 card2 flag s2 ...</a:t>
-            </a:r>
-          </a:p>
-          <a:p>
-            <a:pPr marL="0" indent="0">
+              <a:t>Example: Provide a short description for an extension (defined in the “self” ElementDefinition):</a:t>
+            </a:r>
+          </a:p>
+          <a:p>
+            <a:pPr marL="287338" lvl="1" indent="0">
+              <a:lnSpc>
+                <a:spcPct val="130000"/>
+              </a:lnSpc>
+              <a:buClr>
+                <a:srgbClr val="005B94"/>
+              </a:buClr>
               <a:buNone/>
             </a:pPr>
+            <a:r>
+              <a:rPr lang="en-US" altLang="en-US" sz="1700">
+                <a:solidFill>
+                  <a:srgbClr val="333333"/>
+                </a:solidFill>
+                <a:latin typeface="Consolas" panose="020B0609020204030204" pitchFamily="49" charset="0"/>
+              </a:rPr>
+              <a:t>* </a:t>
+            </a:r>
+            <a:r>
+              <a:rPr lang="en-US" altLang="en-US" sz="1700">
+                <a:solidFill>
+                  <a:srgbClr val="333333"/>
+                </a:solidFill>
+                <a:highlight>
+                  <a:srgbClr val="00FFFF"/>
+                </a:highlight>
+                <a:latin typeface="Consolas" panose="020B0609020204030204" pitchFamily="49" charset="0"/>
+              </a:rPr>
+              <a:t>.</a:t>
+            </a:r>
+            <a:r>
+              <a:rPr lang="en-US" altLang="en-US" sz="1700">
+                <a:solidFill>
+                  <a:srgbClr val="333333"/>
+                </a:solidFill>
+                <a:latin typeface="Consolas" panose="020B0609020204030204" pitchFamily="49" charset="0"/>
+              </a:rPr>
+              <a:t> ^short = "US Core Race Extension" </a:t>
+            </a:r>
+            <a:endParaRPr lang="en-US" sz="1700">
+              <a:latin typeface="Consolas" panose="020B0609020204030204" pitchFamily="49" charset="0"/>
+            </a:endParaRPr>
+          </a:p>
+          <a:p>
             <a:endParaRPr lang="en-US"/>
-          </a:p>
-          <a:p>
-            <a:pPr marL="0" indent="0">
-              <a:buNone/>
-            </a:pPr>
-            <a:r>
-              <a:rPr lang="en-US" b="0"/>
-              <a:t>* component contains </a:t>
-            </a:r>
-          </a:p>
-          <a:p>
-            <a:pPr marL="0" indent="0">
-              <a:buNone/>
-            </a:pPr>
-            <a:r>
-              <a:rPr lang="en-US" b="0"/>
-              <a:t>        geneStudied 0..* MS and </a:t>
-            </a:r>
-          </a:p>
-          <a:p>
-            <a:pPr marL="0" indent="0">
-              <a:buNone/>
-            </a:pPr>
-            <a:r>
-              <a:rPr lang="en-US" b="0"/>
-              <a:t>        genomicDNAChange 0..1</a:t>
-            </a:r>
-          </a:p>
-          <a:p>
-            <a:pPr marL="0" indent="0">
-              <a:buNone/>
-            </a:pPr>
-            <a:endParaRPr lang="en-US" b="0"/>
-          </a:p>
-          <a:p>
-            <a:pPr marL="0" indent="0">
-              <a:buNone/>
-            </a:pPr>
-            <a:r>
-              <a:rPr lang="en-US" b="0"/>
-              <a:t>* hasMember contains </a:t>
-            </a:r>
-          </a:p>
-          <a:p>
-            <a:pPr marL="0" indent="0">
-              <a:buNone/>
-            </a:pPr>
-            <a:r>
-              <a:rPr lang="en-US" b="0"/>
-              <a:t>       PrimaryTumorCategory 0..1 and</a:t>
-            </a:r>
-          </a:p>
-          <a:p>
-            <a:pPr marL="0" indent="0">
-              <a:buNone/>
-            </a:pPr>
-            <a:r>
-              <a:rPr lang="en-US" b="0"/>
-              <a:t>       RegionalNodesCategory 0..1 and</a:t>
-            </a:r>
-          </a:p>
-          <a:p>
-            <a:pPr marL="0" indent="0">
-              <a:buNone/>
-            </a:pPr>
-            <a:r>
-              <a:rPr lang="en-US" b="0"/>
-              <a:t>       DistantMetastasesCategory 0..1</a:t>
-            </a:r>
-          </a:p>
-          <a:p>
-            <a:pPr marL="0" indent="0">
-              <a:buNone/>
-            </a:pPr>
-            <a:endParaRPr lang="en-US" b="0"/>
           </a:p>
         </p:txBody>
       </p:sp>
+      <p:pic>
+        <p:nvPicPr>
+          <p:cNvPr id="4" name="Picture 3">
+            <a:extLst>
+              <a:ext uri="{FF2B5EF4-FFF2-40B4-BE49-F238E27FC236}">
+                <a16:creationId xmlns:a16="http://schemas.microsoft.com/office/drawing/2014/main" id="{2E850B8D-E891-4DB1-A541-5D8F1B8C561B}"/>
+              </a:ext>
+            </a:extLst>
+          </p:cNvPr>
+          <p:cNvPicPr>
+            <a:picLocks noChangeAspect="1"/>
+          </p:cNvPicPr>
+          <p:nvPr/>
+        </p:nvPicPr>
+        <p:blipFill rotWithShape="1">
+          <a:blip r:embed="rId2"/>
+          <a:srcRect r="13562"/>
+          <a:stretch/>
+        </p:blipFill>
+        <p:spPr>
+          <a:xfrm>
+            <a:off x="1180916" y="1906193"/>
+            <a:ext cx="5085205" cy="2450057"/>
+          </a:xfrm>
+          <a:prstGeom prst="rect">
+            <a:avLst/>
+          </a:prstGeom>
+        </p:spPr>
+      </p:pic>
       <p:sp>
         <p:nvSpPr>
-          <p:cNvPr id="4" name="TextBox 3">
-            <a:extLst>
-              <a:ext uri="{FF2B5EF4-FFF2-40B4-BE49-F238E27FC236}">
-                <a16:creationId xmlns:a16="http://schemas.microsoft.com/office/drawing/2014/main" id="{46977B06-C0E5-4497-9C58-E13516881B5C}"/>
-              </a:ext>
-            </a:extLst>
-          </p:cNvPr>
-          <p:cNvSpPr txBox="1"/>
+          <p:cNvPr id="5" name="Rectangle 4">
+            <a:extLst>
+              <a:ext uri="{FF2B5EF4-FFF2-40B4-BE49-F238E27FC236}">
+                <a16:creationId xmlns:a16="http://schemas.microsoft.com/office/drawing/2014/main" id="{7A914BE1-1021-4FE8-AE35-D5F3D30BD207}"/>
+              </a:ext>
+            </a:extLst>
+          </p:cNvPr>
+          <p:cNvSpPr/>
           <p:nvPr/>
         </p:nvSpPr>
         <p:spPr>
           <a:xfrm>
-            <a:off x="5922512" y="1886138"/>
-            <a:ext cx="2746389" cy="584775"/>
+            <a:off x="1180917" y="2501749"/>
+            <a:ext cx="5085204" cy="1854501"/>
           </a:xfrm>
           <a:prstGeom prst="rect">
             <a:avLst/>
           </a:prstGeom>
           <a:noFill/>
-        </p:spPr>
-        <p:txBody>
-          <a:bodyPr wrap="square" rtlCol="0">
-            <a:spAutoFit/>
-          </a:bodyPr>
-          <a:lstStyle/>
-          <a:p>
-            <a:pPr>
-              <a:spcAft>
-                <a:spcPts val="600"/>
-              </a:spcAft>
-            </a:pPr>
-            <a:r>
-              <a:rPr lang="en-US" sz="1600">
-                <a:ea typeface="Verdana" pitchFamily="34" charset="0"/>
-                <a:cs typeface="Verdana" pitchFamily="34" charset="0"/>
-              </a:rPr>
-              <a:t>Each element must match the datatype of the array </a:t>
-            </a:r>
-          </a:p>
-        </p:txBody>
-      </p:sp>
-      <p:sp>
-        <p:nvSpPr>
-          <p:cNvPr id="5" name="TextBox 4">
-            <a:extLst>
-              <a:ext uri="{FF2B5EF4-FFF2-40B4-BE49-F238E27FC236}">
-                <a16:creationId xmlns:a16="http://schemas.microsoft.com/office/drawing/2014/main" id="{980D9363-DF22-45C5-9455-95598338DF2F}"/>
-              </a:ext>
-            </a:extLst>
-          </p:cNvPr>
-          <p:cNvSpPr txBox="1"/>
-          <p:nvPr/>
-        </p:nvSpPr>
-        <p:spPr>
-          <a:xfrm>
-            <a:off x="6521658" y="5186293"/>
-            <a:ext cx="2317542" cy="338554"/>
-          </a:xfrm>
-          <a:prstGeom prst="rect">
-            <a:avLst/>
-          </a:prstGeom>
-          <a:noFill/>
-        </p:spPr>
-        <p:txBody>
-          <a:bodyPr wrap="square" rtlCol="0">
-            <a:spAutoFit/>
-          </a:bodyPr>
-          <a:lstStyle/>
-          <a:p>
-            <a:pPr>
-              <a:spcAft>
-                <a:spcPts val="600"/>
-              </a:spcAft>
-            </a:pPr>
-            <a:r>
-              <a:rPr lang="en-US" sz="1600">
-                <a:ea typeface="Verdana" pitchFamily="34" charset="0"/>
-                <a:cs typeface="Verdana" pitchFamily="34" charset="0"/>
-              </a:rPr>
-              <a:t>Observations (profiled)</a:t>
-            </a:r>
-          </a:p>
-        </p:txBody>
-      </p:sp>
-      <p:cxnSp>
-        <p:nvCxnSpPr>
-          <p:cNvPr id="7" name="Straight Arrow Connector 6">
-            <a:extLst>
-              <a:ext uri="{FF2B5EF4-FFF2-40B4-BE49-F238E27FC236}">
-                <a16:creationId xmlns:a16="http://schemas.microsoft.com/office/drawing/2014/main" id="{6FC3852E-E50E-47F7-B263-EC322FE58AD8}"/>
-              </a:ext>
-            </a:extLst>
-          </p:cNvPr>
-          <p:cNvCxnSpPr>
-            <a:stCxn id="5" idx="1"/>
-          </p:cNvCxnSpPr>
-          <p:nvPr/>
-        </p:nvCxnSpPr>
-        <p:spPr>
-          <a:xfrm flipH="1" flipV="1">
-            <a:off x="5323367" y="5103628"/>
-            <a:ext cx="1198291" cy="251942"/>
-          </a:xfrm>
-          <a:prstGeom prst="straightConnector1">
-            <a:avLst/>
-          </a:prstGeom>
-          <a:ln>
+          <a:ln w="12700">
             <a:solidFill>
-              <a:schemeClr val="tx1"/>
+              <a:srgbClr val="FF0000"/>
             </a:solidFill>
-            <a:tailEnd type="triangle"/>
           </a:ln>
         </p:spPr>
         <p:style>
-          <a:lnRef idx="1">
-            <a:schemeClr val="accent1"/>
+          <a:lnRef idx="2">
+            <a:schemeClr val="accent1">
+              <a:shade val="50000"/>
+            </a:schemeClr>
           </a:lnRef>
-          <a:fillRef idx="0">
+          <a:fillRef idx="1">
             <a:schemeClr val="accent1"/>
           </a:fillRef>
           <a:effectRef idx="0">
             <a:schemeClr val="accent1"/>
           </a:effectRef>
           <a:fontRef idx="minor">
-            <a:schemeClr val="tx1"/>
+            <a:schemeClr val="lt1"/>
           </a:fontRef>
         </p:style>
-      </p:cxnSp>
-      <p:cxnSp>
-        <p:nvCxnSpPr>
-          <p:cNvPr id="8" name="Straight Arrow Connector 7">
-            <a:extLst>
-              <a:ext uri="{FF2B5EF4-FFF2-40B4-BE49-F238E27FC236}">
-                <a16:creationId xmlns:a16="http://schemas.microsoft.com/office/drawing/2014/main" id="{E755D517-D223-4C05-A6BD-EEAB480B283D}"/>
-              </a:ext>
-            </a:extLst>
-          </p:cNvPr>
-          <p:cNvCxnSpPr>
-            <a:cxnSpLocks/>
-            <a:stCxn id="5" idx="1"/>
-          </p:cNvCxnSpPr>
-          <p:nvPr/>
-        </p:nvCxnSpPr>
-        <p:spPr>
-          <a:xfrm flipH="1">
-            <a:off x="5323367" y="5355570"/>
-            <a:ext cx="1198291" cy="34867"/>
-          </a:xfrm>
-          <a:prstGeom prst="straightConnector1">
-            <a:avLst/>
-          </a:prstGeom>
-          <a:ln>
-            <a:solidFill>
-              <a:schemeClr val="tx1"/>
-            </a:solidFill>
-            <a:tailEnd type="triangle"/>
-          </a:ln>
-        </p:spPr>
-        <p:style>
-          <a:lnRef idx="1">
-            <a:schemeClr val="accent1"/>
-          </a:lnRef>
-          <a:fillRef idx="0">
-            <a:schemeClr val="accent1"/>
-          </a:fillRef>
-          <a:effectRef idx="0">
-            <a:schemeClr val="accent1"/>
-          </a:effectRef>
-          <a:fontRef idx="minor">
-            <a:schemeClr val="tx1"/>
-          </a:fontRef>
-        </p:style>
-      </p:cxnSp>
-      <p:cxnSp>
-        <p:nvCxnSpPr>
-          <p:cNvPr id="11" name="Straight Arrow Connector 10">
-            <a:extLst>
-              <a:ext uri="{FF2B5EF4-FFF2-40B4-BE49-F238E27FC236}">
-                <a16:creationId xmlns:a16="http://schemas.microsoft.com/office/drawing/2014/main" id="{72FDA082-A773-433E-A661-FC36B6EF3826}"/>
-              </a:ext>
-            </a:extLst>
-          </p:cNvPr>
-          <p:cNvCxnSpPr>
-            <a:cxnSpLocks/>
-            <a:stCxn id="5" idx="1"/>
-          </p:cNvCxnSpPr>
-          <p:nvPr/>
-        </p:nvCxnSpPr>
-        <p:spPr>
-          <a:xfrm flipH="1">
-            <a:off x="5415516" y="5355570"/>
-            <a:ext cx="1106142" cy="349105"/>
-          </a:xfrm>
-          <a:prstGeom prst="straightConnector1">
-            <a:avLst/>
-          </a:prstGeom>
-          <a:ln>
-            <a:solidFill>
-              <a:schemeClr val="tx1"/>
-            </a:solidFill>
-            <a:tailEnd type="triangle"/>
-          </a:ln>
-        </p:spPr>
-        <p:style>
-          <a:lnRef idx="1">
-            <a:schemeClr val="accent1"/>
-          </a:lnRef>
-          <a:fillRef idx="0">
-            <a:schemeClr val="accent1"/>
-          </a:fillRef>
-          <a:effectRef idx="0">
-            <a:schemeClr val="accent1"/>
-          </a:effectRef>
-          <a:fontRef idx="minor">
-            <a:schemeClr val="tx1"/>
-          </a:fontRef>
-        </p:style>
-      </p:cxnSp>
-      <p:sp>
-        <p:nvSpPr>
-          <p:cNvPr id="14" name="TextBox 13">
-            <a:extLst>
-              <a:ext uri="{FF2B5EF4-FFF2-40B4-BE49-F238E27FC236}">
-                <a16:creationId xmlns:a16="http://schemas.microsoft.com/office/drawing/2014/main" id="{B23CC3E7-B09F-42B6-8BBB-29913B87C11A}"/>
-              </a:ext>
-            </a:extLst>
-          </p:cNvPr>
-          <p:cNvSpPr txBox="1"/>
-          <p:nvPr/>
-        </p:nvSpPr>
-        <p:spPr>
-          <a:xfrm>
-            <a:off x="5235119" y="3441617"/>
-            <a:ext cx="1583895" cy="338554"/>
-          </a:xfrm>
-          <a:prstGeom prst="rect">
-            <a:avLst/>
-          </a:prstGeom>
-          <a:noFill/>
-        </p:spPr>
         <p:txBody>
-          <a:bodyPr wrap="square" rtlCol="0">
-            <a:spAutoFit/>
-          </a:bodyPr>
+          <a:bodyPr rtlCol="0" anchor="ctr"/>
           <a:lstStyle/>
           <a:p>
-            <a:pPr>
-              <a:spcAft>
-                <a:spcPts val="600"/>
-              </a:spcAft>
-            </a:pPr>
-            <a:r>
-              <a:rPr lang="en-US" sz="1600">
-                <a:ea typeface="Verdana" pitchFamily="34" charset="0"/>
-                <a:cs typeface="Verdana" pitchFamily="34" charset="0"/>
-              </a:rPr>
-              <a:t>components</a:t>
-            </a:r>
+            <a:pPr algn="ctr"/>
+            <a:endParaRPr lang="en-US">
+              <a:solidFill>
+                <a:schemeClr val="tx1"/>
+              </a:solidFill>
+            </a:endParaRPr>
           </a:p>
         </p:txBody>
       </p:sp>
-      <p:cxnSp>
-        <p:nvCxnSpPr>
-          <p:cNvPr id="15" name="Straight Arrow Connector 14">
-            <a:extLst>
-              <a:ext uri="{FF2B5EF4-FFF2-40B4-BE49-F238E27FC236}">
-                <a16:creationId xmlns:a16="http://schemas.microsoft.com/office/drawing/2014/main" id="{289D49AD-67FB-49CB-B92F-E58C0EBE5819}"/>
-              </a:ext>
-            </a:extLst>
-          </p:cNvPr>
-          <p:cNvCxnSpPr>
-            <a:cxnSpLocks/>
-            <a:stCxn id="14" idx="1"/>
-          </p:cNvCxnSpPr>
-          <p:nvPr/>
-        </p:nvCxnSpPr>
-        <p:spPr>
-          <a:xfrm flipH="1" flipV="1">
-            <a:off x="4398335" y="3528230"/>
-            <a:ext cx="836784" cy="82664"/>
-          </a:xfrm>
-          <a:prstGeom prst="straightConnector1">
-            <a:avLst/>
-          </a:prstGeom>
-          <a:ln>
-            <a:solidFill>
-              <a:schemeClr val="tx1"/>
-            </a:solidFill>
-            <a:tailEnd type="triangle"/>
-          </a:ln>
-        </p:spPr>
-        <p:style>
-          <a:lnRef idx="1">
-            <a:schemeClr val="accent1"/>
-          </a:lnRef>
-          <a:fillRef idx="0">
-            <a:schemeClr val="accent1"/>
-          </a:fillRef>
-          <a:effectRef idx="0">
-            <a:schemeClr val="accent1"/>
-          </a:effectRef>
-          <a:fontRef idx="minor">
-            <a:schemeClr val="tx1"/>
-          </a:fontRef>
-        </p:style>
-      </p:cxnSp>
-      <p:cxnSp>
-        <p:nvCxnSpPr>
-          <p:cNvPr id="17" name="Straight Arrow Connector 16">
-            <a:extLst>
-              <a:ext uri="{FF2B5EF4-FFF2-40B4-BE49-F238E27FC236}">
-                <a16:creationId xmlns:a16="http://schemas.microsoft.com/office/drawing/2014/main" id="{8A61BD16-B38F-4B47-BD67-AEC55A5B23CB}"/>
-              </a:ext>
-            </a:extLst>
-          </p:cNvPr>
-          <p:cNvCxnSpPr>
-            <a:cxnSpLocks/>
-            <a:stCxn id="14" idx="1"/>
-          </p:cNvCxnSpPr>
-          <p:nvPr/>
-        </p:nvCxnSpPr>
-        <p:spPr>
-          <a:xfrm flipH="1">
-            <a:off x="4458586" y="3610894"/>
-            <a:ext cx="776533" cy="255890"/>
-          </a:xfrm>
-          <a:prstGeom prst="straightConnector1">
-            <a:avLst/>
-          </a:prstGeom>
-          <a:ln>
-            <a:solidFill>
-              <a:schemeClr val="tx1"/>
-            </a:solidFill>
-            <a:tailEnd type="triangle"/>
-          </a:ln>
-        </p:spPr>
-        <p:style>
-          <a:lnRef idx="1">
-            <a:schemeClr val="accent1"/>
-          </a:lnRef>
-          <a:fillRef idx="0">
-            <a:schemeClr val="accent1"/>
-          </a:fillRef>
-          <a:effectRef idx="0">
-            <a:schemeClr val="accent1"/>
-          </a:effectRef>
-          <a:fontRef idx="minor">
-            <a:schemeClr val="tx1"/>
-          </a:fontRef>
-        </p:style>
-      </p:cxnSp>
     </p:spTree>
     <p:extLst>
       <p:ext uri="{BB962C8B-B14F-4D97-AF65-F5344CB8AC3E}">
-        <p14:creationId xmlns:p14="http://schemas.microsoft.com/office/powerpoint/2010/main" val="1183276380"/>
+        <p14:creationId xmlns:p14="http://schemas.microsoft.com/office/powerpoint/2010/main" val="3287683405"/>
       </p:ext>
     </p:extLst>
   </p:cSld>
@@ -7571,7 +7658,7 @@
           <p:cNvPr id="2" name="Title 1">
             <a:extLst>
               <a:ext uri="{FF2B5EF4-FFF2-40B4-BE49-F238E27FC236}">
-                <a16:creationId xmlns:a16="http://schemas.microsoft.com/office/drawing/2014/main" id="{6AB68645-EA0D-4F0E-8E1E-9937ADEB7798}"/>
+                <a16:creationId xmlns:a16="http://schemas.microsoft.com/office/drawing/2014/main" id="{5CCAF5D0-9835-422E-A5F2-D8A53B2E57DF}"/>
               </a:ext>
             </a:extLst>
           </p:cNvPr>
@@ -7589,7 +7676,7 @@
           <a:p>
             <a:r>
               <a:rPr lang="en-US"/>
-              <a:t>Slicing Step 3: Define Each Slice </a:t>
+              <a:t>Slicing</a:t>
             </a:r>
           </a:p>
         </p:txBody>
@@ -7599,7 +7686,7 @@
           <p:cNvPr id="3" name="Content Placeholder 2">
             <a:extLst>
               <a:ext uri="{FF2B5EF4-FFF2-40B4-BE49-F238E27FC236}">
-                <a16:creationId xmlns:a16="http://schemas.microsoft.com/office/drawing/2014/main" id="{0701B2D1-1966-4BF1-A17C-F342A2C7BFA7}"/>
+                <a16:creationId xmlns:a16="http://schemas.microsoft.com/office/drawing/2014/main" id="{E5A6AC88-B7F2-4B6F-872E-6D15EABB91D7}"/>
               </a:ext>
             </a:extLst>
           </p:cNvPr>
@@ -7617,135 +7704,96 @@
           <a:p>
             <a:r>
               <a:rPr lang="en-US"/>
-              <a:t>If the array type is resource reference(s), then the slices are defined either in an existing resource profile, or any one you define in your project (similar to "stand-alone" extensions)</a:t>
+              <a:t>Similar to extensions -- the objective is to say what can go into an array</a:t>
             </a:r>
           </a:p>
           <a:p>
             <a:r>
               <a:rPr lang="en-US"/>
-              <a:t>If a backbone element or complex data type, then it must be defined inline.</a:t>
-            </a:r>
-          </a:p>
-          <a:p>
+              <a:t>The array elements will not be Extensions</a:t>
+            </a:r>
+          </a:p>
+          <a:p>
+            <a:r>
+              <a:rPr lang="en-US"/>
+              <a:t>Arrays we typically want to slice:</a:t>
+            </a:r>
+          </a:p>
+          <a:p>
+            <a:pPr lvl="1"/>
+            <a:r>
+              <a:rPr lang="en-US"/>
+              <a:t>Backbone elements, such as Observation.component</a:t>
+            </a:r>
+          </a:p>
+          <a:p>
+            <a:pPr lvl="1"/>
+            <a:r>
+              <a:rPr lang="en-US"/>
+              <a:t>Arrays of complex data types, such as Identifier or Address, such as Practitioner.identifier</a:t>
+            </a:r>
+          </a:p>
+          <a:p>
+            <a:pPr lvl="1"/>
+            <a:r>
+              <a:rPr lang="en-US"/>
+              <a:t>Arrays of references to resources, such as Observation.hasMember</a:t>
+            </a:r>
+          </a:p>
+          <a:p>
+            <a:pPr lvl="1"/>
             <a:endParaRPr lang="en-US"/>
           </a:p>
           <a:p>
-            <a:pPr marL="0" indent="0">
-              <a:buNone/>
-            </a:pPr>
             <a:r>
               <a:rPr lang="en-US"/>
-              <a:t>Example: Observation Component </a:t>
-            </a:r>
+              <a:t>Divide slicing into three steps: </a:t>
+            </a:r>
+          </a:p>
+          <a:p>
+            <a:pPr marL="744538" lvl="1" indent="-457200">
+              <a:buFont typeface="+mj-lt"/>
+              <a:buAutoNum type="arabicPeriod"/>
+            </a:pPr>
+            <a:r>
+              <a:rPr lang="en-US"/>
+              <a:t>Specify the slicing logic </a:t>
+            </a:r>
+          </a:p>
+          <a:p>
+            <a:pPr marL="744538" lvl="1" indent="-457200">
+              <a:buFont typeface="+mj-lt"/>
+              <a:buAutoNum type="arabicPeriod"/>
+            </a:pPr>
+            <a:r>
+              <a:rPr lang="en-US"/>
+              <a:t>Identify the slices </a:t>
+            </a:r>
+          </a:p>
+          <a:p>
+            <a:pPr marL="744538" lvl="1" indent="-457200">
+              <a:buFont typeface="+mj-lt"/>
+              <a:buAutoNum type="arabicPeriod"/>
+            </a:pPr>
+            <a:r>
+              <a:rPr lang="en-US"/>
+              <a:t>Define each slice</a:t>
+            </a:r>
+          </a:p>
+          <a:p>
+            <a:pPr lvl="1"/>
+            <a:endParaRPr lang="en-US"/>
+          </a:p>
+          <a:p>
+            <a:pPr lvl="1"/>
+            <a:endParaRPr lang="en-US"/>
           </a:p>
         </p:txBody>
       </p:sp>
-      <p:pic>
-        <p:nvPicPr>
-          <p:cNvPr id="4" name="Picture 3">
-            <a:extLst>
-              <a:ext uri="{FF2B5EF4-FFF2-40B4-BE49-F238E27FC236}">
-                <a16:creationId xmlns:a16="http://schemas.microsoft.com/office/drawing/2014/main" id="{B34BC739-5CB0-46C6-94BF-A6261AE7F731}"/>
-              </a:ext>
-            </a:extLst>
-          </p:cNvPr>
-          <p:cNvPicPr>
-            <a:picLocks noChangeAspect="1"/>
-          </p:cNvPicPr>
-          <p:nvPr/>
-        </p:nvPicPr>
-        <p:blipFill rotWithShape="1">
-          <a:blip r:embed="rId2"/>
-          <a:srcRect t="1654"/>
-          <a:stretch/>
-        </p:blipFill>
-        <p:spPr>
-          <a:xfrm>
-            <a:off x="8234107" y="2984204"/>
-            <a:ext cx="3459249" cy="3315586"/>
-          </a:xfrm>
-          <a:prstGeom prst="rect">
-            <a:avLst/>
-          </a:prstGeom>
-        </p:spPr>
-      </p:pic>
-      <p:pic>
-        <p:nvPicPr>
-          <p:cNvPr id="5" name="Picture 4">
-            <a:extLst>
-              <a:ext uri="{FF2B5EF4-FFF2-40B4-BE49-F238E27FC236}">
-                <a16:creationId xmlns:a16="http://schemas.microsoft.com/office/drawing/2014/main" id="{D90C21E8-F480-4DD5-BD35-1920C1AEB179}"/>
-              </a:ext>
-            </a:extLst>
-          </p:cNvPr>
-          <p:cNvPicPr>
-            <a:picLocks noChangeAspect="1"/>
-          </p:cNvPicPr>
-          <p:nvPr/>
-        </p:nvPicPr>
-        <p:blipFill>
-          <a:blip r:embed="rId3"/>
-          <a:stretch>
-            <a:fillRect/>
-          </a:stretch>
-        </p:blipFill>
-        <p:spPr>
-          <a:xfrm>
-            <a:off x="812800" y="3653066"/>
-            <a:ext cx="6850280" cy="2289752"/>
-          </a:xfrm>
-          <a:prstGeom prst="rect">
-            <a:avLst/>
-          </a:prstGeom>
-        </p:spPr>
-      </p:pic>
-      <p:cxnSp>
-        <p:nvCxnSpPr>
-          <p:cNvPr id="7" name="Straight Connector 6">
-            <a:extLst>
-              <a:ext uri="{FF2B5EF4-FFF2-40B4-BE49-F238E27FC236}">
-                <a16:creationId xmlns:a16="http://schemas.microsoft.com/office/drawing/2014/main" id="{9DC2DB97-CFA2-4122-87AD-EC7495829D09}"/>
-              </a:ext>
-            </a:extLst>
-          </p:cNvPr>
-          <p:cNvCxnSpPr>
-            <a:cxnSpLocks/>
-          </p:cNvCxnSpPr>
-          <p:nvPr/>
-        </p:nvCxnSpPr>
-        <p:spPr>
-          <a:xfrm>
-            <a:off x="812800" y="4423145"/>
-            <a:ext cx="6870995" cy="0"/>
-          </a:xfrm>
-          <a:prstGeom prst="line">
-            <a:avLst/>
-          </a:prstGeom>
-          <a:ln>
-            <a:solidFill>
-              <a:schemeClr val="tx1"/>
-            </a:solidFill>
-          </a:ln>
-        </p:spPr>
-        <p:style>
-          <a:lnRef idx="1">
-            <a:schemeClr val="accent1"/>
-          </a:lnRef>
-          <a:fillRef idx="0">
-            <a:schemeClr val="accent1"/>
-          </a:fillRef>
-          <a:effectRef idx="0">
-            <a:schemeClr val="accent1"/>
-          </a:effectRef>
-          <a:fontRef idx="minor">
-            <a:schemeClr val="tx1"/>
-          </a:fontRef>
-        </p:style>
-      </p:cxnSp>
     </p:spTree>
     <p:extLst>
       <p:ext uri="{BB962C8B-B14F-4D97-AF65-F5344CB8AC3E}">
-        <p14:creationId xmlns:p14="http://schemas.microsoft.com/office/powerpoint/2010/main" val="1772353564"/>
+        <p14:creationId xmlns:p14="http://schemas.microsoft.com/office/powerpoint/2010/main" val="3526970515"/>
       </p:ext>
     </p:extLst>
   </p:cSld>
@@ -7774,10 +7822,10 @@
       </p:grpSpPr>
       <p:sp>
         <p:nvSpPr>
-          <p:cNvPr id="3" name="Text Placeholder 2">
-            <a:extLst>
-              <a:ext uri="{FF2B5EF4-FFF2-40B4-BE49-F238E27FC236}">
-                <a16:creationId xmlns:a16="http://schemas.microsoft.com/office/drawing/2014/main" id="{CF58CFD3-440A-4FC2-868A-7126C5B45B98}"/>
+          <p:cNvPr id="2" name="Title 1">
+            <a:extLst>
+              <a:ext uri="{FF2B5EF4-FFF2-40B4-BE49-F238E27FC236}">
+                <a16:creationId xmlns:a16="http://schemas.microsoft.com/office/drawing/2014/main" id="{F4AA75DD-19F3-4B20-9DCF-C6BBB580AE06}"/>
               </a:ext>
             </a:extLst>
           </p:cNvPr>
@@ -7785,30 +7833,328 @@
             <a:spLocks noGrp="1"/>
           </p:cNvSpPr>
           <p:nvPr>
-            <p:ph type="body" sz="quarter" idx="10"/>
+            <p:ph type="title"/>
           </p:nvPr>
         </p:nvSpPr>
-        <p:spPr>
-          <a:xfrm>
-            <a:off x="1217880" y="2929765"/>
-            <a:ext cx="9434416" cy="1341546"/>
-          </a:xfrm>
-        </p:spPr>
+        <p:spPr/>
         <p:txBody>
           <a:bodyPr/>
           <a:lstStyle/>
           <a:p>
             <a:r>
               <a:rPr lang="en-US"/>
-              <a:t>Defining Instances in FSH</a:t>
-            </a:r>
+              <a:t>Slicing Step 1: Define Slicing Logic</a:t>
+            </a:r>
+          </a:p>
+        </p:txBody>
+      </p:sp>
+      <p:sp>
+        <p:nvSpPr>
+          <p:cNvPr id="3" name="Content Placeholder 2">
+            <a:extLst>
+              <a:ext uri="{FF2B5EF4-FFF2-40B4-BE49-F238E27FC236}">
+                <a16:creationId xmlns:a16="http://schemas.microsoft.com/office/drawing/2014/main" id="{E3A170BB-0724-46DC-9C73-D16B9053D2DA}"/>
+              </a:ext>
+            </a:extLst>
+          </p:cNvPr>
+          <p:cNvSpPr>
+            <a:spLocks noGrp="1"/>
+          </p:cNvSpPr>
+          <p:nvPr>
+            <p:ph idx="1"/>
+          </p:nvPr>
+        </p:nvSpPr>
+        <p:spPr/>
+        <p:txBody>
+          <a:bodyPr>
+            <a:normAutofit/>
+          </a:bodyPr>
+          <a:lstStyle/>
+          <a:p>
+            <a:r>
+              <a:rPr lang="en-US" dirty="0"/>
+              <a:t>There has to be something that uniquely and reliably distinguishes the slices</a:t>
+            </a:r>
+          </a:p>
+          <a:p>
+            <a:pPr lvl="1"/>
+            <a:r>
+              <a:rPr lang="en-US" dirty="0"/>
+              <a:t>Given an instance assigned to the array, how do we know what slice it belongs to?</a:t>
+            </a:r>
+          </a:p>
+          <a:p>
+            <a:pPr lvl="1"/>
+            <a:r>
+              <a:rPr lang="en-US" dirty="0"/>
+              <a:t>The "discriminator" -- comprised of a </a:t>
+            </a:r>
+            <a:r>
+              <a:rPr lang="en-US" b="1" dirty="0"/>
+              <a:t>type</a:t>
+            </a:r>
+            <a:r>
+              <a:rPr lang="en-US" dirty="0"/>
+              <a:t> and </a:t>
+            </a:r>
+            <a:r>
+              <a:rPr lang="en-US" b="1" dirty="0"/>
+              <a:t>path</a:t>
+            </a:r>
+          </a:p>
+          <a:p>
+            <a:r>
+              <a:rPr lang="en-US" dirty="0"/>
+              <a:t>Slicing logic is specified in the </a:t>
+            </a:r>
+            <a:r>
+              <a:rPr lang="en-US" dirty="0" err="1"/>
+              <a:t>ElementDefinition</a:t>
+            </a:r>
+            <a:r>
+              <a:rPr lang="en-US" dirty="0"/>
+              <a:t> part of the </a:t>
+            </a:r>
+            <a:r>
+              <a:rPr lang="en-US" dirty="0" err="1"/>
+              <a:t>StructureDefinition</a:t>
+            </a:r>
+            <a:endParaRPr lang="en-US" dirty="0"/>
+          </a:p>
+          <a:p>
+            <a:pPr lvl="1"/>
+            <a:r>
+              <a:rPr lang="en-US" dirty="0"/>
+              <a:t>Use caret paths to specify the slicing logic</a:t>
+            </a:r>
+          </a:p>
+          <a:p>
+            <a:pPr marL="0" indent="0">
+              <a:buNone/>
+            </a:pPr>
+            <a:endParaRPr lang="en-US" dirty="0"/>
+          </a:p>
+          <a:p>
+            <a:pPr marL="0" indent="0">
+              <a:buNone/>
+            </a:pPr>
+            <a:r>
+              <a:rPr lang="en-US" dirty="0"/>
+              <a:t>Example: Slice </a:t>
+            </a:r>
+            <a:r>
+              <a:rPr lang="en-US" dirty="0" err="1"/>
+              <a:t>Observation.component</a:t>
+            </a:r>
+            <a:r>
+              <a:rPr lang="en-US" dirty="0"/>
+              <a:t> on </a:t>
+            </a:r>
+            <a:r>
+              <a:rPr lang="en-US" dirty="0" err="1"/>
+              <a:t>Observation.component.code</a:t>
+            </a:r>
+            <a:endParaRPr lang="en-US" dirty="0"/>
+          </a:p>
+          <a:p>
+            <a:pPr marL="284163" lvl="1" indent="0">
+              <a:buNone/>
+            </a:pPr>
+            <a:r>
+              <a:rPr lang="en-US" sz="1800" dirty="0">
+                <a:latin typeface="Consolas" panose="020B0609020204030204" pitchFamily="49" charset="0"/>
+              </a:rPr>
+              <a:t>* component ^</a:t>
+            </a:r>
+            <a:r>
+              <a:rPr lang="en-US" sz="1800" dirty="0" err="1">
+                <a:latin typeface="Consolas" panose="020B0609020204030204" pitchFamily="49" charset="0"/>
+              </a:rPr>
+              <a:t>slicing.discriminator.type</a:t>
+            </a:r>
+            <a:r>
+              <a:rPr lang="en-US" sz="1800" dirty="0">
+                <a:latin typeface="Consolas" panose="020B0609020204030204" pitchFamily="49" charset="0"/>
+              </a:rPr>
+              <a:t> = #pattern   // or #value, #profile, … </a:t>
+            </a:r>
+          </a:p>
+          <a:p>
+            <a:pPr marL="284163" lvl="1" indent="0">
+              <a:buNone/>
+            </a:pPr>
+            <a:r>
+              <a:rPr lang="en-US" sz="1800" dirty="0">
+                <a:latin typeface="Consolas" panose="020B0609020204030204" pitchFamily="49" charset="0"/>
+              </a:rPr>
+              <a:t>* component ^</a:t>
+            </a:r>
+            <a:r>
+              <a:rPr lang="en-US" sz="1800" dirty="0" err="1">
+                <a:latin typeface="Consolas" panose="020B0609020204030204" pitchFamily="49" charset="0"/>
+              </a:rPr>
+              <a:t>slicing.discriminator.path</a:t>
+            </a:r>
+            <a:r>
+              <a:rPr lang="en-US" sz="1800" dirty="0">
+                <a:latin typeface="Consolas" panose="020B0609020204030204" pitchFamily="49" charset="0"/>
+              </a:rPr>
+              <a:t> = "code"     // any </a:t>
+            </a:r>
+            <a:r>
+              <a:rPr lang="en-US" sz="1800" dirty="0" err="1">
+                <a:latin typeface="Consolas" panose="020B0609020204030204" pitchFamily="49" charset="0"/>
+              </a:rPr>
+              <a:t>FHIRPath</a:t>
+            </a:r>
+            <a:r>
+              <a:rPr lang="en-US" sz="1800" dirty="0">
+                <a:latin typeface="Consolas" panose="020B0609020204030204" pitchFamily="49" charset="0"/>
+              </a:rPr>
+              <a:t> expression</a:t>
+            </a:r>
+          </a:p>
+          <a:p>
+            <a:pPr marL="284163" lvl="1" indent="0">
+              <a:buNone/>
+            </a:pPr>
+            <a:r>
+              <a:rPr lang="en-US" sz="1800" dirty="0">
+                <a:latin typeface="Consolas" panose="020B0609020204030204" pitchFamily="49" charset="0"/>
+              </a:rPr>
+              <a:t>* component ^</a:t>
+            </a:r>
+            <a:r>
+              <a:rPr lang="en-US" sz="1800" dirty="0" err="1">
+                <a:latin typeface="Consolas" panose="020B0609020204030204" pitchFamily="49" charset="0"/>
+              </a:rPr>
+              <a:t>slicing.rules</a:t>
+            </a:r>
+            <a:r>
+              <a:rPr lang="en-US" sz="1800" dirty="0">
+                <a:latin typeface="Consolas" panose="020B0609020204030204" pitchFamily="49" charset="0"/>
+              </a:rPr>
+              <a:t> = #open      // additional elements are ok</a:t>
+            </a:r>
+          </a:p>
+          <a:p>
+            <a:pPr marL="284163" lvl="1" indent="0">
+              <a:buNone/>
+            </a:pPr>
+            <a:r>
+              <a:rPr lang="en-US" sz="1800" dirty="0">
+                <a:solidFill>
+                  <a:schemeClr val="accent5">
+                    <a:lumMod val="60000"/>
+                    <a:lumOff val="40000"/>
+                  </a:schemeClr>
+                </a:solidFill>
+                <a:latin typeface="Consolas" panose="020B0609020204030204" pitchFamily="49" charset="0"/>
+              </a:rPr>
+              <a:t>* component ^</a:t>
+            </a:r>
+            <a:r>
+              <a:rPr lang="en-US" sz="1800" dirty="0" err="1">
+                <a:solidFill>
+                  <a:schemeClr val="accent5">
+                    <a:lumMod val="60000"/>
+                    <a:lumOff val="40000"/>
+                  </a:schemeClr>
+                </a:solidFill>
+                <a:latin typeface="Consolas" panose="020B0609020204030204" pitchFamily="49" charset="0"/>
+              </a:rPr>
+              <a:t>slicing.ordered</a:t>
+            </a:r>
+            <a:r>
+              <a:rPr lang="en-US" sz="1800" dirty="0">
+                <a:solidFill>
+                  <a:schemeClr val="accent5">
+                    <a:lumMod val="60000"/>
+                    <a:lumOff val="40000"/>
+                  </a:schemeClr>
+                </a:solidFill>
+                <a:latin typeface="Consolas" panose="020B0609020204030204" pitchFamily="49" charset="0"/>
+              </a:rPr>
+              <a:t> = false    // by default, array elements in any order</a:t>
+            </a:r>
+          </a:p>
+          <a:p>
+            <a:pPr marL="284163" lvl="1" indent="0">
+              <a:buNone/>
+            </a:pPr>
+            <a:r>
+              <a:rPr lang="en-US" sz="1800" dirty="0">
+                <a:solidFill>
+                  <a:schemeClr val="accent5">
+                    <a:lumMod val="60000"/>
+                    <a:lumOff val="40000"/>
+                  </a:schemeClr>
+                </a:solidFill>
+                <a:latin typeface="Consolas" panose="020B0609020204030204" pitchFamily="49" charset="0"/>
+              </a:rPr>
+              <a:t>* component ^</a:t>
+            </a:r>
+            <a:r>
+              <a:rPr lang="en-US" sz="1800" dirty="0" err="1">
+                <a:solidFill>
+                  <a:schemeClr val="accent5">
+                    <a:lumMod val="60000"/>
+                    <a:lumOff val="40000"/>
+                  </a:schemeClr>
+                </a:solidFill>
+                <a:latin typeface="Consolas" panose="020B0609020204030204" pitchFamily="49" charset="0"/>
+              </a:rPr>
+              <a:t>slicing.description</a:t>
+            </a:r>
+            <a:r>
+              <a:rPr lang="en-US" sz="1800" dirty="0">
+                <a:solidFill>
+                  <a:schemeClr val="accent5">
+                    <a:lumMod val="60000"/>
+                    <a:lumOff val="40000"/>
+                  </a:schemeClr>
+                </a:solidFill>
+                <a:latin typeface="Consolas" panose="020B0609020204030204" pitchFamily="49" charset="0"/>
+              </a:rPr>
+              <a:t> = “Slice pattern for </a:t>
+            </a:r>
+            <a:r>
+              <a:rPr lang="en-US" sz="1800" dirty="0" err="1">
+                <a:solidFill>
+                  <a:schemeClr val="accent5">
+                    <a:lumMod val="60000"/>
+                    <a:lumOff val="40000"/>
+                  </a:schemeClr>
+                </a:solidFill>
+                <a:latin typeface="Consolas" panose="020B0609020204030204" pitchFamily="49" charset="0"/>
+              </a:rPr>
+              <a:t>component.code</a:t>
+            </a:r>
+            <a:r>
+              <a:rPr lang="en-US" sz="1800" dirty="0">
+                <a:solidFill>
+                  <a:schemeClr val="accent5">
+                    <a:lumMod val="60000"/>
+                    <a:lumOff val="40000"/>
+                  </a:schemeClr>
+                </a:solidFill>
+                <a:latin typeface="Consolas" panose="020B0609020204030204" pitchFamily="49" charset="0"/>
+              </a:rPr>
+              <a:t>"  // optional</a:t>
+            </a:r>
+          </a:p>
+          <a:p>
+            <a:pPr marL="0" indent="0">
+              <a:buNone/>
+            </a:pPr>
+            <a:endParaRPr lang="en-US" dirty="0"/>
           </a:p>
         </p:txBody>
       </p:sp>
     </p:spTree>
     <p:extLst>
       <p:ext uri="{BB962C8B-B14F-4D97-AF65-F5344CB8AC3E}">
-        <p14:creationId xmlns:p14="http://schemas.microsoft.com/office/powerpoint/2010/main" val="3038706319"/>
+        <p14:creationId xmlns:p14="http://schemas.microsoft.com/office/powerpoint/2010/main" val="1026004699"/>
       </p:ext>
     </p:extLst>
   </p:cSld>
@@ -7837,10 +8183,10 @@
       </p:grpSpPr>
       <p:sp>
         <p:nvSpPr>
-          <p:cNvPr id="3" name="Title 2">
-            <a:extLst>
-              <a:ext uri="{FF2B5EF4-FFF2-40B4-BE49-F238E27FC236}">
-                <a16:creationId xmlns:a16="http://schemas.microsoft.com/office/drawing/2014/main" id="{32AF7E6E-A62F-4DE1-96FB-DA7505F18636}"/>
+          <p:cNvPr id="2" name="Title 1">
+            <a:extLst>
+              <a:ext uri="{FF2B5EF4-FFF2-40B4-BE49-F238E27FC236}">
+                <a16:creationId xmlns:a16="http://schemas.microsoft.com/office/drawing/2014/main" id="{9FAD5F04-7CED-4B77-B4FC-5EB057FFB65D}"/>
               </a:ext>
             </a:extLst>
           </p:cNvPr>
@@ -7858,17 +8204,17 @@
           <a:p>
             <a:r>
               <a:rPr lang="en-US"/>
-              <a:t>Instances in IGs</a:t>
+              <a:t>Slicing Logic: Another Example</a:t>
             </a:r>
           </a:p>
         </p:txBody>
       </p:sp>
       <p:sp>
         <p:nvSpPr>
-          <p:cNvPr id="4" name="Content Placeholder 3">
-            <a:extLst>
-              <a:ext uri="{FF2B5EF4-FFF2-40B4-BE49-F238E27FC236}">
-                <a16:creationId xmlns:a16="http://schemas.microsoft.com/office/drawing/2014/main" id="{EC9996FF-5A76-457E-8FAC-8BDD09D68F38}"/>
+          <p:cNvPr id="3" name="Content Placeholder 2">
+            <a:extLst>
+              <a:ext uri="{FF2B5EF4-FFF2-40B4-BE49-F238E27FC236}">
+                <a16:creationId xmlns:a16="http://schemas.microsoft.com/office/drawing/2014/main" id="{D80B42DF-EA41-4C9B-B410-287283FDC167}"/>
               </a:ext>
             </a:extLst>
           </p:cNvPr>
@@ -7884,63 +8230,335 @@
           <a:bodyPr/>
           <a:lstStyle/>
           <a:p>
-            <a:r>
-              <a:rPr lang="en-US" b="1"/>
-              <a:t>Examples</a:t>
-            </a:r>
-          </a:p>
-          <a:p>
-            <a:pPr lvl="1"/>
+            <a:pPr marL="0" indent="0">
+              <a:buNone/>
+            </a:pPr>
             <a:r>
               <a:rPr lang="en-US"/>
-              <a:t>Instances that illustrate how to use a profile, presented on the Examples tab for the corresponding profile. You must have at least one example of each profile and extension in the IG.</a:t>
-            </a:r>
-          </a:p>
-          <a:p>
+              <a:t>Example: Slice Observation.hasMember</a:t>
+            </a:r>
+          </a:p>
+          <a:p>
+            <a:pPr marL="0" indent="0">
+              <a:buNone/>
+            </a:pPr>
             <a:endParaRPr lang="en-US"/>
           </a:p>
           <a:p>
-            <a:r>
-              <a:rPr lang="en-US" b="1"/>
-              <a:t>Definitions</a:t>
-            </a:r>
-          </a:p>
-          <a:p>
-            <a:pPr lvl="1"/>
-            <a:r>
-              <a:rPr lang="en-US"/>
-              <a:t>Conformance items that are instances of resources such as search parameter, operation definition, or questionnaire</a:t>
-            </a:r>
-          </a:p>
-          <a:p>
-            <a:pPr lvl="1"/>
+            <a:pPr marL="0" indent="0">
+              <a:buNone/>
+            </a:pPr>
             <a:endParaRPr lang="en-US"/>
           </a:p>
           <a:p>
-            <a:r>
-              <a:rPr lang="en-US" b="1"/>
-              <a:t>Inline</a:t>
-            </a:r>
-          </a:p>
-          <a:p>
-            <a:pPr lvl="1"/>
-            <a:r>
-              <a:rPr lang="en-US"/>
-              <a:t>Instances that should not be instantiated as an independent resource, but appears as part of another instance (for example, in a composition or bundle)</a:t>
-            </a:r>
-          </a:p>
-          <a:p>
+            <a:pPr marL="0" indent="0">
+              <a:buNone/>
+            </a:pPr>
             <a:endParaRPr lang="en-US"/>
           </a:p>
           <a:p>
+            <a:pPr marL="0" indent="0">
+              <a:buNone/>
+            </a:pPr>
+            <a:endParaRPr lang="en-US" b="0">
+              <a:solidFill>
+                <a:srgbClr val="569CD6"/>
+              </a:solidFill>
+              <a:effectLst/>
+              <a:latin typeface="Consolas" panose="020B0609020204030204" pitchFamily="49" charset="0"/>
+            </a:endParaRPr>
+          </a:p>
+          <a:p>
+            <a:pPr marL="0" indent="0">
+              <a:buNone/>
+            </a:pPr>
+            <a:r>
+              <a:rPr lang="en-US" b="0">
+                <a:solidFill>
+                  <a:srgbClr val="569CD6"/>
+                </a:solidFill>
+                <a:effectLst/>
+                <a:latin typeface="Consolas" panose="020B0609020204030204" pitchFamily="49" charset="0"/>
+              </a:rPr>
+              <a:t>*</a:t>
+            </a:r>
+            <a:r>
+              <a:rPr lang="en-US" b="0">
+                <a:solidFill>
+                  <a:srgbClr val="D4D4D4"/>
+                </a:solidFill>
+                <a:effectLst/>
+                <a:latin typeface="Consolas" panose="020B0609020204030204" pitchFamily="49" charset="0"/>
+              </a:rPr>
+              <a:t> </a:t>
+            </a:r>
+            <a:r>
+              <a:rPr lang="en-US" b="0">
+                <a:effectLst/>
+                <a:latin typeface="Consolas" panose="020B0609020204030204" pitchFamily="49" charset="0"/>
+              </a:rPr>
+              <a:t>hasMember ^slicing.discriminator.type</a:t>
+            </a:r>
+            <a:r>
+              <a:rPr lang="en-US" b="0">
+                <a:solidFill>
+                  <a:srgbClr val="D4D4D4"/>
+                </a:solidFill>
+                <a:effectLst/>
+                <a:latin typeface="Consolas" panose="020B0609020204030204" pitchFamily="49" charset="0"/>
+              </a:rPr>
+              <a:t> </a:t>
+            </a:r>
+            <a:r>
+              <a:rPr lang="en-US" b="0">
+                <a:solidFill>
+                  <a:srgbClr val="569CD6"/>
+                </a:solidFill>
+                <a:effectLst/>
+                <a:latin typeface="Consolas" panose="020B0609020204030204" pitchFamily="49" charset="0"/>
+              </a:rPr>
+              <a:t>=</a:t>
+            </a:r>
+            <a:r>
+              <a:rPr lang="en-US" b="0">
+                <a:solidFill>
+                  <a:srgbClr val="D4D4D4"/>
+                </a:solidFill>
+                <a:effectLst/>
+                <a:latin typeface="Consolas" panose="020B0609020204030204" pitchFamily="49" charset="0"/>
+              </a:rPr>
+              <a:t> </a:t>
+            </a:r>
+            <a:r>
+              <a:rPr lang="en-US" b="0">
+                <a:solidFill>
+                  <a:srgbClr val="B5CEA8"/>
+                </a:solidFill>
+                <a:effectLst/>
+                <a:latin typeface="Consolas" panose="020B0609020204030204" pitchFamily="49" charset="0"/>
+              </a:rPr>
+              <a:t>#profile</a:t>
+            </a:r>
+            <a:r>
+              <a:rPr lang="en-US" b="0">
+                <a:solidFill>
+                  <a:srgbClr val="6A9955"/>
+                </a:solidFill>
+                <a:effectLst/>
+                <a:latin typeface="Consolas" panose="020B0609020204030204" pitchFamily="49" charset="0"/>
+              </a:rPr>
+              <a:t> </a:t>
+            </a:r>
+          </a:p>
+          <a:p>
+            <a:pPr marL="0" indent="0">
+              <a:buNone/>
+            </a:pPr>
+            <a:r>
+              <a:rPr lang="en-US" b="0">
+                <a:solidFill>
+                  <a:srgbClr val="569CD6"/>
+                </a:solidFill>
+                <a:effectLst/>
+                <a:latin typeface="Consolas" panose="020B0609020204030204" pitchFamily="49" charset="0"/>
+              </a:rPr>
+              <a:t>*</a:t>
+            </a:r>
+            <a:r>
+              <a:rPr lang="en-US" b="0">
+                <a:solidFill>
+                  <a:srgbClr val="D4D4D4"/>
+                </a:solidFill>
+                <a:effectLst/>
+                <a:latin typeface="Consolas" panose="020B0609020204030204" pitchFamily="49" charset="0"/>
+              </a:rPr>
+              <a:t> </a:t>
+            </a:r>
+            <a:r>
+              <a:rPr lang="en-US" b="0">
+                <a:effectLst/>
+                <a:latin typeface="Consolas" panose="020B0609020204030204" pitchFamily="49" charset="0"/>
+              </a:rPr>
+              <a:t>hasMember ^slicing.discriminator.path</a:t>
+            </a:r>
+            <a:r>
+              <a:rPr lang="en-US" b="0">
+                <a:solidFill>
+                  <a:srgbClr val="D4D4D4"/>
+                </a:solidFill>
+                <a:effectLst/>
+                <a:latin typeface="Consolas" panose="020B0609020204030204" pitchFamily="49" charset="0"/>
+              </a:rPr>
+              <a:t> </a:t>
+            </a:r>
+            <a:r>
+              <a:rPr lang="en-US" b="0">
+                <a:solidFill>
+                  <a:srgbClr val="569CD6"/>
+                </a:solidFill>
+                <a:effectLst/>
+                <a:latin typeface="Consolas" panose="020B0609020204030204" pitchFamily="49" charset="0"/>
+              </a:rPr>
+              <a:t>=</a:t>
+            </a:r>
+            <a:r>
+              <a:rPr lang="en-US" b="0">
+                <a:solidFill>
+                  <a:srgbClr val="D4D4D4"/>
+                </a:solidFill>
+                <a:effectLst/>
+                <a:latin typeface="Consolas" panose="020B0609020204030204" pitchFamily="49" charset="0"/>
+              </a:rPr>
+              <a:t>  </a:t>
+            </a:r>
+            <a:r>
+              <a:rPr lang="en-US" b="0">
+                <a:solidFill>
+                  <a:srgbClr val="CE9178"/>
+                </a:solidFill>
+                <a:effectLst/>
+                <a:latin typeface="Consolas" panose="020B0609020204030204" pitchFamily="49" charset="0"/>
+              </a:rPr>
+              <a:t>"$this.resolve()"</a:t>
+            </a:r>
+            <a:r>
+              <a:rPr lang="en-US" b="0">
+                <a:solidFill>
+                  <a:srgbClr val="6A9955"/>
+                </a:solidFill>
+                <a:effectLst/>
+                <a:latin typeface="Consolas" panose="020B0609020204030204" pitchFamily="49" charset="0"/>
+              </a:rPr>
+              <a:t> </a:t>
+            </a:r>
+            <a:endParaRPr lang="en-US" b="0">
+              <a:solidFill>
+                <a:srgbClr val="D4D4D4"/>
+              </a:solidFill>
+              <a:effectLst/>
+              <a:latin typeface="Consolas" panose="020B0609020204030204" pitchFamily="49" charset="0"/>
+            </a:endParaRPr>
+          </a:p>
+          <a:p>
+            <a:pPr marL="0" indent="0">
+              <a:buNone/>
+            </a:pPr>
+            <a:r>
+              <a:rPr lang="en-US" b="0">
+                <a:solidFill>
+                  <a:srgbClr val="569CD6"/>
+                </a:solidFill>
+                <a:effectLst/>
+                <a:latin typeface="Consolas" panose="020B0609020204030204" pitchFamily="49" charset="0"/>
+              </a:rPr>
+              <a:t>*</a:t>
+            </a:r>
+            <a:r>
+              <a:rPr lang="en-US" b="0">
+                <a:solidFill>
+                  <a:srgbClr val="D4D4D4"/>
+                </a:solidFill>
+                <a:effectLst/>
+                <a:latin typeface="Consolas" panose="020B0609020204030204" pitchFamily="49" charset="0"/>
+              </a:rPr>
+              <a:t> </a:t>
+            </a:r>
+            <a:r>
+              <a:rPr lang="en-US" b="0">
+                <a:effectLst/>
+                <a:latin typeface="Consolas" panose="020B0609020204030204" pitchFamily="49" charset="0"/>
+              </a:rPr>
+              <a:t>hasMember ^slicing.rules</a:t>
+            </a:r>
+            <a:r>
+              <a:rPr lang="en-US" b="0">
+                <a:solidFill>
+                  <a:srgbClr val="D4D4D4"/>
+                </a:solidFill>
+                <a:effectLst/>
+                <a:latin typeface="Consolas" panose="020B0609020204030204" pitchFamily="49" charset="0"/>
+              </a:rPr>
+              <a:t> </a:t>
+            </a:r>
+            <a:r>
+              <a:rPr lang="en-US" b="0">
+                <a:solidFill>
+                  <a:srgbClr val="569CD6"/>
+                </a:solidFill>
+                <a:effectLst/>
+                <a:latin typeface="Consolas" panose="020B0609020204030204" pitchFamily="49" charset="0"/>
+              </a:rPr>
+              <a:t>=</a:t>
+            </a:r>
+            <a:r>
+              <a:rPr lang="en-US" b="0">
+                <a:solidFill>
+                  <a:srgbClr val="D4D4D4"/>
+                </a:solidFill>
+                <a:effectLst/>
+                <a:latin typeface="Consolas" panose="020B0609020204030204" pitchFamily="49" charset="0"/>
+              </a:rPr>
+              <a:t> </a:t>
+            </a:r>
+            <a:r>
+              <a:rPr lang="en-US" b="0">
+                <a:solidFill>
+                  <a:srgbClr val="B5CEA8"/>
+                </a:solidFill>
+                <a:effectLst/>
+                <a:latin typeface="Consolas" panose="020B0609020204030204" pitchFamily="49" charset="0"/>
+              </a:rPr>
+              <a:t>#open</a:t>
+            </a:r>
+            <a:endParaRPr lang="en-US" b="0">
+              <a:solidFill>
+                <a:srgbClr val="D4D4D4"/>
+              </a:solidFill>
+              <a:effectLst/>
+              <a:latin typeface="Consolas" panose="020B0609020204030204" pitchFamily="49" charset="0"/>
+            </a:endParaRPr>
+          </a:p>
+          <a:p>
+            <a:pPr marL="0" indent="0">
+              <a:buNone/>
+            </a:pPr>
             <a:endParaRPr lang="en-US"/>
           </a:p>
         </p:txBody>
       </p:sp>
+      <p:pic>
+        <p:nvPicPr>
+          <p:cNvPr id="5" name="Picture 4">
+            <a:extLst>
+              <a:ext uri="{FF2B5EF4-FFF2-40B4-BE49-F238E27FC236}">
+                <a16:creationId xmlns:a16="http://schemas.microsoft.com/office/drawing/2014/main" id="{A47F3EB7-E4D0-40BB-9120-AFA78220BB48}"/>
+              </a:ext>
+            </a:extLst>
+          </p:cNvPr>
+          <p:cNvPicPr>
+            <a:picLocks noChangeAspect="1"/>
+          </p:cNvPicPr>
+          <p:nvPr/>
+        </p:nvPicPr>
+        <p:blipFill rotWithShape="1">
+          <a:blip r:embed="rId2"/>
+          <a:srcRect b="10418"/>
+          <a:stretch/>
+        </p:blipFill>
+        <p:spPr>
+          <a:xfrm>
+            <a:off x="758972" y="2221978"/>
+            <a:ext cx="10751298" cy="660825"/>
+          </a:xfrm>
+          <a:prstGeom prst="rect">
+            <a:avLst/>
+          </a:prstGeom>
+        </p:spPr>
+      </p:pic>
     </p:spTree>
     <p:extLst>
       <p:ext uri="{BB962C8B-B14F-4D97-AF65-F5344CB8AC3E}">
-        <p14:creationId xmlns:p14="http://schemas.microsoft.com/office/powerpoint/2010/main" val="510615722"/>
+        <p14:creationId xmlns:p14="http://schemas.microsoft.com/office/powerpoint/2010/main" val="1565900583"/>
       </p:ext>
     </p:extLst>
   </p:cSld>
@@ -7972,7 +8590,7 @@
           <p:cNvPr id="2" name="Title 1">
             <a:extLst>
               <a:ext uri="{FF2B5EF4-FFF2-40B4-BE49-F238E27FC236}">
-                <a16:creationId xmlns:a16="http://schemas.microsoft.com/office/drawing/2014/main" id="{4DD7D114-638C-4DF1-8A9F-199564837158}"/>
+                <a16:creationId xmlns:a16="http://schemas.microsoft.com/office/drawing/2014/main" id="{8068DC6C-85D0-43B0-98F1-4ED44A307C4D}"/>
               </a:ext>
             </a:extLst>
           </p:cNvPr>
@@ -7990,7 +8608,7 @@
           <a:p>
             <a:r>
               <a:rPr lang="en-US"/>
-              <a:t>Defining Instances in FSH</a:t>
+              <a:t>Slicing Step 2: Identify the slices ("contains")</a:t>
             </a:r>
           </a:p>
         </p:txBody>
@@ -8000,7 +8618,7 @@
           <p:cNvPr id="3" name="Content Placeholder 2">
             <a:extLst>
               <a:ext uri="{FF2B5EF4-FFF2-40B4-BE49-F238E27FC236}">
-                <a16:creationId xmlns:a16="http://schemas.microsoft.com/office/drawing/2014/main" id="{F629A87A-18AD-4400-8DFA-36495B43B3A3}"/>
+                <a16:creationId xmlns:a16="http://schemas.microsoft.com/office/drawing/2014/main" id="{7A42A504-905A-4500-8CFF-386042043B4F}"/>
               </a:ext>
             </a:extLst>
           </p:cNvPr>
@@ -8013,81 +8631,493 @@
         </p:nvSpPr>
         <p:spPr/>
         <p:txBody>
-          <a:bodyPr/>
+          <a:bodyPr>
+            <a:normAutofit/>
+          </a:bodyPr>
           <a:lstStyle/>
           <a:p>
+            <a:pPr marL="0" indent="0">
+              <a:buNone/>
+            </a:pPr>
             <a:r>
               <a:rPr lang="en-US"/>
-              <a:t>Instances are defined in FSH using the "Instance" keyword</a:t>
-            </a:r>
-          </a:p>
-          <a:p>
+              <a:t>* array-element-path contains </a:t>
+            </a:r>
+          </a:p>
+          <a:p>
+            <a:pPr marL="0" indent="0">
+              <a:buNone/>
+            </a:pPr>
             <a:r>
               <a:rPr lang="en-US"/>
-              <a:t>"InstanceOf" instead of "Parent"</a:t>
-            </a:r>
-          </a:p>
-          <a:p>
+              <a:t>          slice-name1 card1 flags1 and </a:t>
+            </a:r>
+          </a:p>
+          <a:p>
+            <a:pPr marL="0" indent="0">
+              <a:buNone/>
+            </a:pPr>
             <a:r>
               <a:rPr lang="en-US"/>
-              <a:t>All structures and values are inherited from the StructureDefinition (i.e. fixed codes, extensions) -- don't have to be repeated</a:t>
-            </a:r>
-          </a:p>
-          <a:p>
-            <a:r>
-              <a:rPr lang="en-US"/>
-              <a:t>Instances only have fixed value rules, because instances have specific values</a:t>
-            </a:r>
-          </a:p>
-          <a:p>
+              <a:t>          slice-name2 card2 flag s2 ...</a:t>
+            </a:r>
+          </a:p>
+          <a:p>
+            <a:pPr marL="0" indent="0">
+              <a:buNone/>
+            </a:pPr>
             <a:endParaRPr lang="en-US"/>
           </a:p>
           <a:p>
-            <a:endParaRPr lang="en-US"/>
-          </a:p>
-          <a:p>
-            <a:endParaRPr lang="en-US"/>
-          </a:p>
-          <a:p>
-            <a:pPr lvl="1"/>
-            <a:endParaRPr lang="en-US"/>
+            <a:pPr marL="0" indent="0">
+              <a:buNone/>
+            </a:pPr>
+            <a:r>
+              <a:rPr lang="en-US" b="0">
+                <a:latin typeface="Consolas" panose="020B0609020204030204" pitchFamily="49" charset="0"/>
+              </a:rPr>
+              <a:t>* component contains</a:t>
+            </a:r>
+          </a:p>
+          <a:p>
+            <a:pPr marL="0" indent="0">
+              <a:buNone/>
+            </a:pPr>
+            <a:r>
+              <a:rPr lang="en-US" b="0">
+                <a:latin typeface="Consolas" panose="020B0609020204030204" pitchFamily="49" charset="0"/>
+              </a:rPr>
+              <a:t>     systolicBP 1..1 and</a:t>
+            </a:r>
+          </a:p>
+          <a:p>
+            <a:pPr marL="0" indent="0">
+              <a:buNone/>
+            </a:pPr>
+            <a:r>
+              <a:rPr lang="en-US" b="0">
+                <a:latin typeface="Consolas" panose="020B0609020204030204" pitchFamily="49" charset="0"/>
+              </a:rPr>
+              <a:t>     diastolicBP 1..1</a:t>
+            </a:r>
+          </a:p>
+          <a:p>
+            <a:pPr marL="0" indent="0">
+              <a:buNone/>
+            </a:pPr>
+            <a:endParaRPr lang="en-US" b="0">
+              <a:latin typeface="Consolas" panose="020B0609020204030204" pitchFamily="49" charset="0"/>
+            </a:endParaRPr>
+          </a:p>
+          <a:p>
+            <a:pPr marL="0" indent="0">
+              <a:buNone/>
+            </a:pPr>
+            <a:r>
+              <a:rPr lang="en-US" b="0">
+                <a:latin typeface="Consolas" panose="020B0609020204030204" pitchFamily="49" charset="0"/>
+              </a:rPr>
+              <a:t>* hasMember contains </a:t>
+            </a:r>
+          </a:p>
+          <a:p>
+            <a:pPr marL="0" indent="0">
+              <a:buNone/>
+            </a:pPr>
+            <a:r>
+              <a:rPr lang="en-US" b="0">
+                <a:latin typeface="Consolas" panose="020B0609020204030204" pitchFamily="49" charset="0"/>
+              </a:rPr>
+              <a:t>       PrimaryTumorCategory 0..1 and</a:t>
+            </a:r>
+          </a:p>
+          <a:p>
+            <a:pPr marL="0" indent="0">
+              <a:buNone/>
+            </a:pPr>
+            <a:r>
+              <a:rPr lang="en-US" b="0">
+                <a:latin typeface="Consolas" panose="020B0609020204030204" pitchFamily="49" charset="0"/>
+              </a:rPr>
+              <a:t>       RegionalNodesCategory 0..1 and</a:t>
+            </a:r>
+          </a:p>
+          <a:p>
+            <a:pPr marL="0" indent="0">
+              <a:buNone/>
+            </a:pPr>
+            <a:r>
+              <a:rPr lang="en-US" b="0">
+                <a:latin typeface="Consolas" panose="020B0609020204030204" pitchFamily="49" charset="0"/>
+              </a:rPr>
+              <a:t>       DistantMetastasesCategory 0..1</a:t>
+            </a:r>
+          </a:p>
+          <a:p>
+            <a:pPr marL="0" indent="0">
+              <a:buNone/>
+            </a:pPr>
+            <a:endParaRPr lang="en-US" b="0"/>
           </a:p>
         </p:txBody>
       </p:sp>
-      <p:pic>
-        <p:nvPicPr>
-          <p:cNvPr id="7" name="Picture 6">
-            <a:extLst>
-              <a:ext uri="{FF2B5EF4-FFF2-40B4-BE49-F238E27FC236}">
-                <a16:creationId xmlns:a16="http://schemas.microsoft.com/office/drawing/2014/main" id="{8405465F-9E8B-48CD-90DA-2936A064C234}"/>
-              </a:ext>
-            </a:extLst>
-          </p:cNvPr>
-          <p:cNvPicPr>
-            <a:picLocks noChangeAspect="1"/>
-          </p:cNvPicPr>
+      <p:sp>
+        <p:nvSpPr>
+          <p:cNvPr id="4" name="TextBox 3">
+            <a:extLst>
+              <a:ext uri="{FF2B5EF4-FFF2-40B4-BE49-F238E27FC236}">
+                <a16:creationId xmlns:a16="http://schemas.microsoft.com/office/drawing/2014/main" id="{46977B06-C0E5-4497-9C58-E13516881B5C}"/>
+              </a:ext>
+            </a:extLst>
+          </p:cNvPr>
+          <p:cNvSpPr txBox="1"/>
           <p:nvPr/>
-        </p:nvPicPr>
-        <p:blipFill>
-          <a:blip r:embed="rId2"/>
-          <a:stretch>
-            <a:fillRect/>
-          </a:stretch>
-        </p:blipFill>
+        </p:nvSpPr>
         <p:spPr>
           <a:xfrm>
-            <a:off x="980604" y="3561501"/>
-            <a:ext cx="10398596" cy="2549433"/>
+            <a:off x="5922512" y="1886138"/>
+            <a:ext cx="2746389" cy="584775"/>
           </a:xfrm>
           <a:prstGeom prst="rect">
             <a:avLst/>
           </a:prstGeom>
-        </p:spPr>
-      </p:pic>
+          <a:noFill/>
+        </p:spPr>
+        <p:txBody>
+          <a:bodyPr wrap="square" rtlCol="0">
+            <a:spAutoFit/>
+          </a:bodyPr>
+          <a:lstStyle/>
+          <a:p>
+            <a:pPr>
+              <a:spcAft>
+                <a:spcPts val="600"/>
+              </a:spcAft>
+            </a:pPr>
+            <a:r>
+              <a:rPr lang="en-US" sz="1600">
+                <a:ea typeface="Verdana" pitchFamily="34" charset="0"/>
+                <a:cs typeface="Verdana" pitchFamily="34" charset="0"/>
+              </a:rPr>
+              <a:t>Each element must match the datatype of the array </a:t>
+            </a:r>
+          </a:p>
+        </p:txBody>
+      </p:sp>
+      <p:sp>
+        <p:nvSpPr>
+          <p:cNvPr id="5" name="TextBox 4">
+            <a:extLst>
+              <a:ext uri="{FF2B5EF4-FFF2-40B4-BE49-F238E27FC236}">
+                <a16:creationId xmlns:a16="http://schemas.microsoft.com/office/drawing/2014/main" id="{980D9363-DF22-45C5-9455-95598338DF2F}"/>
+              </a:ext>
+            </a:extLst>
+          </p:cNvPr>
+          <p:cNvSpPr txBox="1"/>
+          <p:nvPr/>
+        </p:nvSpPr>
+        <p:spPr>
+          <a:xfrm>
+            <a:off x="7389687" y="5224502"/>
+            <a:ext cx="2317542" cy="338554"/>
+          </a:xfrm>
+          <a:prstGeom prst="rect">
+            <a:avLst/>
+          </a:prstGeom>
+          <a:noFill/>
+        </p:spPr>
+        <p:txBody>
+          <a:bodyPr wrap="square" rtlCol="0">
+            <a:spAutoFit/>
+          </a:bodyPr>
+          <a:lstStyle/>
+          <a:p>
+            <a:pPr>
+              <a:spcAft>
+                <a:spcPts val="600"/>
+              </a:spcAft>
+            </a:pPr>
+            <a:r>
+              <a:rPr lang="en-US" sz="1600">
+                <a:ea typeface="Verdana" pitchFamily="34" charset="0"/>
+                <a:cs typeface="Verdana" pitchFamily="34" charset="0"/>
+              </a:rPr>
+              <a:t>Profiled Observations</a:t>
+            </a:r>
+          </a:p>
+        </p:txBody>
+      </p:sp>
+      <p:cxnSp>
+        <p:nvCxnSpPr>
+          <p:cNvPr id="7" name="Straight Arrow Connector 6">
+            <a:extLst>
+              <a:ext uri="{FF2B5EF4-FFF2-40B4-BE49-F238E27FC236}">
+                <a16:creationId xmlns:a16="http://schemas.microsoft.com/office/drawing/2014/main" id="{6FC3852E-E50E-47F7-B263-EC322FE58AD8}"/>
+              </a:ext>
+            </a:extLst>
+          </p:cNvPr>
+          <p:cNvCxnSpPr>
+            <a:stCxn id="5" idx="1"/>
+          </p:cNvCxnSpPr>
+          <p:nvPr/>
+        </p:nvCxnSpPr>
+        <p:spPr>
+          <a:xfrm flipH="1" flipV="1">
+            <a:off x="6191397" y="5141838"/>
+            <a:ext cx="1198290" cy="251941"/>
+          </a:xfrm>
+          <a:prstGeom prst="straightConnector1">
+            <a:avLst/>
+          </a:prstGeom>
+          <a:ln>
+            <a:solidFill>
+              <a:schemeClr val="tx1"/>
+            </a:solidFill>
+            <a:tailEnd type="triangle"/>
+          </a:ln>
+        </p:spPr>
+        <p:style>
+          <a:lnRef idx="1">
+            <a:schemeClr val="accent1"/>
+          </a:lnRef>
+          <a:fillRef idx="0">
+            <a:schemeClr val="accent1"/>
+          </a:fillRef>
+          <a:effectRef idx="0">
+            <a:schemeClr val="accent1"/>
+          </a:effectRef>
+          <a:fontRef idx="minor">
+            <a:schemeClr val="tx1"/>
+          </a:fontRef>
+        </p:style>
+      </p:cxnSp>
+      <p:cxnSp>
+        <p:nvCxnSpPr>
+          <p:cNvPr id="8" name="Straight Arrow Connector 7">
+            <a:extLst>
+              <a:ext uri="{FF2B5EF4-FFF2-40B4-BE49-F238E27FC236}">
+                <a16:creationId xmlns:a16="http://schemas.microsoft.com/office/drawing/2014/main" id="{E755D517-D223-4C05-A6BD-EEAB480B283D}"/>
+              </a:ext>
+            </a:extLst>
+          </p:cNvPr>
+          <p:cNvCxnSpPr>
+            <a:cxnSpLocks/>
+            <a:stCxn id="5" idx="1"/>
+          </p:cNvCxnSpPr>
+          <p:nvPr/>
+        </p:nvCxnSpPr>
+        <p:spPr>
+          <a:xfrm flipH="1">
+            <a:off x="6191397" y="5393779"/>
+            <a:ext cx="1198290" cy="34867"/>
+          </a:xfrm>
+          <a:prstGeom prst="straightConnector1">
+            <a:avLst/>
+          </a:prstGeom>
+          <a:ln>
+            <a:solidFill>
+              <a:schemeClr val="tx1"/>
+            </a:solidFill>
+            <a:tailEnd type="triangle"/>
+          </a:ln>
+        </p:spPr>
+        <p:style>
+          <a:lnRef idx="1">
+            <a:schemeClr val="accent1"/>
+          </a:lnRef>
+          <a:fillRef idx="0">
+            <a:schemeClr val="accent1"/>
+          </a:fillRef>
+          <a:effectRef idx="0">
+            <a:schemeClr val="accent1"/>
+          </a:effectRef>
+          <a:fontRef idx="minor">
+            <a:schemeClr val="tx1"/>
+          </a:fontRef>
+        </p:style>
+      </p:cxnSp>
+      <p:cxnSp>
+        <p:nvCxnSpPr>
+          <p:cNvPr id="11" name="Straight Arrow Connector 10">
+            <a:extLst>
+              <a:ext uri="{FF2B5EF4-FFF2-40B4-BE49-F238E27FC236}">
+                <a16:creationId xmlns:a16="http://schemas.microsoft.com/office/drawing/2014/main" id="{72FDA082-A773-433E-A661-FC36B6EF3826}"/>
+              </a:ext>
+            </a:extLst>
+          </p:cNvPr>
+          <p:cNvCxnSpPr>
+            <a:cxnSpLocks/>
+            <a:stCxn id="5" idx="1"/>
+          </p:cNvCxnSpPr>
+          <p:nvPr/>
+        </p:nvCxnSpPr>
+        <p:spPr>
+          <a:xfrm flipH="1">
+            <a:off x="6283545" y="5393779"/>
+            <a:ext cx="1106142" cy="349105"/>
+          </a:xfrm>
+          <a:prstGeom prst="straightConnector1">
+            <a:avLst/>
+          </a:prstGeom>
+          <a:ln>
+            <a:solidFill>
+              <a:schemeClr val="tx1"/>
+            </a:solidFill>
+            <a:tailEnd type="triangle"/>
+          </a:ln>
+        </p:spPr>
+        <p:style>
+          <a:lnRef idx="1">
+            <a:schemeClr val="accent1"/>
+          </a:lnRef>
+          <a:fillRef idx="0">
+            <a:schemeClr val="accent1"/>
+          </a:fillRef>
+          <a:effectRef idx="0">
+            <a:schemeClr val="accent1"/>
+          </a:effectRef>
+          <a:fontRef idx="minor">
+            <a:schemeClr val="tx1"/>
+          </a:fontRef>
+        </p:style>
+      </p:cxnSp>
+      <p:sp>
+        <p:nvSpPr>
+          <p:cNvPr id="14" name="TextBox 13">
+            <a:extLst>
+              <a:ext uri="{FF2B5EF4-FFF2-40B4-BE49-F238E27FC236}">
+                <a16:creationId xmlns:a16="http://schemas.microsoft.com/office/drawing/2014/main" id="{B23CC3E7-B09F-42B6-8BBB-29913B87C11A}"/>
+              </a:ext>
+            </a:extLst>
+          </p:cNvPr>
+          <p:cNvSpPr txBox="1"/>
+          <p:nvPr/>
+        </p:nvSpPr>
+        <p:spPr>
+          <a:xfrm>
+            <a:off x="5514321" y="3465847"/>
+            <a:ext cx="1583895" cy="338554"/>
+          </a:xfrm>
+          <a:prstGeom prst="rect">
+            <a:avLst/>
+          </a:prstGeom>
+          <a:noFill/>
+        </p:spPr>
+        <p:txBody>
+          <a:bodyPr wrap="square" rtlCol="0">
+            <a:spAutoFit/>
+          </a:bodyPr>
+          <a:lstStyle/>
+          <a:p>
+            <a:pPr>
+              <a:spcAft>
+                <a:spcPts val="600"/>
+              </a:spcAft>
+            </a:pPr>
+            <a:r>
+              <a:rPr lang="en-US" sz="1600">
+                <a:ea typeface="Verdana" pitchFamily="34" charset="0"/>
+                <a:cs typeface="Verdana" pitchFamily="34" charset="0"/>
+              </a:rPr>
+              <a:t>components</a:t>
+            </a:r>
+          </a:p>
+        </p:txBody>
+      </p:sp>
+      <p:cxnSp>
+        <p:nvCxnSpPr>
+          <p:cNvPr id="15" name="Straight Arrow Connector 14">
+            <a:extLst>
+              <a:ext uri="{FF2B5EF4-FFF2-40B4-BE49-F238E27FC236}">
+                <a16:creationId xmlns:a16="http://schemas.microsoft.com/office/drawing/2014/main" id="{289D49AD-67FB-49CB-B92F-E58C0EBE5819}"/>
+              </a:ext>
+            </a:extLst>
+          </p:cNvPr>
+          <p:cNvCxnSpPr>
+            <a:cxnSpLocks/>
+            <a:stCxn id="14" idx="1"/>
+          </p:cNvCxnSpPr>
+          <p:nvPr/>
+        </p:nvCxnSpPr>
+        <p:spPr>
+          <a:xfrm flipH="1" flipV="1">
+            <a:off x="4677537" y="3552460"/>
+            <a:ext cx="836784" cy="82664"/>
+          </a:xfrm>
+          <a:prstGeom prst="straightConnector1">
+            <a:avLst/>
+          </a:prstGeom>
+          <a:ln>
+            <a:solidFill>
+              <a:schemeClr val="tx1"/>
+            </a:solidFill>
+            <a:tailEnd type="triangle"/>
+          </a:ln>
+        </p:spPr>
+        <p:style>
+          <a:lnRef idx="1">
+            <a:schemeClr val="accent1"/>
+          </a:lnRef>
+          <a:fillRef idx="0">
+            <a:schemeClr val="accent1"/>
+          </a:fillRef>
+          <a:effectRef idx="0">
+            <a:schemeClr val="accent1"/>
+          </a:effectRef>
+          <a:fontRef idx="minor">
+            <a:schemeClr val="tx1"/>
+          </a:fontRef>
+        </p:style>
+      </p:cxnSp>
+      <p:cxnSp>
+        <p:nvCxnSpPr>
+          <p:cNvPr id="17" name="Straight Arrow Connector 16">
+            <a:extLst>
+              <a:ext uri="{FF2B5EF4-FFF2-40B4-BE49-F238E27FC236}">
+                <a16:creationId xmlns:a16="http://schemas.microsoft.com/office/drawing/2014/main" id="{8A61BD16-B38F-4B47-BD67-AEC55A5B23CB}"/>
+              </a:ext>
+            </a:extLst>
+          </p:cNvPr>
+          <p:cNvCxnSpPr>
+            <a:cxnSpLocks/>
+            <a:stCxn id="14" idx="1"/>
+          </p:cNvCxnSpPr>
+          <p:nvPr/>
+        </p:nvCxnSpPr>
+        <p:spPr>
+          <a:xfrm flipH="1">
+            <a:off x="4737788" y="3635124"/>
+            <a:ext cx="776533" cy="255890"/>
+          </a:xfrm>
+          <a:prstGeom prst="straightConnector1">
+            <a:avLst/>
+          </a:prstGeom>
+          <a:ln>
+            <a:solidFill>
+              <a:schemeClr val="tx1"/>
+            </a:solidFill>
+            <a:tailEnd type="triangle"/>
+          </a:ln>
+        </p:spPr>
+        <p:style>
+          <a:lnRef idx="1">
+            <a:schemeClr val="accent1"/>
+          </a:lnRef>
+          <a:fillRef idx="0">
+            <a:schemeClr val="accent1"/>
+          </a:fillRef>
+          <a:effectRef idx="0">
+            <a:schemeClr val="accent1"/>
+          </a:effectRef>
+          <a:fontRef idx="minor">
+            <a:schemeClr val="tx1"/>
+          </a:fontRef>
+        </p:style>
+      </p:cxnSp>
     </p:spTree>
     <p:extLst>
       <p:ext uri="{BB962C8B-B14F-4D97-AF65-F5344CB8AC3E}">
-        <p14:creationId xmlns:p14="http://schemas.microsoft.com/office/powerpoint/2010/main" val="2232465271"/>
+        <p14:creationId xmlns:p14="http://schemas.microsoft.com/office/powerpoint/2010/main" val="1183276380"/>
       </p:ext>
     </p:extLst>
   </p:cSld>
@@ -8119,7 +9149,7 @@
           <p:cNvPr id="2" name="Title 1">
             <a:extLst>
               <a:ext uri="{FF2B5EF4-FFF2-40B4-BE49-F238E27FC236}">
-                <a16:creationId xmlns:a16="http://schemas.microsoft.com/office/drawing/2014/main" id="{91798FB6-0D71-4433-852A-9DBED084AE90}"/>
+                <a16:creationId xmlns:a16="http://schemas.microsoft.com/office/drawing/2014/main" id="{6AB68645-EA0D-4F0E-8E1E-9937ADEB7798}"/>
               </a:ext>
             </a:extLst>
           </p:cNvPr>
@@ -8136,18 +9166,81 @@
           <a:lstStyle/>
           <a:p>
             <a:r>
+              <a:rPr lang="en-US" dirty="0"/>
+              <a:t>Slicing Step 3: Define Properties of Each Slice </a:t>
+            </a:r>
+          </a:p>
+        </p:txBody>
+      </p:sp>
+      <p:sp>
+        <p:nvSpPr>
+          <p:cNvPr id="3" name="Content Placeholder 2">
+            <a:extLst>
+              <a:ext uri="{FF2B5EF4-FFF2-40B4-BE49-F238E27FC236}">
+                <a16:creationId xmlns:a16="http://schemas.microsoft.com/office/drawing/2014/main" id="{0701B2D1-1966-4BF1-A17C-F342A2C7BFA7}"/>
+              </a:ext>
+            </a:extLst>
+          </p:cNvPr>
+          <p:cNvSpPr>
+            <a:spLocks noGrp="1"/>
+          </p:cNvSpPr>
+          <p:nvPr>
+            <p:ph idx="1"/>
+          </p:nvPr>
+        </p:nvSpPr>
+        <p:spPr/>
+        <p:txBody>
+          <a:bodyPr/>
+          <a:lstStyle/>
+          <a:p>
+            <a:r>
               <a:rPr lang="en-US"/>
-              <a:t>More Complex Instance Example</a:t>
+              <a:t>If the array type is resource reference(s), then the slices are defined either in an existing resource profile, or any one you define in your project (similar to "stand-alone" extensions)</a:t>
+            </a:r>
+          </a:p>
+          <a:p>
+            <a:r>
+              <a:rPr lang="en-US"/>
+              <a:t>Slices are only defined in-line</a:t>
             </a:r>
           </a:p>
         </p:txBody>
       </p:sp>
       <p:pic>
         <p:nvPicPr>
-          <p:cNvPr id="3" name="Picture 2">
-            <a:extLst>
-              <a:ext uri="{FF2B5EF4-FFF2-40B4-BE49-F238E27FC236}">
-                <a16:creationId xmlns:a16="http://schemas.microsoft.com/office/drawing/2014/main" id="{83E3E8FE-E6EF-4D49-9F52-FEE9E751A395}"/>
+          <p:cNvPr id="4" name="Picture 3">
+            <a:extLst>
+              <a:ext uri="{FF2B5EF4-FFF2-40B4-BE49-F238E27FC236}">
+                <a16:creationId xmlns:a16="http://schemas.microsoft.com/office/drawing/2014/main" id="{B34BC739-5CB0-46C6-94BF-A6261AE7F731}"/>
+              </a:ext>
+            </a:extLst>
+          </p:cNvPr>
+          <p:cNvPicPr>
+            <a:picLocks noChangeAspect="1"/>
+          </p:cNvPicPr>
+          <p:nvPr/>
+        </p:nvPicPr>
+        <p:blipFill rotWithShape="1">
+          <a:blip r:embed="rId2"/>
+          <a:srcRect t="1654"/>
+          <a:stretch/>
+        </p:blipFill>
+        <p:spPr>
+          <a:xfrm>
+            <a:off x="8213166" y="3094739"/>
+            <a:ext cx="3459249" cy="3315586"/>
+          </a:xfrm>
+          <a:prstGeom prst="rect">
+            <a:avLst/>
+          </a:prstGeom>
+        </p:spPr>
+      </p:pic>
+      <p:pic>
+        <p:nvPicPr>
+          <p:cNvPr id="8" name="Picture 7">
+            <a:extLst>
+              <a:ext uri="{FF2B5EF4-FFF2-40B4-BE49-F238E27FC236}">
+                <a16:creationId xmlns:a16="http://schemas.microsoft.com/office/drawing/2014/main" id="{5CFF3AE6-C75B-42BE-AD7A-83858AE9E9C1}"/>
               </a:ext>
             </a:extLst>
           </p:cNvPr>
@@ -8157,15 +9250,15 @@
           <p:nvPr/>
         </p:nvPicPr>
         <p:blipFill>
-          <a:blip r:embed="rId2"/>
+          <a:blip r:embed="rId3"/>
           <a:stretch>
             <a:fillRect/>
           </a:stretch>
         </p:blipFill>
         <p:spPr>
           <a:xfrm>
-            <a:off x="748784" y="1363025"/>
-            <a:ext cx="10610973" cy="4782857"/>
+            <a:off x="1068352" y="2881567"/>
+            <a:ext cx="6609817" cy="3783367"/>
           </a:xfrm>
           <a:prstGeom prst="rect">
             <a:avLst/>
@@ -8175,7 +9268,7 @@
     </p:spTree>
     <p:extLst>
       <p:ext uri="{BB962C8B-B14F-4D97-AF65-F5344CB8AC3E}">
-        <p14:creationId xmlns:p14="http://schemas.microsoft.com/office/powerpoint/2010/main" val="3734479629"/>
+        <p14:creationId xmlns:p14="http://schemas.microsoft.com/office/powerpoint/2010/main" val="1772353564"/>
       </p:ext>
     </p:extLst>
   </p:cSld>
@@ -8204,10 +9297,10 @@
       </p:grpSpPr>
       <p:sp>
         <p:nvSpPr>
-          <p:cNvPr id="2" name="Title 1">
-            <a:extLst>
-              <a:ext uri="{FF2B5EF4-FFF2-40B4-BE49-F238E27FC236}">
-                <a16:creationId xmlns:a16="http://schemas.microsoft.com/office/drawing/2014/main" id="{E51AEA4C-4917-472A-B616-7776F134A829}"/>
+          <p:cNvPr id="3" name="Text Placeholder 2">
+            <a:extLst>
+              <a:ext uri="{FF2B5EF4-FFF2-40B4-BE49-F238E27FC236}">
+                <a16:creationId xmlns:a16="http://schemas.microsoft.com/office/drawing/2014/main" id="{CF58CFD3-440A-4FC2-868A-7126C5B45B98}"/>
               </a:ext>
             </a:extLst>
           </p:cNvPr>
@@ -8215,181 +9308,30 @@
             <a:spLocks noGrp="1"/>
           </p:cNvSpPr>
           <p:nvPr>
-            <p:ph type="title"/>
+            <p:ph type="body" sz="quarter" idx="10"/>
           </p:nvPr>
         </p:nvSpPr>
-        <p:spPr/>
+        <p:spPr>
+          <a:xfrm>
+            <a:off x="1217880" y="2929765"/>
+            <a:ext cx="9434416" cy="1341546"/>
+          </a:xfrm>
+        </p:spPr>
         <p:txBody>
           <a:bodyPr/>
           <a:lstStyle/>
           <a:p>
             <a:r>
               <a:rPr lang="en-US"/>
-              <a:t>Assignment Statements in Profiles versus Instances</a:t>
+              <a:t>Defining Instances in FSH</a:t>
             </a:r>
           </a:p>
         </p:txBody>
       </p:sp>
-      <p:sp>
-        <p:nvSpPr>
-          <p:cNvPr id="7" name="Content Placeholder 6">
-            <a:extLst>
-              <a:ext uri="{FF2B5EF4-FFF2-40B4-BE49-F238E27FC236}">
-                <a16:creationId xmlns:a16="http://schemas.microsoft.com/office/drawing/2014/main" id="{8DB5B9C8-E009-46C9-8C93-18BB58D7C22B}"/>
-              </a:ext>
-            </a:extLst>
-          </p:cNvPr>
-          <p:cNvSpPr>
-            <a:spLocks noGrp="1"/>
-          </p:cNvSpPr>
-          <p:nvPr>
-            <p:ph idx="1"/>
-          </p:nvPr>
-        </p:nvSpPr>
-        <p:spPr/>
-        <p:txBody>
-          <a:bodyPr>
-            <a:normAutofit lnSpcReduction="10000"/>
-          </a:bodyPr>
-          <a:lstStyle/>
-          <a:p>
-            <a:r>
-              <a:rPr lang="en-US" b="0"/>
-              <a:t>In profiles and extensions, values represent the </a:t>
-            </a:r>
-            <a:r>
-              <a:rPr lang="en-US"/>
-              <a:t>minimum criteria</a:t>
-            </a:r>
-            <a:r>
-              <a:rPr lang="en-US" b="0"/>
-              <a:t> for conformance</a:t>
-            </a:r>
-          </a:p>
-          <a:p>
-            <a:endParaRPr lang="en-US" b="0"/>
-          </a:p>
-          <a:p>
-            <a:endParaRPr lang="en-US" b="0"/>
-          </a:p>
-          <a:p>
-            <a:endParaRPr lang="en-US" b="0"/>
-          </a:p>
-          <a:p>
-            <a:endParaRPr lang="en-US" b="0"/>
-          </a:p>
-          <a:p>
-            <a:endParaRPr lang="en-US" b="0"/>
-          </a:p>
-          <a:p>
-            <a:r>
-              <a:rPr lang="en-US" b="0"/>
-              <a:t>In the context of a </a:t>
-            </a:r>
-            <a:r>
-              <a:rPr lang="en-US"/>
-              <a:t>profile</a:t>
-            </a:r>
-            <a:r>
-              <a:rPr lang="en-US" b="0"/>
-              <a:t>, the first statement signifies an instance must have (1) the system http://loinc.org and (2) the code 69548-6 to pass validation. </a:t>
-            </a:r>
-          </a:p>
-          <a:p>
-            <a:r>
-              <a:rPr lang="en-US" b="0"/>
-              <a:t>The second statement says that an instance must have (1) the system http://loinc.org, (2) the code 69548-6, </a:t>
-            </a:r>
-            <a:r>
-              <a:rPr lang="en-US"/>
-              <a:t>and (3)</a:t>
-            </a:r>
-            <a:r>
-              <a:rPr lang="en-US" b="0"/>
-              <a:t> the display text “Genetic variant assessment” to pass validation.</a:t>
-            </a:r>
-          </a:p>
-          <a:p>
-            <a:pPr marL="0" indent="0">
-              <a:buNone/>
-            </a:pPr>
-            <a:endParaRPr lang="en-US" b="0"/>
-          </a:p>
-          <a:p>
-            <a:pPr marL="0" indent="0">
-              <a:buNone/>
-            </a:pPr>
-            <a:r>
-              <a:rPr lang="en-US" b="0"/>
-              <a:t>Typically, only the system and code are important conformance criteria, so </a:t>
-            </a:r>
-            <a:r>
-              <a:rPr lang="en-US" b="0">
-                <a:highlight>
-                  <a:srgbClr val="FFFF00"/>
-                </a:highlight>
-              </a:rPr>
-              <a:t>the first statement (without the display text) is preferred in a profiling context.</a:t>
-            </a:r>
-            <a:r>
-              <a:rPr lang="en-US" b="0"/>
-              <a:t> </a:t>
-            </a:r>
-          </a:p>
-          <a:p>
-            <a:pPr marL="0" indent="0">
-              <a:buNone/>
-            </a:pPr>
-            <a:r>
-              <a:rPr lang="en-US" b="0"/>
-              <a:t>In an </a:t>
-            </a:r>
-            <a:r>
-              <a:rPr lang="en-US"/>
-              <a:t>instance</a:t>
-            </a:r>
-            <a:r>
-              <a:rPr lang="en-US" b="0"/>
-              <a:t>, however, the display text conveys additional information useful to the information receiver, so the second statement would be preferred.</a:t>
-            </a:r>
-            <a:endParaRPr lang="en-US"/>
-          </a:p>
-        </p:txBody>
-      </p:sp>
-      <p:pic>
-        <p:nvPicPr>
-          <p:cNvPr id="8" name="Picture 7">
-            <a:extLst>
-              <a:ext uri="{FF2B5EF4-FFF2-40B4-BE49-F238E27FC236}">
-                <a16:creationId xmlns:a16="http://schemas.microsoft.com/office/drawing/2014/main" id="{C05AB312-2DB5-473E-BFCD-BCF1D8297A6D}"/>
-              </a:ext>
-            </a:extLst>
-          </p:cNvPr>
-          <p:cNvPicPr>
-            <a:picLocks noChangeAspect="1"/>
-          </p:cNvPicPr>
-          <p:nvPr/>
-        </p:nvPicPr>
-        <p:blipFill>
-          <a:blip r:embed="rId2"/>
-          <a:stretch>
-            <a:fillRect/>
-          </a:stretch>
-        </p:blipFill>
-        <p:spPr>
-          <a:xfrm>
-            <a:off x="2215119" y="1810441"/>
-            <a:ext cx="6879264" cy="1497905"/>
-          </a:xfrm>
-          <a:prstGeom prst="rect">
-            <a:avLst/>
-          </a:prstGeom>
-        </p:spPr>
-      </p:pic>
     </p:spTree>
     <p:extLst>
       <p:ext uri="{BB962C8B-B14F-4D97-AF65-F5344CB8AC3E}">
-        <p14:creationId xmlns:p14="http://schemas.microsoft.com/office/powerpoint/2010/main" val="831481998"/>
+        <p14:creationId xmlns:p14="http://schemas.microsoft.com/office/powerpoint/2010/main" val="3038706319"/>
       </p:ext>
     </p:extLst>
   </p:cSld>
@@ -8418,10 +9360,10 @@
       </p:grpSpPr>
       <p:sp>
         <p:nvSpPr>
-          <p:cNvPr id="2" name="Title 1">
-            <a:extLst>
-              <a:ext uri="{FF2B5EF4-FFF2-40B4-BE49-F238E27FC236}">
-                <a16:creationId xmlns:a16="http://schemas.microsoft.com/office/drawing/2014/main" id="{B61ACAEC-B149-49E4-BD2A-AB64BB89792B}"/>
+          <p:cNvPr id="3" name="Title 2">
+            <a:extLst>
+              <a:ext uri="{FF2B5EF4-FFF2-40B4-BE49-F238E27FC236}">
+                <a16:creationId xmlns:a16="http://schemas.microsoft.com/office/drawing/2014/main" id="{32AF7E6E-A62F-4DE1-96FB-DA7505F18636}"/>
               </a:ext>
             </a:extLst>
           </p:cNvPr>
@@ -8439,17 +9381,17 @@
           <a:p>
             <a:r>
               <a:rPr lang="en-US"/>
-              <a:t>Forcing an Exact Match (Profiles and Extensions)</a:t>
+              <a:t>Instances in IGs</a:t>
             </a:r>
           </a:p>
         </p:txBody>
       </p:sp>
       <p:sp>
         <p:nvSpPr>
-          <p:cNvPr id="3" name="Content Placeholder 2">
-            <a:extLst>
-              <a:ext uri="{FF2B5EF4-FFF2-40B4-BE49-F238E27FC236}">
-                <a16:creationId xmlns:a16="http://schemas.microsoft.com/office/drawing/2014/main" id="{B033C8AA-BFAD-4307-9C5B-B93AB1F8A69A}"/>
+          <p:cNvPr id="4" name="Content Placeholder 3">
+            <a:extLst>
+              <a:ext uri="{FF2B5EF4-FFF2-40B4-BE49-F238E27FC236}">
+                <a16:creationId xmlns:a16="http://schemas.microsoft.com/office/drawing/2014/main" id="{EC9996FF-5A76-457E-8FAC-8BDD09D68F38}"/>
               </a:ext>
             </a:extLst>
           </p:cNvPr>
@@ -8465,31 +9407,32 @@
           <a:bodyPr/>
           <a:lstStyle/>
           <a:p>
-            <a:pPr marL="0" indent="0">
-              <a:buNone/>
-            </a:pPr>
+            <a:r>
+              <a:rPr lang="en-US" b="1"/>
+              <a:t>Examples</a:t>
+            </a:r>
+          </a:p>
+          <a:p>
+            <a:pPr lvl="1"/>
             <a:r>
               <a:rPr lang="en-US"/>
-              <a:t>* {path} = {value}  (exactly)</a:t>
-            </a:r>
-          </a:p>
-          <a:p>
-            <a:pPr marL="0" indent="0">
-              <a:buNone/>
-            </a:pPr>
+              <a:t>Instances that illustrate how to use a profile, presented on the Examples tab for the corresponding profile. You must have at least one example of each profile and extension in the IG.</a:t>
+            </a:r>
+          </a:p>
+          <a:p>
             <a:endParaRPr lang="en-US"/>
           </a:p>
           <a:p>
             <a:r>
+              <a:rPr lang="en-US" b="1"/>
+              <a:t>Definitions</a:t>
+            </a:r>
+          </a:p>
+          <a:p>
+            <a:pPr lvl="1"/>
+            <a:r>
               <a:rPr lang="en-US"/>
-              <a:t>"(exactly)" indicates conformance to the profile requires a precise match to the specification, no more or less</a:t>
-            </a:r>
-          </a:p>
-          <a:p>
-            <a:pPr lvl="1"/>
-            <a:r>
-              <a:rPr lang="en-US"/>
-              <a:t>NO additional extensions, array elements, codings in CodeableConcept, etc.</a:t>
+              <a:t>Conformance items that are instances of resources such as search parameter, operation definition, or questionnaire</a:t>
             </a:r>
           </a:p>
           <a:p>
@@ -8498,20 +9441,21 @@
           </a:p>
           <a:p>
             <a:r>
+              <a:rPr lang="en-US" b="1"/>
+              <a:t>Inline</a:t>
+            </a:r>
+          </a:p>
+          <a:p>
+            <a:pPr lvl="1"/>
+            <a:r>
               <a:rPr lang="en-US"/>
-              <a:t>Without "(exactly)" any instance that fulfills the pattern is valid -- i.e., no less but possibly more</a:t>
-            </a:r>
-          </a:p>
-          <a:p>
-            <a:pPr marL="0" indent="0">
-              <a:buNone/>
-            </a:pPr>
+              <a:t>Instances that should not be instantiated as an independent resource, but appears as part of another instance (for example, in a composition or bundle)</a:t>
+            </a:r>
+          </a:p>
+          <a:p>
             <a:endParaRPr lang="en-US"/>
           </a:p>
           <a:p>
-            <a:pPr marL="0" indent="0">
-              <a:buNone/>
-            </a:pPr>
             <a:endParaRPr lang="en-US"/>
           </a:p>
         </p:txBody>
@@ -8519,7 +9463,7 @@
     </p:spTree>
     <p:extLst>
       <p:ext uri="{BB962C8B-B14F-4D97-AF65-F5344CB8AC3E}">
-        <p14:creationId xmlns:p14="http://schemas.microsoft.com/office/powerpoint/2010/main" val="2149452965"/>
+        <p14:creationId xmlns:p14="http://schemas.microsoft.com/office/powerpoint/2010/main" val="510615722"/>
       </p:ext>
     </p:extLst>
   </p:cSld>
@@ -8548,10 +9492,10 @@
       </p:grpSpPr>
       <p:sp>
         <p:nvSpPr>
-          <p:cNvPr id="2" name="Text Placeholder 1">
-            <a:extLst>
-              <a:ext uri="{FF2B5EF4-FFF2-40B4-BE49-F238E27FC236}">
-                <a16:creationId xmlns:a16="http://schemas.microsoft.com/office/drawing/2014/main" id="{8AD2FBE2-D46A-49AC-9F7B-F4937410C8B2}"/>
+          <p:cNvPr id="2" name="Title 1">
+            <a:extLst>
+              <a:ext uri="{FF2B5EF4-FFF2-40B4-BE49-F238E27FC236}">
+                <a16:creationId xmlns:a16="http://schemas.microsoft.com/office/drawing/2014/main" id="{4DD7D114-638C-4DF1-8A9F-199564837158}"/>
               </a:ext>
             </a:extLst>
           </p:cNvPr>
@@ -8559,30 +9503,138 @@
             <a:spLocks noGrp="1"/>
           </p:cNvSpPr>
           <p:nvPr>
-            <p:ph type="body" sz="quarter" idx="10"/>
+            <p:ph type="title"/>
           </p:nvPr>
         </p:nvSpPr>
-        <p:spPr>
-          <a:xfrm>
-            <a:off x="1979084" y="2770094"/>
-            <a:ext cx="8280400" cy="1382806"/>
-          </a:xfrm>
-        </p:spPr>
+        <p:spPr/>
         <p:txBody>
           <a:bodyPr/>
           <a:lstStyle/>
           <a:p>
             <a:r>
               <a:rPr lang="en-US"/>
-              <a:t>Additional Rules </a:t>
+              <a:t>Defining Instances in FSH</a:t>
             </a:r>
           </a:p>
         </p:txBody>
       </p:sp>
+      <p:sp>
+        <p:nvSpPr>
+          <p:cNvPr id="3" name="Content Placeholder 2">
+            <a:extLst>
+              <a:ext uri="{FF2B5EF4-FFF2-40B4-BE49-F238E27FC236}">
+                <a16:creationId xmlns:a16="http://schemas.microsoft.com/office/drawing/2014/main" id="{F629A87A-18AD-4400-8DFA-36495B43B3A3}"/>
+              </a:ext>
+            </a:extLst>
+          </p:cNvPr>
+          <p:cNvSpPr>
+            <a:spLocks noGrp="1"/>
+          </p:cNvSpPr>
+          <p:nvPr>
+            <p:ph idx="1"/>
+          </p:nvPr>
+        </p:nvSpPr>
+        <p:spPr/>
+        <p:txBody>
+          <a:bodyPr/>
+          <a:lstStyle/>
+          <a:p>
+            <a:r>
+              <a:rPr lang="en-US" dirty="0"/>
+              <a:t>Instances are defined in FSH using the "Instance" keyword</a:t>
+            </a:r>
+          </a:p>
+          <a:p>
+            <a:r>
+              <a:rPr lang="en-US" dirty="0"/>
+              <a:t>"</a:t>
+            </a:r>
+            <a:r>
+              <a:rPr lang="en-US" dirty="0" err="1"/>
+              <a:t>InstanceOf</a:t>
+            </a:r>
+            <a:r>
+              <a:rPr lang="en-US" dirty="0"/>
+              <a:t>" instead of "Parent"</a:t>
+            </a:r>
+          </a:p>
+          <a:p>
+            <a:r>
+              <a:rPr lang="en-US" dirty="0"/>
+              <a:t>All structures and values are inherited from the </a:t>
+            </a:r>
+            <a:r>
+              <a:rPr lang="en-US" dirty="0" err="1"/>
+              <a:t>StructureDefinition</a:t>
+            </a:r>
+            <a:r>
+              <a:rPr lang="en-US" dirty="0"/>
+              <a:t> (i.e. fixed codes, extension </a:t>
+            </a:r>
+            <a:r>
+              <a:rPr lang="en-US" dirty="0" err="1"/>
+              <a:t>urls</a:t>
+            </a:r>
+            <a:r>
+              <a:rPr lang="en-US" dirty="0"/>
+              <a:t>) -- don't have to be repeated</a:t>
+            </a:r>
+          </a:p>
+          <a:p>
+            <a:r>
+              <a:rPr lang="en-US" dirty="0"/>
+              <a:t>Instances only have fixed value rules, because instances have specific values</a:t>
+            </a:r>
+          </a:p>
+          <a:p>
+            <a:endParaRPr lang="en-US" dirty="0"/>
+          </a:p>
+          <a:p>
+            <a:endParaRPr lang="en-US" dirty="0"/>
+          </a:p>
+          <a:p>
+            <a:endParaRPr lang="en-US" dirty="0"/>
+          </a:p>
+          <a:p>
+            <a:pPr lvl="1"/>
+            <a:endParaRPr lang="en-US" dirty="0"/>
+          </a:p>
+        </p:txBody>
+      </p:sp>
+      <p:pic>
+        <p:nvPicPr>
+          <p:cNvPr id="7" name="Picture 6">
+            <a:extLst>
+              <a:ext uri="{FF2B5EF4-FFF2-40B4-BE49-F238E27FC236}">
+                <a16:creationId xmlns:a16="http://schemas.microsoft.com/office/drawing/2014/main" id="{8405465F-9E8B-48CD-90DA-2936A064C234}"/>
+              </a:ext>
+            </a:extLst>
+          </p:cNvPr>
+          <p:cNvPicPr>
+            <a:picLocks noChangeAspect="1"/>
+          </p:cNvPicPr>
+          <p:nvPr/>
+        </p:nvPicPr>
+        <p:blipFill>
+          <a:blip r:embed="rId2"/>
+          <a:stretch>
+            <a:fillRect/>
+          </a:stretch>
+        </p:blipFill>
+        <p:spPr>
+          <a:xfrm>
+            <a:off x="980604" y="3561501"/>
+            <a:ext cx="10398596" cy="2549433"/>
+          </a:xfrm>
+          <a:prstGeom prst="rect">
+            <a:avLst/>
+          </a:prstGeom>
+        </p:spPr>
+      </p:pic>
     </p:spTree>
     <p:extLst>
       <p:ext uri="{BB962C8B-B14F-4D97-AF65-F5344CB8AC3E}">
-        <p14:creationId xmlns:p14="http://schemas.microsoft.com/office/powerpoint/2010/main" val="4063777258"/>
+        <p14:creationId xmlns:p14="http://schemas.microsoft.com/office/powerpoint/2010/main" val="2232465271"/>
       </p:ext>
     </p:extLst>
   </p:cSld>
@@ -8677,6 +9729,501 @@
           <p:cNvPr id="2" name="Title 1">
             <a:extLst>
               <a:ext uri="{FF2B5EF4-FFF2-40B4-BE49-F238E27FC236}">
+                <a16:creationId xmlns:a16="http://schemas.microsoft.com/office/drawing/2014/main" id="{91798FB6-0D71-4433-852A-9DBED084AE90}"/>
+              </a:ext>
+            </a:extLst>
+          </p:cNvPr>
+          <p:cNvSpPr>
+            <a:spLocks noGrp="1"/>
+          </p:cNvSpPr>
+          <p:nvPr>
+            <p:ph type="title"/>
+          </p:nvPr>
+        </p:nvSpPr>
+        <p:spPr/>
+        <p:txBody>
+          <a:bodyPr/>
+          <a:lstStyle/>
+          <a:p>
+            <a:r>
+              <a:rPr lang="en-US"/>
+              <a:t>More Complex Instance Example</a:t>
+            </a:r>
+          </a:p>
+        </p:txBody>
+      </p:sp>
+      <p:pic>
+        <p:nvPicPr>
+          <p:cNvPr id="3" name="Picture 2">
+            <a:extLst>
+              <a:ext uri="{FF2B5EF4-FFF2-40B4-BE49-F238E27FC236}">
+                <a16:creationId xmlns:a16="http://schemas.microsoft.com/office/drawing/2014/main" id="{83E3E8FE-E6EF-4D49-9F52-FEE9E751A395}"/>
+              </a:ext>
+            </a:extLst>
+          </p:cNvPr>
+          <p:cNvPicPr>
+            <a:picLocks noChangeAspect="1"/>
+          </p:cNvPicPr>
+          <p:nvPr/>
+        </p:nvPicPr>
+        <p:blipFill>
+          <a:blip r:embed="rId2"/>
+          <a:stretch>
+            <a:fillRect/>
+          </a:stretch>
+        </p:blipFill>
+        <p:spPr>
+          <a:xfrm>
+            <a:off x="748784" y="1363025"/>
+            <a:ext cx="10610973" cy="4782857"/>
+          </a:xfrm>
+          <a:prstGeom prst="rect">
+            <a:avLst/>
+          </a:prstGeom>
+        </p:spPr>
+      </p:pic>
+    </p:spTree>
+    <p:extLst>
+      <p:ext uri="{BB962C8B-B14F-4D97-AF65-F5344CB8AC3E}">
+        <p14:creationId xmlns:p14="http://schemas.microsoft.com/office/powerpoint/2010/main" val="3734479629"/>
+      </p:ext>
+    </p:extLst>
+  </p:cSld>
+  <p:clrMapOvr>
+    <a:masterClrMapping/>
+  </p:clrMapOvr>
+</p:sld>
+</file>
+
+<file path=ppt/slides/slide31.xml><?xml version="1.0" encoding="utf-8"?>
+<p:sld xmlns:a="http://schemas.openxmlformats.org/drawingml/2006/main" xmlns:r="http://schemas.openxmlformats.org/officeDocument/2006/relationships" xmlns:p="http://schemas.openxmlformats.org/presentationml/2006/main">
+  <p:cSld>
+    <p:spTree>
+      <p:nvGrpSpPr>
+        <p:cNvPr id="1" name=""/>
+        <p:cNvGrpSpPr/>
+        <p:nvPr/>
+      </p:nvGrpSpPr>
+      <p:grpSpPr>
+        <a:xfrm>
+          <a:off x="0" y="0"/>
+          <a:ext cx="0" cy="0"/>
+          <a:chOff x="0" y="0"/>
+          <a:chExt cx="0" cy="0"/>
+        </a:xfrm>
+      </p:grpSpPr>
+      <p:sp>
+        <p:nvSpPr>
+          <p:cNvPr id="2" name="Title 1">
+            <a:extLst>
+              <a:ext uri="{FF2B5EF4-FFF2-40B4-BE49-F238E27FC236}">
+                <a16:creationId xmlns:a16="http://schemas.microsoft.com/office/drawing/2014/main" id="{E51AEA4C-4917-472A-B616-7776F134A829}"/>
+              </a:ext>
+            </a:extLst>
+          </p:cNvPr>
+          <p:cNvSpPr>
+            <a:spLocks noGrp="1"/>
+          </p:cNvSpPr>
+          <p:nvPr>
+            <p:ph type="title"/>
+          </p:nvPr>
+        </p:nvSpPr>
+        <p:spPr/>
+        <p:txBody>
+          <a:bodyPr/>
+          <a:lstStyle/>
+          <a:p>
+            <a:r>
+              <a:rPr lang="en-US"/>
+              <a:t>Assignment Statements in Profiles versus Instances</a:t>
+            </a:r>
+          </a:p>
+        </p:txBody>
+      </p:sp>
+      <p:sp>
+        <p:nvSpPr>
+          <p:cNvPr id="7" name="Content Placeholder 6">
+            <a:extLst>
+              <a:ext uri="{FF2B5EF4-FFF2-40B4-BE49-F238E27FC236}">
+                <a16:creationId xmlns:a16="http://schemas.microsoft.com/office/drawing/2014/main" id="{8DB5B9C8-E009-46C9-8C93-18BB58D7C22B}"/>
+              </a:ext>
+            </a:extLst>
+          </p:cNvPr>
+          <p:cNvSpPr>
+            <a:spLocks noGrp="1"/>
+          </p:cNvSpPr>
+          <p:nvPr>
+            <p:ph idx="1"/>
+          </p:nvPr>
+        </p:nvSpPr>
+        <p:spPr/>
+        <p:txBody>
+          <a:bodyPr>
+            <a:normAutofit lnSpcReduction="10000"/>
+          </a:bodyPr>
+          <a:lstStyle/>
+          <a:p>
+            <a:r>
+              <a:rPr lang="en-US" b="0"/>
+              <a:t>In profiles and extensions, values represent the </a:t>
+            </a:r>
+            <a:r>
+              <a:rPr lang="en-US"/>
+              <a:t>minimum criteria</a:t>
+            </a:r>
+            <a:r>
+              <a:rPr lang="en-US" b="0"/>
+              <a:t> for conformance</a:t>
+            </a:r>
+          </a:p>
+          <a:p>
+            <a:endParaRPr lang="en-US" b="0"/>
+          </a:p>
+          <a:p>
+            <a:endParaRPr lang="en-US" b="0"/>
+          </a:p>
+          <a:p>
+            <a:endParaRPr lang="en-US" b="0"/>
+          </a:p>
+          <a:p>
+            <a:endParaRPr lang="en-US" b="0"/>
+          </a:p>
+          <a:p>
+            <a:endParaRPr lang="en-US" b="0"/>
+          </a:p>
+          <a:p>
+            <a:r>
+              <a:rPr lang="en-US" b="0"/>
+              <a:t>In the context of a </a:t>
+            </a:r>
+            <a:r>
+              <a:rPr lang="en-US"/>
+              <a:t>profile</a:t>
+            </a:r>
+            <a:r>
+              <a:rPr lang="en-US" b="0"/>
+              <a:t>, the first statement signifies an instance must have (1) the system http://loinc.org and (2) the code 69548-6 to pass validation. </a:t>
+            </a:r>
+          </a:p>
+          <a:p>
+            <a:r>
+              <a:rPr lang="en-US" b="0"/>
+              <a:t>The second statement says that an instance must have (1) the system http://loinc.org, (2) the code 69548-6, </a:t>
+            </a:r>
+            <a:r>
+              <a:rPr lang="en-US"/>
+              <a:t>and (3)</a:t>
+            </a:r>
+            <a:r>
+              <a:rPr lang="en-US" b="0"/>
+              <a:t> the display text “Genetic variant assessment” to pass validation.</a:t>
+            </a:r>
+          </a:p>
+          <a:p>
+            <a:pPr marL="0" indent="0">
+              <a:buNone/>
+            </a:pPr>
+            <a:endParaRPr lang="en-US" b="0"/>
+          </a:p>
+          <a:p>
+            <a:pPr marL="0" indent="0">
+              <a:buNone/>
+            </a:pPr>
+            <a:r>
+              <a:rPr lang="en-US" b="0"/>
+              <a:t>Typically, only the system and code are important conformance criteria, so </a:t>
+            </a:r>
+            <a:r>
+              <a:rPr lang="en-US" b="0">
+                <a:highlight>
+                  <a:srgbClr val="FFFF00"/>
+                </a:highlight>
+              </a:rPr>
+              <a:t>the first statement (without the display text) is preferred in a profiling context.</a:t>
+            </a:r>
+            <a:r>
+              <a:rPr lang="en-US" b="0"/>
+              <a:t> </a:t>
+            </a:r>
+          </a:p>
+          <a:p>
+            <a:pPr marL="0" indent="0">
+              <a:buNone/>
+            </a:pPr>
+            <a:r>
+              <a:rPr lang="en-US" b="0"/>
+              <a:t>In an </a:t>
+            </a:r>
+            <a:r>
+              <a:rPr lang="en-US"/>
+              <a:t>instance</a:t>
+            </a:r>
+            <a:r>
+              <a:rPr lang="en-US" b="0"/>
+              <a:t>, however, the display text conveys additional information useful to the information receiver, so the second statement would be preferred.</a:t>
+            </a:r>
+            <a:endParaRPr lang="en-US"/>
+          </a:p>
+        </p:txBody>
+      </p:sp>
+      <p:pic>
+        <p:nvPicPr>
+          <p:cNvPr id="8" name="Picture 7">
+            <a:extLst>
+              <a:ext uri="{FF2B5EF4-FFF2-40B4-BE49-F238E27FC236}">
+                <a16:creationId xmlns:a16="http://schemas.microsoft.com/office/drawing/2014/main" id="{C05AB312-2DB5-473E-BFCD-BCF1D8297A6D}"/>
+              </a:ext>
+            </a:extLst>
+          </p:cNvPr>
+          <p:cNvPicPr>
+            <a:picLocks noChangeAspect="1"/>
+          </p:cNvPicPr>
+          <p:nvPr/>
+        </p:nvPicPr>
+        <p:blipFill>
+          <a:blip r:embed="rId2"/>
+          <a:stretch>
+            <a:fillRect/>
+          </a:stretch>
+        </p:blipFill>
+        <p:spPr>
+          <a:xfrm>
+            <a:off x="2215119" y="1810441"/>
+            <a:ext cx="6879264" cy="1497905"/>
+          </a:xfrm>
+          <a:prstGeom prst="rect">
+            <a:avLst/>
+          </a:prstGeom>
+        </p:spPr>
+      </p:pic>
+    </p:spTree>
+    <p:extLst>
+      <p:ext uri="{BB962C8B-B14F-4D97-AF65-F5344CB8AC3E}">
+        <p14:creationId xmlns:p14="http://schemas.microsoft.com/office/powerpoint/2010/main" val="831481998"/>
+      </p:ext>
+    </p:extLst>
+  </p:cSld>
+  <p:clrMapOvr>
+    <a:masterClrMapping/>
+  </p:clrMapOvr>
+</p:sld>
+</file>
+
+<file path=ppt/slides/slide32.xml><?xml version="1.0" encoding="utf-8"?>
+<p:sld xmlns:a="http://schemas.openxmlformats.org/drawingml/2006/main" xmlns:r="http://schemas.openxmlformats.org/officeDocument/2006/relationships" xmlns:p="http://schemas.openxmlformats.org/presentationml/2006/main">
+  <p:cSld>
+    <p:spTree>
+      <p:nvGrpSpPr>
+        <p:cNvPr id="1" name=""/>
+        <p:cNvGrpSpPr/>
+        <p:nvPr/>
+      </p:nvGrpSpPr>
+      <p:grpSpPr>
+        <a:xfrm>
+          <a:off x="0" y="0"/>
+          <a:ext cx="0" cy="0"/>
+          <a:chOff x="0" y="0"/>
+          <a:chExt cx="0" cy="0"/>
+        </a:xfrm>
+      </p:grpSpPr>
+      <p:sp>
+        <p:nvSpPr>
+          <p:cNvPr id="2" name="Title 1">
+            <a:extLst>
+              <a:ext uri="{FF2B5EF4-FFF2-40B4-BE49-F238E27FC236}">
+                <a16:creationId xmlns:a16="http://schemas.microsoft.com/office/drawing/2014/main" id="{B61ACAEC-B149-49E4-BD2A-AB64BB89792B}"/>
+              </a:ext>
+            </a:extLst>
+          </p:cNvPr>
+          <p:cNvSpPr>
+            <a:spLocks noGrp="1"/>
+          </p:cNvSpPr>
+          <p:nvPr>
+            <p:ph type="title"/>
+          </p:nvPr>
+        </p:nvSpPr>
+        <p:spPr/>
+        <p:txBody>
+          <a:bodyPr/>
+          <a:lstStyle/>
+          <a:p>
+            <a:r>
+              <a:rPr lang="en-US"/>
+              <a:t>Forcing an Exact Match (Profiles and Extensions)</a:t>
+            </a:r>
+          </a:p>
+        </p:txBody>
+      </p:sp>
+      <p:sp>
+        <p:nvSpPr>
+          <p:cNvPr id="3" name="Content Placeholder 2">
+            <a:extLst>
+              <a:ext uri="{FF2B5EF4-FFF2-40B4-BE49-F238E27FC236}">
+                <a16:creationId xmlns:a16="http://schemas.microsoft.com/office/drawing/2014/main" id="{B033C8AA-BFAD-4307-9C5B-B93AB1F8A69A}"/>
+              </a:ext>
+            </a:extLst>
+          </p:cNvPr>
+          <p:cNvSpPr>
+            <a:spLocks noGrp="1"/>
+          </p:cNvSpPr>
+          <p:nvPr>
+            <p:ph idx="1"/>
+          </p:nvPr>
+        </p:nvSpPr>
+        <p:spPr/>
+        <p:txBody>
+          <a:bodyPr/>
+          <a:lstStyle/>
+          <a:p>
+            <a:pPr marL="0" indent="0">
+              <a:buNone/>
+            </a:pPr>
+            <a:r>
+              <a:rPr lang="en-US"/>
+              <a:t>* {path} = {value}  (exactly)</a:t>
+            </a:r>
+          </a:p>
+          <a:p>
+            <a:pPr marL="0" indent="0">
+              <a:buNone/>
+            </a:pPr>
+            <a:endParaRPr lang="en-US"/>
+          </a:p>
+          <a:p>
+            <a:r>
+              <a:rPr lang="en-US"/>
+              <a:t>"(exactly)" indicates conformance to the profile requires a precise match to the specification, no more or less</a:t>
+            </a:r>
+          </a:p>
+          <a:p>
+            <a:pPr lvl="1"/>
+            <a:r>
+              <a:rPr lang="en-US"/>
+              <a:t>NO additional extensions, array elements, codings in CodeableConcept, etc.</a:t>
+            </a:r>
+          </a:p>
+          <a:p>
+            <a:pPr lvl="1"/>
+            <a:endParaRPr lang="en-US"/>
+          </a:p>
+          <a:p>
+            <a:r>
+              <a:rPr lang="en-US"/>
+              <a:t>Without "(exactly)" any instance that fulfills the pattern is valid -- i.e., no less but possibly more</a:t>
+            </a:r>
+          </a:p>
+          <a:p>
+            <a:pPr marL="0" indent="0">
+              <a:buNone/>
+            </a:pPr>
+            <a:endParaRPr lang="en-US"/>
+          </a:p>
+          <a:p>
+            <a:pPr marL="0" indent="0">
+              <a:buNone/>
+            </a:pPr>
+            <a:endParaRPr lang="en-US"/>
+          </a:p>
+        </p:txBody>
+      </p:sp>
+    </p:spTree>
+    <p:extLst>
+      <p:ext uri="{BB962C8B-B14F-4D97-AF65-F5344CB8AC3E}">
+        <p14:creationId xmlns:p14="http://schemas.microsoft.com/office/powerpoint/2010/main" val="2149452965"/>
+      </p:ext>
+    </p:extLst>
+  </p:cSld>
+  <p:clrMapOvr>
+    <a:masterClrMapping/>
+  </p:clrMapOvr>
+</p:sld>
+</file>
+
+<file path=ppt/slides/slide33.xml><?xml version="1.0" encoding="utf-8"?>
+<p:sld xmlns:a="http://schemas.openxmlformats.org/drawingml/2006/main" xmlns:r="http://schemas.openxmlformats.org/officeDocument/2006/relationships" xmlns:p="http://schemas.openxmlformats.org/presentationml/2006/main">
+  <p:cSld>
+    <p:spTree>
+      <p:nvGrpSpPr>
+        <p:cNvPr id="1" name=""/>
+        <p:cNvGrpSpPr/>
+        <p:nvPr/>
+      </p:nvGrpSpPr>
+      <p:grpSpPr>
+        <a:xfrm>
+          <a:off x="0" y="0"/>
+          <a:ext cx="0" cy="0"/>
+          <a:chOff x="0" y="0"/>
+          <a:chExt cx="0" cy="0"/>
+        </a:xfrm>
+      </p:grpSpPr>
+      <p:sp>
+        <p:nvSpPr>
+          <p:cNvPr id="2" name="Text Placeholder 1">
+            <a:extLst>
+              <a:ext uri="{FF2B5EF4-FFF2-40B4-BE49-F238E27FC236}">
+                <a16:creationId xmlns:a16="http://schemas.microsoft.com/office/drawing/2014/main" id="{8AD2FBE2-D46A-49AC-9F7B-F4937410C8B2}"/>
+              </a:ext>
+            </a:extLst>
+          </p:cNvPr>
+          <p:cNvSpPr>
+            <a:spLocks noGrp="1"/>
+          </p:cNvSpPr>
+          <p:nvPr>
+            <p:ph type="body" sz="quarter" idx="10"/>
+          </p:nvPr>
+        </p:nvSpPr>
+        <p:spPr>
+          <a:xfrm>
+            <a:off x="1979084" y="2770094"/>
+            <a:ext cx="8280400" cy="1382806"/>
+          </a:xfrm>
+        </p:spPr>
+        <p:txBody>
+          <a:bodyPr/>
+          <a:lstStyle/>
+          <a:p>
+            <a:r>
+              <a:rPr lang="en-US"/>
+              <a:t>Additional Rules </a:t>
+            </a:r>
+          </a:p>
+        </p:txBody>
+      </p:sp>
+    </p:spTree>
+    <p:extLst>
+      <p:ext uri="{BB962C8B-B14F-4D97-AF65-F5344CB8AC3E}">
+        <p14:creationId xmlns:p14="http://schemas.microsoft.com/office/powerpoint/2010/main" val="4063777258"/>
+      </p:ext>
+    </p:extLst>
+  </p:cSld>
+  <p:clrMapOvr>
+    <a:masterClrMapping/>
+  </p:clrMapOvr>
+</p:sld>
+</file>
+
+<file path=ppt/slides/slide34.xml><?xml version="1.0" encoding="utf-8"?>
+<p:sld xmlns:a="http://schemas.openxmlformats.org/drawingml/2006/main" xmlns:r="http://schemas.openxmlformats.org/officeDocument/2006/relationships" xmlns:p="http://schemas.openxmlformats.org/presentationml/2006/main">
+  <p:cSld>
+    <p:spTree>
+      <p:nvGrpSpPr>
+        <p:cNvPr id="1" name=""/>
+        <p:cNvGrpSpPr/>
+        <p:nvPr/>
+      </p:nvGrpSpPr>
+      <p:grpSpPr>
+        <a:xfrm>
+          <a:off x="0" y="0"/>
+          <a:ext cx="0" cy="0"/>
+          <a:chOff x="0" y="0"/>
+          <a:chExt cx="0" cy="0"/>
+        </a:xfrm>
+      </p:grpSpPr>
+      <p:sp>
+        <p:nvSpPr>
+          <p:cNvPr id="2" name="Title 1">
+            <a:extLst>
+              <a:ext uri="{FF2B5EF4-FFF2-40B4-BE49-F238E27FC236}">
                 <a16:creationId xmlns:a16="http://schemas.microsoft.com/office/drawing/2014/main" id="{58650353-2B3E-4558-832D-C4D09FFCDA70}"/>
               </a:ext>
             </a:extLst>
@@ -8934,7 +10481,7 @@
 </p:sld>
 </file>
 
-<file path=ppt/slides/slide31.xml><?xml version="1.0" encoding="utf-8"?>
+<file path=ppt/slides/slide35.xml><?xml version="1.0" encoding="utf-8"?>
 <p:sld xmlns:a="http://schemas.openxmlformats.org/drawingml/2006/main" xmlns:r="http://schemas.openxmlformats.org/officeDocument/2006/relationships" xmlns:p="http://schemas.openxmlformats.org/presentationml/2006/main">
   <p:cSld>
     <p:spTree>
@@ -9296,7 +10843,7 @@
 </p:sld>
 </file>
 
-<file path=ppt/slides/slide32.xml><?xml version="1.0" encoding="utf-8"?>
+<file path=ppt/slides/slide36.xml><?xml version="1.0" encoding="utf-8"?>
 <p:sld xmlns:a="http://schemas.openxmlformats.org/drawingml/2006/main" xmlns:r="http://schemas.openxmlformats.org/officeDocument/2006/relationships" xmlns:p="http://schemas.openxmlformats.org/presentationml/2006/main">
   <p:cSld>
     <p:spTree>
@@ -11102,7 +12649,7 @@
           <a:p>
             <a:r>
               <a:rPr lang="en-US"/>
-              <a:t>Extensions, Caret Rules, and Slicing</a:t>
+              <a:t>Value Sets</a:t>
             </a:r>
           </a:p>
         </p:txBody>
@@ -11110,7 +12657,7 @@
     </p:spTree>
     <p:extLst>
       <p:ext uri="{BB962C8B-B14F-4D97-AF65-F5344CB8AC3E}">
-        <p14:creationId xmlns:p14="http://schemas.microsoft.com/office/powerpoint/2010/main" val="1313735788"/>
+        <p14:creationId xmlns:p14="http://schemas.microsoft.com/office/powerpoint/2010/main" val="4130486263"/>
       </p:ext>
     </p:extLst>
   </p:cSld>
@@ -12077,6 +13624,34 @@
 </file>
 
 <file path=customXml/item1.xml><?xml version="1.0" encoding="utf-8"?>
+<p:properties xmlns:p="http://schemas.microsoft.com/office/2006/metadata/properties" xmlns:xsi="http://www.w3.org/2001/XMLSchema-instance" xmlns:pc="http://schemas.microsoft.com/office/infopath/2007/PartnerControls">
+  <documentManagement>
+    <MITRE_x0020_Sensitivity xmlns="http://schemas.microsoft.com/sharepoint/v3">Internal MITRE Information</MITRE_x0020_Sensitivity>
+    <_Contributor xmlns="http://schemas.microsoft.com/sharepoint/v3/fields" xsi:nil="true"/>
+    <Release_x0020_Statement xmlns="http://schemas.microsoft.com/sharepoint/v3">For Internal MITRE Use</Release_x0020_Statement>
+    <IconOverlay xmlns="http://schemas.microsoft.com/sharepoint/v4" xsi:nil="true"/>
+    <SharedWithUsers xmlns="32995615-acc2-4427-8058-58a987bf631f">
+      <UserInfo>
+        <DisplayName>Bratt, Steve</DisplayName>
+        <AccountId>16</AccountId>
+        <AccountType/>
+      </UserInfo>
+    </SharedWithUsers>
+    <Done xmlns="9d8d9bcb-1c20-4090-ad90-f1bc4cd09bb5">false</Done>
+  </documentManagement>
+</p:properties>
+</file>
+
+<file path=customXml/item2.xml><?xml version="1.0" encoding="utf-8"?>
+<?mso-contentType ?>
+<FormTemplates xmlns="http://schemas.microsoft.com/sharepoint/v3/contenttype/forms">
+  <Display>DocumentLibraryForm</Display>
+  <Edit>DocumentLibraryForm</Edit>
+  <New>DocumentLibraryForm</New>
+</FormTemplates>
+</file>
+
+<file path=customXml/item3.xml><?xml version="1.0" encoding="utf-8"?>
 <ct:contentTypeSchema xmlns:ct="http://schemas.microsoft.com/office/2006/metadata/contentType" xmlns:ma="http://schemas.microsoft.com/office/2006/metadata/properties/metaAttributes" ct:_="" ma:_="" ma:contentTypeName="MITRE Work" ma:contentTypeID="0x010100823A99C636F7423283FB0D200866C613008D2D22F45296954795878D11ED85C32B" ma:contentTypeVersion="4" ma:contentTypeDescription="Materials and documents that contain MITRE authored content and other content directly attributable to MITRE and its work" ma:contentTypeScope="" ma:versionID="de5f5d67d2f8fb2d4596a7c3f7cbd198">
   <xsd:schema xmlns:xsd="http://www.w3.org/2001/XMLSchema" xmlns:xs="http://www.w3.org/2001/XMLSchema" xmlns:p="http://schemas.microsoft.com/office/2006/metadata/properties" xmlns:ns1="http://schemas.microsoft.com/sharepoint/v3" xmlns:ns2="http://schemas.microsoft.com/sharepoint/v3/fields" xmlns:ns3="32995615-acc2-4427-8058-58a987bf631f" xmlns:ns4="http://schemas.microsoft.com/sharepoint/v4" xmlns:ns5="9d8d9bcb-1c20-4090-ad90-f1bc4cd09bb5" targetNamespace="http://schemas.microsoft.com/office/2006/metadata/properties" ma:root="true" ma:fieldsID="0385c16a5c910391f57a21aa76c23a2b" ns1:_="" ns2:_="" ns3:_="" ns4:_="" ns5:_="">
     <xsd:import namespace="http://schemas.microsoft.com/sharepoint/v3"/>
@@ -12287,35 +13862,35 @@
 </ct:contentTypeSchema>
 </file>
 
-<file path=customXml/item2.xml><?xml version="1.0" encoding="utf-8"?>
-<p:properties xmlns:p="http://schemas.microsoft.com/office/2006/metadata/properties" xmlns:xsi="http://www.w3.org/2001/XMLSchema-instance" xmlns:pc="http://schemas.microsoft.com/office/infopath/2007/PartnerControls">
-  <documentManagement>
-    <MITRE_x0020_Sensitivity xmlns="http://schemas.microsoft.com/sharepoint/v3">Internal MITRE Information</MITRE_x0020_Sensitivity>
-    <_Contributor xmlns="http://schemas.microsoft.com/sharepoint/v3/fields" xsi:nil="true"/>
-    <Release_x0020_Statement xmlns="http://schemas.microsoft.com/sharepoint/v3">For Internal MITRE Use</Release_x0020_Statement>
-    <IconOverlay xmlns="http://schemas.microsoft.com/sharepoint/v4" xsi:nil="true"/>
-    <SharedWithUsers xmlns="32995615-acc2-4427-8058-58a987bf631f">
-      <UserInfo>
-        <DisplayName>Bratt, Steve</DisplayName>
-        <AccountId>16</AccountId>
-        <AccountType/>
-      </UserInfo>
-    </SharedWithUsers>
-    <Done xmlns="9d8d9bcb-1c20-4090-ad90-f1bc4cd09bb5">false</Done>
-  </documentManagement>
-</p:properties>
+<file path=customXml/itemProps1.xml><?xml version="1.0" encoding="utf-8"?>
+<ds:datastoreItem xmlns:ds="http://schemas.openxmlformats.org/officeDocument/2006/customXml" ds:itemID="{798B6E99-22AC-46E7-9AD5-1169D05ABD3D}">
+  <ds:schemaRefs>
+    <ds:schemaRef ds:uri="http://schemas.microsoft.com/sharepoint/v4"/>
+    <ds:schemaRef ds:uri="http://purl.org/dc/terms/"/>
+    <ds:schemaRef ds:uri="http://schemas.openxmlformats.org/package/2006/metadata/core-properties"/>
+    <ds:schemaRef ds:uri="http://schemas.microsoft.com/office/2006/documentManagement/types"/>
+    <ds:schemaRef ds:uri="http://schemas.microsoft.com/office/infopath/2007/PartnerControls"/>
+    <ds:schemaRef ds:uri="9d8d9bcb-1c20-4090-ad90-f1bc4cd09bb5"/>
+    <ds:schemaRef ds:uri="http://purl.org/dc/elements/1.1/"/>
+    <ds:schemaRef ds:uri="http://schemas.microsoft.com/office/2006/metadata/properties"/>
+    <ds:schemaRef ds:uri="32995615-acc2-4427-8058-58a987bf631f"/>
+    <ds:schemaRef ds:uri="http://schemas.microsoft.com/sharepoint/v3"/>
+    <ds:schemaRef ds:uri="http://schemas.microsoft.com/sharepoint/v3/fields"/>
+    <ds:schemaRef ds:uri="http://www.w3.org/XML/1998/namespace"/>
+    <ds:schemaRef ds:uri="http://purl.org/dc/dcmitype/"/>
+  </ds:schemaRefs>
+</ds:datastoreItem>
 </file>
 
-<file path=customXml/item3.xml><?xml version="1.0" encoding="utf-8"?>
-<?mso-contentType ?>
-<FormTemplates xmlns="http://schemas.microsoft.com/sharepoint/v3/contenttype/forms">
-  <Display>DocumentLibraryForm</Display>
-  <Edit>DocumentLibraryForm</Edit>
-  <New>DocumentLibraryForm</New>
-</FormTemplates>
+<file path=customXml/itemProps2.xml><?xml version="1.0" encoding="utf-8"?>
+<ds:datastoreItem xmlns:ds="http://schemas.openxmlformats.org/officeDocument/2006/customXml" ds:itemID="{04E3FB36-E09C-409A-9E82-984A02FDDC50}">
+  <ds:schemaRefs>
+    <ds:schemaRef ds:uri="http://schemas.microsoft.com/sharepoint/v3/contenttype/forms"/>
+  </ds:schemaRefs>
+</ds:datastoreItem>
 </file>
 
-<file path=customXml/itemProps1.xml><?xml version="1.0" encoding="utf-8"?>
+<file path=customXml/itemProps3.xml><?xml version="1.0" encoding="utf-8"?>
 <ds:datastoreItem xmlns:ds="http://schemas.openxmlformats.org/officeDocument/2006/customXml" ds:itemID="{893AF4BF-7DC8-4F54-8E81-F1227309074A}">
   <ds:schemaRefs>
     <ds:schemaRef ds:uri="http://schemas.microsoft.com/office/2006/metadata/contentType"/>
@@ -12335,32 +13910,4 @@
     <ds:schemaRef ds:uri="http://schemas.microsoft.com/internal/obd"/>
   </ds:schemaRefs>
 </ds:datastoreItem>
-</file>
-
-<file path=customXml/itemProps2.xml><?xml version="1.0" encoding="utf-8"?>
-<ds:datastoreItem xmlns:ds="http://schemas.openxmlformats.org/officeDocument/2006/customXml" ds:itemID="{798B6E99-22AC-46E7-9AD5-1169D05ABD3D}">
-  <ds:schemaRefs>
-    <ds:schemaRef ds:uri="http://schemas.microsoft.com/sharepoint/v4"/>
-    <ds:schemaRef ds:uri="http://purl.org/dc/terms/"/>
-    <ds:schemaRef ds:uri="http://schemas.openxmlformats.org/package/2006/metadata/core-properties"/>
-    <ds:schemaRef ds:uri="http://schemas.microsoft.com/office/2006/documentManagement/types"/>
-    <ds:schemaRef ds:uri="http://schemas.microsoft.com/office/infopath/2007/PartnerControls"/>
-    <ds:schemaRef ds:uri="9d8d9bcb-1c20-4090-ad90-f1bc4cd09bb5"/>
-    <ds:schemaRef ds:uri="http://purl.org/dc/elements/1.1/"/>
-    <ds:schemaRef ds:uri="http://schemas.microsoft.com/office/2006/metadata/properties"/>
-    <ds:schemaRef ds:uri="32995615-acc2-4427-8058-58a987bf631f"/>
-    <ds:schemaRef ds:uri="http://schemas.microsoft.com/sharepoint/v3"/>
-    <ds:schemaRef ds:uri="http://schemas.microsoft.com/sharepoint/v3/fields"/>
-    <ds:schemaRef ds:uri="http://www.w3.org/XML/1998/namespace"/>
-    <ds:schemaRef ds:uri="http://purl.org/dc/dcmitype/"/>
-  </ds:schemaRefs>
-</ds:datastoreItem>
-</file>
-
-<file path=customXml/itemProps3.xml><?xml version="1.0" encoding="utf-8"?>
-<ds:datastoreItem xmlns:ds="http://schemas.openxmlformats.org/officeDocument/2006/customXml" ds:itemID="{04E3FB36-E09C-409A-9E82-984A02FDDC50}">
-  <ds:schemaRefs>
-    <ds:schemaRef ds:uri="http://schemas.microsoft.com/sharepoint/v3/contenttype/forms"/>
-  </ds:schemaRefs>
-</ds:datastoreItem>
 </file>